--- a/estrategias/monotonic-pointers.pptx
+++ b/estrategias/monotonic-pointers.pptx
@@ -17,23 +17,25 @@
     <p:sldId id="262" r:id="rId13"/>
     <p:sldId id="263" r:id="rId14"/>
     <p:sldId id="264" r:id="rId15"/>
+    <p:sldId id="265" r:id="rId16"/>
+    <p:sldId id="266" r:id="rId17"/>
   </p:sldIdLst>
   <p:sldSz cy="5143500" cx="9144000"/>
   <p:notesSz cx="6858000" cy="9144000"/>
   <p:embeddedFontLst>
     <p:embeddedFont>
       <p:font typeface="Raleway"/>
-      <p:regular r:id="rId16"/>
-      <p:bold r:id="rId17"/>
-      <p:italic r:id="rId18"/>
-      <p:boldItalic r:id="rId19"/>
+      <p:regular r:id="rId18"/>
+      <p:bold r:id="rId19"/>
+      <p:italic r:id="rId20"/>
+      <p:boldItalic r:id="rId21"/>
     </p:embeddedFont>
     <p:embeddedFont>
       <p:font typeface="Lato"/>
-      <p:regular r:id="rId20"/>
-      <p:bold r:id="rId21"/>
-      <p:italic r:id="rId22"/>
-      <p:boldItalic r:id="rId23"/>
+      <p:regular r:id="rId22"/>
+      <p:bold r:id="rId23"/>
+      <p:italic r:id="rId24"/>
+      <p:boldItalic r:id="rId25"/>
     </p:embeddedFont>
   </p:embeddedFontLst>
   <p:defaultTextStyle>
@@ -809,6 +811,204 @@
 </p:notes>
 </file>
 
+<file path=ppt/notesSlides/notesSlide10.xml><?xml version="1.0" encoding="utf-8"?>
+<p:notes xmlns:a="http://schemas.openxmlformats.org/drawingml/2006/main" xmlns:r="http://schemas.openxmlformats.org/officeDocument/2006/relationships" xmlns:mc="http://schemas.openxmlformats.org/markup-compatibility/2006" xmlns:mv="urn:schemas-microsoft-com:mac:vml" xmlns:p="http://schemas.openxmlformats.org/presentationml/2006/main" xmlns:c="http://schemas.openxmlformats.org/drawingml/2006/chart" xmlns:dgm="http://schemas.openxmlformats.org/drawingml/2006/diagram" xmlns:o="urn:schemas-microsoft-com:office:office" xmlns:v="urn:schemas-microsoft-com:vml" xmlns:pvml="urn:schemas-microsoft-com:office:powerpoint" xmlns:com="http://schemas.openxmlformats.org/drawingml/2006/compatibility" xmlns:p14="http://schemas.microsoft.com/office/powerpoint/2010/main" xmlns:p15="http://schemas.microsoft.com/office/powerpoint/2012/main" xmlns:ahyp="http://schemas.microsoft.com/office/drawing/2018/hyperlinkcolor" showMasterPhAnim="0" showMasterSp="0">
+  <p:cSld>
+    <p:spTree>
+      <p:nvGrpSpPr>
+        <p:cNvPr id="219" name="Shape 219"/>
+        <p:cNvGrpSpPr/>
+        <p:nvPr/>
+      </p:nvGrpSpPr>
+      <p:grpSpPr>
+        <a:xfrm>
+          <a:off x="0" y="0"/>
+          <a:ext cx="0" cy="0"/>
+          <a:chOff x="0" y="0"/>
+          <a:chExt cx="0" cy="0"/>
+        </a:xfrm>
+      </p:grpSpPr>
+      <p:sp>
+        <p:nvSpPr>
+          <p:cNvPr id="220" name="Google Shape;220;g2236e445195_0_278:notes"/>
+          <p:cNvSpPr/>
+          <p:nvPr>
+            <p:ph idx="2" type="sldImg"/>
+          </p:nvPr>
+        </p:nvSpPr>
+        <p:spPr>
+          <a:xfrm>
+            <a:off x="381300" y="685800"/>
+            <a:ext cx="6096000" cy="3429000"/>
+          </a:xfrm>
+          <a:custGeom>
+            <a:rect b="b" l="l" r="r" t="t"/>
+            <a:pathLst>
+              <a:path extrusionOk="0" h="120000" w="120000">
+                <a:moveTo>
+                  <a:pt x="0" y="0"/>
+                </a:moveTo>
+                <a:lnTo>
+                  <a:pt x="120000" y="0"/>
+                </a:lnTo>
+                <a:lnTo>
+                  <a:pt x="120000" y="120000"/>
+                </a:lnTo>
+                <a:lnTo>
+                  <a:pt x="0" y="120000"/>
+                </a:lnTo>
+                <a:close/>
+              </a:path>
+            </a:pathLst>
+          </a:custGeom>
+        </p:spPr>
+      </p:sp>
+      <p:sp>
+        <p:nvSpPr>
+          <p:cNvPr id="221" name="Google Shape;221;g2236e445195_0_278:notes"/>
+          <p:cNvSpPr txBox="1"/>
+          <p:nvPr>
+            <p:ph idx="1" type="body"/>
+          </p:nvPr>
+        </p:nvSpPr>
+        <p:spPr>
+          <a:xfrm>
+            <a:off x="685800" y="4343400"/>
+            <a:ext cx="5486400" cy="4114800"/>
+          </a:xfrm>
+          <a:prstGeom prst="rect">
+            <a:avLst/>
+          </a:prstGeom>
+        </p:spPr>
+        <p:txBody>
+          <a:bodyPr anchorCtr="0" anchor="t" bIns="91425" lIns="91425" spcFirstLastPara="1" rIns="91425" wrap="square" tIns="91425">
+            <a:noAutofit/>
+          </a:bodyPr>
+          <a:lstStyle/>
+          <a:p>
+            <a:pPr indent="0" lvl="0" marL="0" rtl="0" algn="l">
+              <a:spcBef>
+                <a:spcPts val="0"/>
+              </a:spcBef>
+              <a:spcAft>
+                <a:spcPts val="0"/>
+              </a:spcAft>
+              <a:buNone/>
+            </a:pPr>
+            <a:r>
+              <a:t/>
+            </a:r>
+            <a:endParaRPr/>
+          </a:p>
+        </p:txBody>
+      </p:sp>
+    </p:spTree>
+  </p:cSld>
+  <p:clrMapOvr>
+    <a:masterClrMapping/>
+  </p:clrMapOvr>
+</p:notes>
+</file>
+
+<file path=ppt/notesSlides/notesSlide11.xml><?xml version="1.0" encoding="utf-8"?>
+<p:notes xmlns:a="http://schemas.openxmlformats.org/drawingml/2006/main" xmlns:r="http://schemas.openxmlformats.org/officeDocument/2006/relationships" xmlns:mc="http://schemas.openxmlformats.org/markup-compatibility/2006" xmlns:mv="urn:schemas-microsoft-com:mac:vml" xmlns:p="http://schemas.openxmlformats.org/presentationml/2006/main" xmlns:c="http://schemas.openxmlformats.org/drawingml/2006/chart" xmlns:dgm="http://schemas.openxmlformats.org/drawingml/2006/diagram" xmlns:o="urn:schemas-microsoft-com:office:office" xmlns:v="urn:schemas-microsoft-com:vml" xmlns:pvml="urn:schemas-microsoft-com:office:powerpoint" xmlns:com="http://schemas.openxmlformats.org/drawingml/2006/compatibility" xmlns:p14="http://schemas.microsoft.com/office/powerpoint/2010/main" xmlns:p15="http://schemas.microsoft.com/office/powerpoint/2012/main" xmlns:ahyp="http://schemas.microsoft.com/office/drawing/2018/hyperlinkcolor" showMasterPhAnim="0" showMasterSp="0">
+  <p:cSld>
+    <p:spTree>
+      <p:nvGrpSpPr>
+        <p:cNvPr id="229" name="Shape 229"/>
+        <p:cNvGrpSpPr/>
+        <p:nvPr/>
+      </p:nvGrpSpPr>
+      <p:grpSpPr>
+        <a:xfrm>
+          <a:off x="0" y="0"/>
+          <a:ext cx="0" cy="0"/>
+          <a:chOff x="0" y="0"/>
+          <a:chExt cx="0" cy="0"/>
+        </a:xfrm>
+      </p:grpSpPr>
+      <p:sp>
+        <p:nvSpPr>
+          <p:cNvPr id="230" name="Google Shape;230;g2265c1a0eb5_0_0:notes"/>
+          <p:cNvSpPr/>
+          <p:nvPr>
+            <p:ph idx="2" type="sldImg"/>
+          </p:nvPr>
+        </p:nvSpPr>
+        <p:spPr>
+          <a:xfrm>
+            <a:off x="381300" y="685800"/>
+            <a:ext cx="6096000" cy="3429000"/>
+          </a:xfrm>
+          <a:custGeom>
+            <a:rect b="b" l="l" r="r" t="t"/>
+            <a:pathLst>
+              <a:path extrusionOk="0" h="120000" w="120000">
+                <a:moveTo>
+                  <a:pt x="0" y="0"/>
+                </a:moveTo>
+                <a:lnTo>
+                  <a:pt x="120000" y="0"/>
+                </a:lnTo>
+                <a:lnTo>
+                  <a:pt x="120000" y="120000"/>
+                </a:lnTo>
+                <a:lnTo>
+                  <a:pt x="0" y="120000"/>
+                </a:lnTo>
+                <a:close/>
+              </a:path>
+            </a:pathLst>
+          </a:custGeom>
+        </p:spPr>
+      </p:sp>
+      <p:sp>
+        <p:nvSpPr>
+          <p:cNvPr id="231" name="Google Shape;231;g2265c1a0eb5_0_0:notes"/>
+          <p:cNvSpPr txBox="1"/>
+          <p:nvPr>
+            <p:ph idx="1" type="body"/>
+          </p:nvPr>
+        </p:nvSpPr>
+        <p:spPr>
+          <a:xfrm>
+            <a:off x="685800" y="4343400"/>
+            <a:ext cx="5486400" cy="4114800"/>
+          </a:xfrm>
+          <a:prstGeom prst="rect">
+            <a:avLst/>
+          </a:prstGeom>
+        </p:spPr>
+        <p:txBody>
+          <a:bodyPr anchorCtr="0" anchor="t" bIns="91425" lIns="91425" spcFirstLastPara="1" rIns="91425" wrap="square" tIns="91425">
+            <a:noAutofit/>
+          </a:bodyPr>
+          <a:lstStyle/>
+          <a:p>
+            <a:pPr indent="0" lvl="0" marL="0" rtl="0" algn="l">
+              <a:spcBef>
+                <a:spcPts val="0"/>
+              </a:spcBef>
+              <a:spcAft>
+                <a:spcPts val="0"/>
+              </a:spcAft>
+              <a:buNone/>
+            </a:pPr>
+            <a:r>
+              <a:t/>
+            </a:r>
+            <a:endParaRPr/>
+          </a:p>
+        </p:txBody>
+      </p:sp>
+    </p:spTree>
+  </p:cSld>
+  <p:clrMapOvr>
+    <a:masterClrMapping/>
+  </p:clrMapOvr>
+</p:notes>
+</file>
+
 <file path=ppt/notesSlides/notesSlide2.xml><?xml version="1.0" encoding="utf-8"?>
 <p:notes xmlns:a="http://schemas.openxmlformats.org/drawingml/2006/main" xmlns:r="http://schemas.openxmlformats.org/officeDocument/2006/relationships" xmlns:mc="http://schemas.openxmlformats.org/markup-compatibility/2006" xmlns:mv="urn:schemas-microsoft-com:mac:vml" xmlns:p="http://schemas.openxmlformats.org/presentationml/2006/main" xmlns:c="http://schemas.openxmlformats.org/drawingml/2006/chart" xmlns:dgm="http://schemas.openxmlformats.org/drawingml/2006/diagram" xmlns:o="urn:schemas-microsoft-com:office:office" xmlns:v="urn:schemas-microsoft-com:vml" xmlns:pvml="urn:schemas-microsoft-com:office:powerpoint" xmlns:com="http://schemas.openxmlformats.org/drawingml/2006/compatibility" xmlns:p14="http://schemas.microsoft.com/office/powerpoint/2010/main" xmlns:p15="http://schemas.microsoft.com/office/powerpoint/2012/main" xmlns:ahyp="http://schemas.microsoft.com/office/drawing/2018/hyperlinkcolor" showMasterPhAnim="0" showMasterSp="0">
   <p:cSld>
@@ -927,7 +1127,7 @@
       </p:grpSpPr>
       <p:sp>
         <p:nvSpPr>
-          <p:cNvPr id="106" name="Google Shape;106;g2236e445195_0_174:notes"/>
+          <p:cNvPr id="106" name="Google Shape;106;g254ec2eea7e_0_0:notes"/>
           <p:cNvSpPr/>
           <p:nvPr>
             <p:ph idx="2" type="sldImg"/>
@@ -962,7 +1162,7 @@
       </p:sp>
       <p:sp>
         <p:nvSpPr>
-          <p:cNvPr id="107" name="Google Shape;107;g2236e445195_0_174:notes"/>
+          <p:cNvPr id="107" name="Google Shape;107;g254ec2eea7e_0_0:notes"/>
           <p:cNvSpPr txBox="1"/>
           <p:nvPr>
             <p:ph idx="1" type="body"/>
@@ -1012,7 +1212,7 @@
   <p:cSld>
     <p:spTree>
       <p:nvGrpSpPr>
-        <p:cNvPr id="117" name="Shape 117"/>
+        <p:cNvPr id="119" name="Shape 119"/>
         <p:cNvGrpSpPr/>
         <p:nvPr/>
       </p:nvGrpSpPr>
@@ -1026,7 +1226,7 @@
       </p:grpSpPr>
       <p:sp>
         <p:nvSpPr>
-          <p:cNvPr id="118" name="Google Shape;118;g2236e445195_0_189:notes"/>
+          <p:cNvPr id="120" name="Google Shape;120;g2236e445195_0_174:notes"/>
           <p:cNvSpPr/>
           <p:nvPr>
             <p:ph idx="2" type="sldImg"/>
@@ -1061,7 +1261,7 @@
       </p:sp>
       <p:sp>
         <p:nvSpPr>
-          <p:cNvPr id="119" name="Google Shape;119;g2236e445195_0_189:notes"/>
+          <p:cNvPr id="121" name="Google Shape;121;g2236e445195_0_174:notes"/>
           <p:cNvSpPr txBox="1"/>
           <p:nvPr>
             <p:ph idx="1" type="body"/>
@@ -1111,7 +1311,7 @@
   <p:cSld>
     <p:spTree>
       <p:nvGrpSpPr>
-        <p:cNvPr id="129" name="Shape 129"/>
+        <p:cNvPr id="133" name="Shape 133"/>
         <p:cNvGrpSpPr/>
         <p:nvPr/>
       </p:nvGrpSpPr>
@@ -1125,7 +1325,7 @@
       </p:grpSpPr>
       <p:sp>
         <p:nvSpPr>
-          <p:cNvPr id="130" name="Google Shape;130;g2236e445195_0_201:notes"/>
+          <p:cNvPr id="134" name="Google Shape;134;g254ec2eea7e_0_11:notes"/>
           <p:cNvSpPr/>
           <p:nvPr>
             <p:ph idx="2" type="sldImg"/>
@@ -1160,7 +1360,7 @@
       </p:sp>
       <p:sp>
         <p:nvSpPr>
-          <p:cNvPr id="131" name="Google Shape;131;g2236e445195_0_201:notes"/>
+          <p:cNvPr id="135" name="Google Shape;135;g254ec2eea7e_0_11:notes"/>
           <p:cNvSpPr txBox="1"/>
           <p:nvPr>
             <p:ph idx="1" type="body"/>
@@ -1210,7 +1410,7 @@
   <p:cSld>
     <p:spTree>
       <p:nvGrpSpPr>
-        <p:cNvPr id="150" name="Shape 150"/>
+        <p:cNvPr id="151" name="Shape 151"/>
         <p:cNvGrpSpPr/>
         <p:nvPr/>
       </p:nvGrpSpPr>
@@ -1224,7 +1424,7 @@
       </p:grpSpPr>
       <p:sp>
         <p:nvSpPr>
-          <p:cNvPr id="151" name="Google Shape;151;g2236e445195_0_223:notes"/>
+          <p:cNvPr id="152" name="Google Shape;152;g2236e445195_0_189:notes"/>
           <p:cNvSpPr/>
           <p:nvPr>
             <p:ph idx="2" type="sldImg"/>
@@ -1259,7 +1459,7 @@
       </p:sp>
       <p:sp>
         <p:nvSpPr>
-          <p:cNvPr id="152" name="Google Shape;152;g2236e445195_0_223:notes"/>
+          <p:cNvPr id="153" name="Google Shape;153;g2236e445195_0_189:notes"/>
           <p:cNvSpPr txBox="1"/>
           <p:nvPr>
             <p:ph idx="1" type="body"/>
@@ -1309,7 +1509,7 @@
   <p:cSld>
     <p:spTree>
       <p:nvGrpSpPr>
-        <p:cNvPr id="171" name="Shape 171"/>
+        <p:cNvPr id="162" name="Shape 162"/>
         <p:cNvGrpSpPr/>
         <p:nvPr/>
       </p:nvGrpSpPr>
@@ -1323,7 +1523,7 @@
       </p:grpSpPr>
       <p:sp>
         <p:nvSpPr>
-          <p:cNvPr id="172" name="Google Shape;172;g2265c1a0eb5_0_26:notes"/>
+          <p:cNvPr id="163" name="Google Shape;163;g254ec2eea7e_0_23:notes"/>
           <p:cNvSpPr/>
           <p:nvPr>
             <p:ph idx="2" type="sldImg"/>
@@ -1358,7 +1558,7 @@
       </p:sp>
       <p:sp>
         <p:nvSpPr>
-          <p:cNvPr id="173" name="Google Shape;173;g2265c1a0eb5_0_26:notes"/>
+          <p:cNvPr id="164" name="Google Shape;164;g254ec2eea7e_0_23:notes"/>
           <p:cNvSpPr txBox="1"/>
           <p:nvPr>
             <p:ph idx="1" type="body"/>
@@ -1408,7 +1608,7 @@
   <p:cSld>
     <p:spTree>
       <p:nvGrpSpPr>
-        <p:cNvPr id="192" name="Shape 192"/>
+        <p:cNvPr id="176" name="Shape 176"/>
         <p:cNvGrpSpPr/>
         <p:nvPr/>
       </p:nvGrpSpPr>
@@ -1422,7 +1622,7 @@
       </p:grpSpPr>
       <p:sp>
         <p:nvSpPr>
-          <p:cNvPr id="193" name="Google Shape;193;g2236e445195_0_278:notes"/>
+          <p:cNvPr id="177" name="Google Shape;177;g2236e445195_0_201:notes"/>
           <p:cNvSpPr/>
           <p:nvPr>
             <p:ph idx="2" type="sldImg"/>
@@ -1457,7 +1657,7 @@
       </p:sp>
       <p:sp>
         <p:nvSpPr>
-          <p:cNvPr id="194" name="Google Shape;194;g2236e445195_0_278:notes"/>
+          <p:cNvPr id="178" name="Google Shape;178;g2236e445195_0_201:notes"/>
           <p:cNvSpPr txBox="1"/>
           <p:nvPr>
             <p:ph idx="1" type="body"/>
@@ -1507,7 +1707,7 @@
   <p:cSld>
     <p:spTree>
       <p:nvGrpSpPr>
-        <p:cNvPr id="202" name="Shape 202"/>
+        <p:cNvPr id="212" name="Shape 212"/>
         <p:cNvGrpSpPr/>
         <p:nvPr/>
       </p:nvGrpSpPr>
@@ -1521,7 +1721,7 @@
       </p:grpSpPr>
       <p:sp>
         <p:nvSpPr>
-          <p:cNvPr id="203" name="Google Shape;203;g2265c1a0eb5_0_0:notes"/>
+          <p:cNvPr id="213" name="Google Shape;213;g2236e445195_0_223:notes"/>
           <p:cNvSpPr/>
           <p:nvPr>
             <p:ph idx="2" type="sldImg"/>
@@ -1556,7 +1756,7 @@
       </p:sp>
       <p:sp>
         <p:nvSpPr>
-          <p:cNvPr id="204" name="Google Shape;204;g2265c1a0eb5_0_0:notes"/>
+          <p:cNvPr id="214" name="Google Shape;214;g2236e445195_0_223:notes"/>
           <p:cNvSpPr txBox="1"/>
           <p:nvPr>
             <p:ph idx="1" type="body"/>
@@ -7939,7 +8139,22 @@
             </a:pPr>
             <a:r>
               <a:rPr lang="pt-BR"/>
-              <a:t>Estruturas de dados intermediária </a:t>
+              <a:t>Técnicas de programação</a:t>
+            </a:r>
+            <a:endParaRPr/>
+          </a:p>
+          <a:p>
+            <a:pPr indent="0" lvl="0" marL="0" rtl="0" algn="l">
+              <a:spcBef>
+                <a:spcPts val="0"/>
+              </a:spcBef>
+              <a:spcAft>
+                <a:spcPts val="0"/>
+              </a:spcAft>
+              <a:buNone/>
+            </a:pPr>
+            <a:r>
+              <a:t/>
             </a:r>
             <a:endParaRPr/>
           </a:p>
@@ -8057,6 +8272,503 @@
       <p:sp>
         <p:nvSpPr>
           <p:cNvPr id="89" name="Google Shape;89;p13"/>
+          <p:cNvSpPr txBox="1"/>
+          <p:nvPr>
+            <p:ph idx="12" type="sldNum"/>
+          </p:nvPr>
+        </p:nvSpPr>
+        <p:spPr>
+          <a:xfrm>
+            <a:off x="8536302" y="4749851"/>
+            <a:ext cx="548700" cy="393600"/>
+          </a:xfrm>
+          <a:prstGeom prst="rect">
+            <a:avLst/>
+          </a:prstGeom>
+        </p:spPr>
+        <p:txBody>
+          <a:bodyPr anchorCtr="0" anchor="ctr" bIns="91425" lIns="91425" spcFirstLastPara="1" rIns="91425" wrap="square" tIns="91425">
+            <a:normAutofit/>
+          </a:bodyPr>
+          <a:lstStyle/>
+          <a:p>
+            <a:pPr indent="0" lvl="0" marL="0" rtl="0" algn="r">
+              <a:spcBef>
+                <a:spcPts val="0"/>
+              </a:spcBef>
+              <a:spcAft>
+                <a:spcPts val="0"/>
+              </a:spcAft>
+              <a:buNone/>
+            </a:pPr>
+            <a:fld id="{00000000-1234-1234-1234-123412341234}" type="slidenum">
+              <a:rPr lang="pt-BR"/>
+              <a:t>‹#›</a:t>
+            </a:fld>
+            <a:endParaRPr/>
+          </a:p>
+        </p:txBody>
+      </p:sp>
+    </p:spTree>
+  </p:cSld>
+  <p:clrMapOvr>
+    <a:masterClrMapping/>
+  </p:clrMapOvr>
+</p:sld>
+</file>
+
+<file path=ppt/slides/slide10.xml><?xml version="1.0" encoding="utf-8"?>
+<p:sld xmlns:a="http://schemas.openxmlformats.org/drawingml/2006/main" xmlns:r="http://schemas.openxmlformats.org/officeDocument/2006/relationships" xmlns:mc="http://schemas.openxmlformats.org/markup-compatibility/2006" xmlns:mv="urn:schemas-microsoft-com:mac:vml" xmlns:p="http://schemas.openxmlformats.org/presentationml/2006/main" xmlns:c="http://schemas.openxmlformats.org/drawingml/2006/chart" xmlns:dgm="http://schemas.openxmlformats.org/drawingml/2006/diagram" xmlns:o="urn:schemas-microsoft-com:office:office" xmlns:v="urn:schemas-microsoft-com:vml" xmlns:pvml="urn:schemas-microsoft-com:office:powerpoint" xmlns:com="http://schemas.openxmlformats.org/drawingml/2006/compatibility" xmlns:p14="http://schemas.microsoft.com/office/powerpoint/2010/main" xmlns:p15="http://schemas.microsoft.com/office/powerpoint/2012/main" xmlns:ahyp="http://schemas.microsoft.com/office/drawing/2018/hyperlinkcolor">
+  <p:cSld>
+    <p:spTree>
+      <p:nvGrpSpPr>
+        <p:cNvPr id="222" name="Shape 222"/>
+        <p:cNvGrpSpPr/>
+        <p:nvPr/>
+      </p:nvGrpSpPr>
+      <p:grpSpPr>
+        <a:xfrm>
+          <a:off x="0" y="0"/>
+          <a:ext cx="0" cy="0"/>
+          <a:chOff x="0" y="0"/>
+          <a:chExt cx="0" cy="0"/>
+        </a:xfrm>
+      </p:grpSpPr>
+      <p:sp>
+        <p:nvSpPr>
+          <p:cNvPr id="223" name="Google Shape;223;p22"/>
+          <p:cNvSpPr txBox="1"/>
+          <p:nvPr>
+            <p:ph type="title"/>
+          </p:nvPr>
+        </p:nvSpPr>
+        <p:spPr>
+          <a:xfrm>
+            <a:off x="33550" y="416700"/>
+            <a:ext cx="2257500" cy="1126500"/>
+          </a:xfrm>
+          <a:prstGeom prst="rect">
+            <a:avLst/>
+          </a:prstGeom>
+        </p:spPr>
+        <p:txBody>
+          <a:bodyPr anchorCtr="0" anchor="t" bIns="91425" lIns="91425" spcFirstLastPara="1" rIns="91425" wrap="square" tIns="91425">
+            <a:normAutofit/>
+          </a:bodyPr>
+          <a:lstStyle/>
+          <a:p>
+            <a:pPr indent="0" lvl="0" marL="0" rtl="0" algn="ctr">
+              <a:spcBef>
+                <a:spcPts val="0"/>
+              </a:spcBef>
+              <a:spcAft>
+                <a:spcPts val="0"/>
+              </a:spcAft>
+              <a:buNone/>
+            </a:pPr>
+            <a:r>
+              <a:rPr lang="pt-BR" sz="2100"/>
+              <a:t>Implementação em C++</a:t>
+            </a:r>
+            <a:endParaRPr sz="2100"/>
+          </a:p>
+        </p:txBody>
+      </p:sp>
+      <p:sp>
+        <p:nvSpPr>
+          <p:cNvPr id="224" name="Google Shape;224;p22"/>
+          <p:cNvSpPr txBox="1"/>
+          <p:nvPr>
+            <p:ph idx="1" type="body"/>
+          </p:nvPr>
+        </p:nvSpPr>
+        <p:spPr>
+          <a:xfrm>
+            <a:off x="33550" y="1437800"/>
+            <a:ext cx="2180400" cy="1819800"/>
+          </a:xfrm>
+          <a:prstGeom prst="rect">
+            <a:avLst/>
+          </a:prstGeom>
+        </p:spPr>
+        <p:txBody>
+          <a:bodyPr anchorCtr="0" anchor="t" bIns="91425" lIns="91425" spcFirstLastPara="1" rIns="91425" wrap="square" tIns="91425">
+            <a:normAutofit/>
+          </a:bodyPr>
+          <a:lstStyle/>
+          <a:p>
+            <a:pPr indent="0" lvl="0" marL="0" rtl="0" algn="just">
+              <a:spcBef>
+                <a:spcPts val="0"/>
+              </a:spcBef>
+              <a:spcAft>
+                <a:spcPts val="1200"/>
+              </a:spcAft>
+              <a:buNone/>
+            </a:pPr>
+            <a:r>
+              <a:rPr lang="pt-BR"/>
+              <a:t>Ao lado há uma das </a:t>
+            </a:r>
+            <a:r>
+              <a:rPr lang="pt-BR"/>
+              <a:t>possíveis implementações</a:t>
+            </a:r>
+            <a:r>
+              <a:rPr lang="pt-BR"/>
+              <a:t> do problema clássico de encontrar quantos pares de dois elementos diferentes que somados resultem em X.</a:t>
+            </a:r>
+            <a:endParaRPr/>
+          </a:p>
+        </p:txBody>
+      </p:sp>
+      <p:pic>
+        <p:nvPicPr>
+          <p:cNvPr id="225" name="Google Shape;225;p22"/>
+          <p:cNvPicPr preferRelativeResize="0"/>
+          <p:nvPr/>
+        </p:nvPicPr>
+        <p:blipFill>
+          <a:blip r:embed="rId3">
+            <a:alphaModFix/>
+          </a:blip>
+          <a:stretch>
+            <a:fillRect/>
+          </a:stretch>
+        </p:blipFill>
+        <p:spPr>
+          <a:xfrm>
+            <a:off x="2291046" y="462163"/>
+            <a:ext cx="6852950" cy="4681325"/>
+          </a:xfrm>
+          <a:prstGeom prst="rect">
+            <a:avLst/>
+          </a:prstGeom>
+          <a:noFill/>
+          <a:ln>
+            <a:noFill/>
+          </a:ln>
+        </p:spPr>
+      </p:pic>
+      <p:sp>
+        <p:nvSpPr>
+          <p:cNvPr id="226" name="Google Shape;226;p22"/>
+          <p:cNvSpPr/>
+          <p:nvPr/>
+        </p:nvSpPr>
+        <p:spPr>
+          <a:xfrm>
+            <a:off x="119275" y="3724675"/>
+            <a:ext cx="2064900" cy="1205100"/>
+          </a:xfrm>
+          <a:prstGeom prst="roundRect">
+            <a:avLst>
+              <a:gd fmla="val 16667" name="adj"/>
+            </a:avLst>
+          </a:prstGeom>
+          <a:solidFill>
+            <a:schemeClr val="lt2"/>
+          </a:solidFill>
+          <a:ln cap="flat" cmpd="sng" w="9525">
+            <a:solidFill>
+              <a:schemeClr val="dk2"/>
+            </a:solidFill>
+            <a:prstDash val="solid"/>
+            <a:round/>
+            <a:headEnd len="sm" w="sm" type="none"/>
+            <a:tailEnd len="sm" w="sm" type="none"/>
+          </a:ln>
+        </p:spPr>
+        <p:txBody>
+          <a:bodyPr anchorCtr="0" anchor="ctr" bIns="91425" lIns="91425" spcFirstLastPara="1" rIns="91425" wrap="square" tIns="91425">
+            <a:noAutofit/>
+          </a:bodyPr>
+          <a:lstStyle/>
+          <a:p>
+            <a:pPr indent="0" lvl="0" marL="0" rtl="0" algn="l">
+              <a:spcBef>
+                <a:spcPts val="0"/>
+              </a:spcBef>
+              <a:spcAft>
+                <a:spcPts val="0"/>
+              </a:spcAft>
+              <a:buNone/>
+            </a:pPr>
+            <a:r>
+              <a:t/>
+            </a:r>
+            <a:endParaRPr/>
+          </a:p>
+        </p:txBody>
+      </p:sp>
+      <p:sp>
+        <p:nvSpPr>
+          <p:cNvPr id="227" name="Google Shape;227;p22"/>
+          <p:cNvSpPr txBox="1"/>
+          <p:nvPr>
+            <p:ph idx="1" type="body"/>
+          </p:nvPr>
+        </p:nvSpPr>
+        <p:spPr>
+          <a:xfrm>
+            <a:off x="119275" y="3724675"/>
+            <a:ext cx="2064900" cy="1205100"/>
+          </a:xfrm>
+          <a:prstGeom prst="rect">
+            <a:avLst/>
+          </a:prstGeom>
+        </p:spPr>
+        <p:txBody>
+          <a:bodyPr anchorCtr="0" anchor="t" bIns="91425" lIns="91425" spcFirstLastPara="1" rIns="91425" wrap="square" tIns="91425">
+            <a:normAutofit lnSpcReduction="20000"/>
+          </a:bodyPr>
+          <a:lstStyle/>
+          <a:p>
+            <a:pPr indent="0" lvl="0" marL="0" rtl="0" algn="just">
+              <a:spcBef>
+                <a:spcPts val="0"/>
+              </a:spcBef>
+              <a:spcAft>
+                <a:spcPts val="1200"/>
+              </a:spcAft>
+              <a:buNone/>
+            </a:pPr>
+            <a:r>
+              <a:rPr lang="pt-BR"/>
+              <a:t>Resolva também o problema </a:t>
+            </a:r>
+            <a:r>
+              <a:rPr lang="pt-BR" u="sng">
+                <a:solidFill>
+                  <a:schemeClr val="hlink"/>
+                </a:solidFill>
+                <a:hlinkClick r:id="rId4"/>
+              </a:rPr>
+              <a:t>cities robbery</a:t>
+            </a:r>
+            <a:r>
+              <a:rPr lang="pt-BR"/>
+              <a:t>, que também pode ser resolvida usando a técnica dois ponteiros.</a:t>
+            </a:r>
+            <a:endParaRPr/>
+          </a:p>
+        </p:txBody>
+      </p:sp>
+      <p:sp>
+        <p:nvSpPr>
+          <p:cNvPr id="228" name="Google Shape;228;p22"/>
+          <p:cNvSpPr txBox="1"/>
+          <p:nvPr>
+            <p:ph idx="12" type="sldNum"/>
+          </p:nvPr>
+        </p:nvSpPr>
+        <p:spPr>
+          <a:xfrm>
+            <a:off x="8536302" y="4749851"/>
+            <a:ext cx="548700" cy="393600"/>
+          </a:xfrm>
+          <a:prstGeom prst="rect">
+            <a:avLst/>
+          </a:prstGeom>
+        </p:spPr>
+        <p:txBody>
+          <a:bodyPr anchorCtr="0" anchor="ctr" bIns="91425" lIns="91425" spcFirstLastPara="1" rIns="91425" wrap="square" tIns="91425">
+            <a:normAutofit/>
+          </a:bodyPr>
+          <a:lstStyle/>
+          <a:p>
+            <a:pPr indent="0" lvl="0" marL="0" rtl="0" algn="r">
+              <a:spcBef>
+                <a:spcPts val="0"/>
+              </a:spcBef>
+              <a:spcAft>
+                <a:spcPts val="0"/>
+              </a:spcAft>
+              <a:buNone/>
+            </a:pPr>
+            <a:fld id="{00000000-1234-1234-1234-123412341234}" type="slidenum">
+              <a:rPr lang="pt-BR"/>
+              <a:t>‹#›</a:t>
+            </a:fld>
+            <a:endParaRPr/>
+          </a:p>
+        </p:txBody>
+      </p:sp>
+    </p:spTree>
+  </p:cSld>
+  <p:clrMapOvr>
+    <a:masterClrMapping/>
+  </p:clrMapOvr>
+</p:sld>
+</file>
+
+<file path=ppt/slides/slide11.xml><?xml version="1.0" encoding="utf-8"?>
+<p:sld xmlns:a="http://schemas.openxmlformats.org/drawingml/2006/main" xmlns:r="http://schemas.openxmlformats.org/officeDocument/2006/relationships" xmlns:mc="http://schemas.openxmlformats.org/markup-compatibility/2006" xmlns:mv="urn:schemas-microsoft-com:mac:vml" xmlns:p="http://schemas.openxmlformats.org/presentationml/2006/main" xmlns:c="http://schemas.openxmlformats.org/drawingml/2006/chart" xmlns:dgm="http://schemas.openxmlformats.org/drawingml/2006/diagram" xmlns:o="urn:schemas-microsoft-com:office:office" xmlns:v="urn:schemas-microsoft-com:vml" xmlns:pvml="urn:schemas-microsoft-com:office:powerpoint" xmlns:com="http://schemas.openxmlformats.org/drawingml/2006/compatibility" xmlns:p14="http://schemas.microsoft.com/office/powerpoint/2010/main" xmlns:p15="http://schemas.microsoft.com/office/powerpoint/2012/main" xmlns:ahyp="http://schemas.microsoft.com/office/drawing/2018/hyperlinkcolor">
+  <p:cSld>
+    <p:spTree>
+      <p:nvGrpSpPr>
+        <p:cNvPr id="232" name="Shape 232"/>
+        <p:cNvGrpSpPr/>
+        <p:nvPr/>
+      </p:nvGrpSpPr>
+      <p:grpSpPr>
+        <a:xfrm>
+          <a:off x="0" y="0"/>
+          <a:ext cx="0" cy="0"/>
+          <a:chOff x="0" y="0"/>
+          <a:chExt cx="0" cy="0"/>
+        </a:xfrm>
+      </p:grpSpPr>
+      <p:sp>
+        <p:nvSpPr>
+          <p:cNvPr id="233" name="Google Shape;233;p23"/>
+          <p:cNvSpPr txBox="1"/>
+          <p:nvPr/>
+        </p:nvSpPr>
+        <p:spPr>
+          <a:xfrm>
+            <a:off x="699700" y="655225"/>
+            <a:ext cx="4242600" cy="535200"/>
+          </a:xfrm>
+          <a:prstGeom prst="rect">
+            <a:avLst/>
+          </a:prstGeom>
+          <a:noFill/>
+          <a:ln>
+            <a:noFill/>
+          </a:ln>
+        </p:spPr>
+        <p:txBody>
+          <a:bodyPr anchorCtr="0" anchor="t" bIns="91425" lIns="91425" spcFirstLastPara="1" rIns="91425" wrap="square" tIns="91425">
+            <a:normAutofit lnSpcReduction="20000"/>
+          </a:bodyPr>
+          <a:lstStyle/>
+          <a:p>
+            <a:pPr indent="0" lvl="0" marL="0" rtl="0" algn="l">
+              <a:spcBef>
+                <a:spcPts val="0"/>
+              </a:spcBef>
+              <a:spcAft>
+                <a:spcPts val="0"/>
+              </a:spcAft>
+              <a:buNone/>
+            </a:pPr>
+            <a:r>
+              <a:rPr b="1" lang="pt-BR" sz="2600">
+                <a:solidFill>
+                  <a:srgbClr val="1A1A1A"/>
+                </a:solidFill>
+                <a:latin typeface="Raleway"/>
+                <a:ea typeface="Raleway"/>
+                <a:cs typeface="Raleway"/>
+                <a:sym typeface="Raleway"/>
+              </a:rPr>
+              <a:t>Problema </a:t>
+            </a:r>
+            <a:r>
+              <a:rPr b="1" lang="pt-BR" sz="2600" u="sng">
+                <a:solidFill>
+                  <a:schemeClr val="hlink"/>
+                </a:solidFill>
+                <a:latin typeface="Raleway"/>
+                <a:ea typeface="Raleway"/>
+                <a:cs typeface="Raleway"/>
+                <a:sym typeface="Raleway"/>
+                <a:hlinkClick r:id="rId3"/>
+              </a:rPr>
+              <a:t>cities robbery</a:t>
+            </a:r>
+            <a:endParaRPr b="1" sz="2600">
+              <a:solidFill>
+                <a:srgbClr val="1A1A1A"/>
+              </a:solidFill>
+              <a:latin typeface="Raleway"/>
+              <a:ea typeface="Raleway"/>
+              <a:cs typeface="Raleway"/>
+              <a:sym typeface="Raleway"/>
+            </a:endParaRPr>
+          </a:p>
+        </p:txBody>
+      </p:sp>
+      <p:sp>
+        <p:nvSpPr>
+          <p:cNvPr id="234" name="Google Shape;234;p23"/>
+          <p:cNvSpPr txBox="1"/>
+          <p:nvPr>
+            <p:ph idx="1" type="body"/>
+          </p:nvPr>
+        </p:nvSpPr>
+        <p:spPr>
+          <a:xfrm>
+            <a:off x="699700" y="1549050"/>
+            <a:ext cx="8006400" cy="651000"/>
+          </a:xfrm>
+          <a:prstGeom prst="rect">
+            <a:avLst/>
+          </a:prstGeom>
+        </p:spPr>
+        <p:txBody>
+          <a:bodyPr anchorCtr="0" anchor="t" bIns="91425" lIns="91425" spcFirstLastPara="1" rIns="91425" wrap="square" tIns="91425">
+            <a:normAutofit/>
+          </a:bodyPr>
+          <a:lstStyle/>
+          <a:p>
+            <a:pPr indent="0" lvl="0" marL="457200" rtl="0" algn="just">
+              <a:spcBef>
+                <a:spcPts val="0"/>
+              </a:spcBef>
+              <a:spcAft>
+                <a:spcPts val="1200"/>
+              </a:spcAft>
+              <a:buNone/>
+            </a:pPr>
+            <a:r>
+              <a:rPr lang="pt-BR"/>
+              <a:t>Idealização de uma das </a:t>
+            </a:r>
+            <a:r>
+              <a:rPr lang="pt-BR"/>
+              <a:t>possíveis </a:t>
+            </a:r>
+            <a:r>
+              <a:rPr lang="pt-BR"/>
+              <a:t>soluções ao problema com complexidade analisada</a:t>
+            </a:r>
+            <a:endParaRPr/>
+          </a:p>
+        </p:txBody>
+      </p:sp>
+      <p:pic>
+        <p:nvPicPr>
+          <p:cNvPr id="235" name="Google Shape;235;p23"/>
+          <p:cNvPicPr preferRelativeResize="0"/>
+          <p:nvPr/>
+        </p:nvPicPr>
+        <p:blipFill>
+          <a:blip r:embed="rId4">
+            <a:alphaModFix/>
+          </a:blip>
+          <a:stretch>
+            <a:fillRect/>
+          </a:stretch>
+        </p:blipFill>
+        <p:spPr>
+          <a:xfrm>
+            <a:off x="0" y="2200022"/>
+            <a:ext cx="9144001" cy="2943477"/>
+          </a:xfrm>
+          <a:prstGeom prst="rect">
+            <a:avLst/>
+          </a:prstGeom>
+          <a:noFill/>
+          <a:ln>
+            <a:noFill/>
+          </a:ln>
+        </p:spPr>
+      </p:pic>
+      <p:sp>
+        <p:nvSpPr>
+          <p:cNvPr id="236" name="Google Shape;236;p23"/>
           <p:cNvSpPr txBox="1"/>
           <p:nvPr>
             <p:ph idx="12" type="sldNum"/>
@@ -8244,7 +8956,7 @@
             </a:pPr>
             <a:r>
               <a:rPr lang="pt-BR"/>
-              <a:t>Imagine que eu informo um alguns números </a:t>
+              <a:t>Imagine que eu informo um alguns números distintos </a:t>
             </a:r>
             <a:r>
               <a:rPr lang="pt-BR"/>
@@ -8766,11 +9478,11 @@
         </p:spPr>
         <p:txBody>
           <a:bodyPr anchorCtr="0" anchor="t" bIns="91425" lIns="91425" spcFirstLastPara="1" rIns="91425" wrap="square" tIns="91425">
-            <a:normAutofit/>
+            <a:normAutofit lnSpcReduction="20000"/>
           </a:bodyPr>
           <a:lstStyle/>
           <a:p>
-            <a:pPr indent="0" lvl="0" marL="457200" rtl="0" algn="just">
+            <a:pPr indent="457200" lvl="0" marL="0" rtl="0" algn="just">
               <a:spcBef>
                 <a:spcPts val="0"/>
               </a:spcBef>
@@ -8781,7 +9493,15 @@
             </a:pPr>
             <a:r>
               <a:rPr lang="pt-BR"/>
-              <a:t>Testar para cada número a possibilidade com cada um dos outros se resulta no valor e ir contando. </a:t>
+              <a:t>Testar para cada combinação </a:t>
+            </a:r>
+            <a:r>
+              <a:rPr lang="pt-BR"/>
+              <a:t>possível</a:t>
+            </a:r>
+            <a:r>
+              <a:rPr lang="pt-BR"/>
+              <a:t> combinação com cada um dos outros para verificar se resulta no valor e ir contando. </a:t>
             </a:r>
             <a:endParaRPr/>
           </a:p>
@@ -8798,7 +9518,23 @@
             </a:pPr>
             <a:r>
               <a:rPr lang="pt-BR"/>
-              <a:t>Lembrando que os números não podem fazer par consigo e que o par de um com o outro é o mesmo que o outro com esse um. Então, podemos ver ao lado a aplicação dessa ideia.</a:t>
+              <a:t>Lembrando que um número não pode fazer par consigo mesmo e que os pares são contados uma única vez, não importando a ordem dos elementos, por exemplo: o par (1, 2) é igual ao par (2, 1). Após fazermos a contagem </a:t>
+            </a:r>
+            <a:r>
+              <a:rPr lang="pt-BR"/>
+              <a:t>dividimos</a:t>
+            </a:r>
+            <a:r>
+              <a:rPr lang="pt-BR"/>
+              <a:t> por dois para obter o </a:t>
+            </a:r>
+            <a:r>
+              <a:rPr lang="pt-BR"/>
+              <a:t>número</a:t>
+            </a:r>
+            <a:r>
+              <a:rPr lang="pt-BR"/>
+              <a:t> de pares desejado, pois contamos um mesmo par duas vezes.</a:t>
             </a:r>
             <a:endParaRPr/>
           </a:p>
@@ -8819,7 +9555,7 @@
             <a:tbl>
               <a:tblPr>
                 <a:noFill/>
-                <a:tableStyleId>{AC5D93D5-D9EF-4F30-BE87-26858EDDAA10}</a:tableStyleId>
+                <a:tableStyleId>{AA37B769-EBB0-46AA-AC90-2418E12BA53B}</a:tableStyleId>
               </a:tblPr>
               <a:tblGrid>
                 <a:gridCol w="382850"/>
@@ -9064,7 +9800,12 @@
                         <a:buNone/>
                       </a:pPr>
                       <a:r>
-                        <a:t/>
+                        <a:rPr lang="pt-BR"/>
+                        <a:t>2</a:t>
+                      </a:r>
+                      <a:r>
+                        <a:rPr lang="pt-BR"/>
+                        <a:t>0</a:t>
                       </a:r>
                       <a:endParaRPr/>
                     </a:p>
@@ -9234,7 +9975,8 @@
                         <a:buNone/>
                       </a:pPr>
                       <a:r>
-                        <a:t/>
+                        <a:rPr lang="pt-BR"/>
+                        <a:t>13</a:t>
                       </a:r>
                       <a:endParaRPr/>
                     </a:p>
@@ -9256,7 +9998,8 @@
                         <a:buNone/>
                       </a:pPr>
                       <a:r>
-                        <a:t/>
+                        <a:rPr lang="pt-BR"/>
+                        <a:t>6</a:t>
                       </a:r>
                       <a:endParaRPr/>
                     </a:p>
@@ -9403,7 +10146,35 @@
                         <a:buNone/>
                       </a:pPr>
                       <a:r>
-                        <a:t/>
+                        <a:rPr lang="pt-BR"/>
+                        <a:t>11</a:t>
+                      </a:r>
+                      <a:endParaRPr/>
+                    </a:p>
+                  </a:txBody>
+                  <a:tcPr marT="91425" marB="91425" marR="91425" marL="91425">
+                    <a:solidFill>
+                      <a:schemeClr val="accent2"/>
+                    </a:solidFill>
+                  </a:tcPr>
+                </a:tc>
+                <a:tc>
+                  <a:txBody>
+                    <a:bodyPr/>
+                    <a:lstStyle/>
+                    <a:p>
+                      <a:pPr indent="0" lvl="0" marL="0" rtl="0" algn="l">
+                        <a:spcBef>
+                          <a:spcPts val="0"/>
+                        </a:spcBef>
+                        <a:spcAft>
+                          <a:spcPts val="0"/>
+                        </a:spcAft>
+                        <a:buNone/>
+                      </a:pPr>
+                      <a:r>
+                        <a:rPr lang="pt-BR"/>
+                        <a:t>4</a:t>
                       </a:r>
                       <a:endParaRPr/>
                     </a:p>
@@ -9425,29 +10196,8 @@
                         <a:buNone/>
                       </a:pPr>
                       <a:r>
-                        <a:t/>
-                      </a:r>
-                      <a:endParaRPr/>
-                    </a:p>
-                  </a:txBody>
-                  <a:tcPr marT="91425" marB="91425" marR="91425" marL="91425"/>
-                </a:tc>
-                <a:tc>
-                  <a:txBody>
-                    <a:bodyPr/>
-                    <a:lstStyle/>
-                    <a:p>
-                      <a:pPr indent="0" lvl="0" marL="0" rtl="0" algn="l">
-                        <a:spcBef>
-                          <a:spcPts val="0"/>
-                        </a:spcBef>
-                        <a:spcAft>
-                          <a:spcPts val="0"/>
-                        </a:spcAft>
-                        <a:buNone/>
-                      </a:pPr>
-                      <a:r>
-                        <a:t/>
+                        <a:rPr lang="pt-BR"/>
+                        <a:t>2</a:t>
                       </a:r>
                       <a:endParaRPr/>
                     </a:p>
@@ -9567,7 +10317,8 @@
                         <a:buNone/>
                       </a:pPr>
                       <a:r>
-                        <a:t/>
+                        <a:rPr lang="pt-BR"/>
+                        <a:t>14</a:t>
                       </a:r>
                       <a:endParaRPr/>
                     </a:p>
@@ -9589,7 +10340,41 @@
                         <a:buNone/>
                       </a:pPr>
                       <a:r>
-                        <a:t/>
+                        <a:rPr lang="pt-BR"/>
+                        <a:t>7</a:t>
+                      </a:r>
+                      <a:endParaRPr/>
+                    </a:p>
+                  </a:txBody>
+                  <a:tcPr marT="91425" marB="91425" marR="91425" marL="91425">
+                    <a:lnB cap="flat" cmpd="sng" w="9525">
+                      <a:solidFill>
+                        <a:schemeClr val="accent2"/>
+                      </a:solidFill>
+                      <a:prstDash val="solid"/>
+                      <a:round/>
+                      <a:headEnd len="sm" w="sm" type="none"/>
+                      <a:tailEnd len="sm" w="sm" type="none"/>
+                    </a:lnB>
+                  </a:tcPr>
+                </a:tc>
+                <a:tc>
+                  <a:txBody>
+                    <a:bodyPr/>
+                    <a:lstStyle/>
+                    <a:p>
+                      <a:pPr indent="0" lvl="0" marL="0" rtl="0" algn="l">
+                        <a:spcBef>
+                          <a:spcPts val="0"/>
+                        </a:spcBef>
+                        <a:spcAft>
+                          <a:spcPts val="0"/>
+                        </a:spcAft>
+                        <a:buNone/>
+                      </a:pPr>
+                      <a:r>
+                        <a:rPr lang="pt-BR"/>
+                        <a:t>5</a:t>
                       </a:r>
                       <a:endParaRPr/>
                     </a:p>
@@ -9611,29 +10396,8 @@
                         <a:buNone/>
                       </a:pPr>
                       <a:r>
-                        <a:t/>
-                      </a:r>
-                      <a:endParaRPr/>
-                    </a:p>
-                  </a:txBody>
-                  <a:tcPr marT="91425" marB="91425" marR="91425" marL="91425"/>
-                </a:tc>
-                <a:tc>
-                  <a:txBody>
-                    <a:bodyPr/>
-                    <a:lstStyle/>
-                    <a:p>
-                      <a:pPr indent="0" lvl="0" marL="0" rtl="0" algn="l">
-                        <a:spcBef>
-                          <a:spcPts val="0"/>
-                        </a:spcBef>
-                        <a:spcAft>
-                          <a:spcPts val="0"/>
-                        </a:spcAft>
-                        <a:buNone/>
-                      </a:pPr>
-                      <a:r>
-                        <a:t/>
+                        <a:rPr lang="pt-BR"/>
+                        <a:t>8</a:t>
                       </a:r>
                       <a:endParaRPr/>
                     </a:p>
@@ -9734,7 +10498,137 @@
                         <a:buNone/>
                       </a:pPr>
                       <a:r>
-                        <a:t/>
+                        <a:rPr lang="pt-BR"/>
+                        <a:t>18</a:t>
+                      </a:r>
+                      <a:endParaRPr/>
+                    </a:p>
+                  </a:txBody>
+                  <a:tcPr marT="91425" marB="91425" marR="91425" marL="91425">
+                    <a:lnR cap="flat" cmpd="sng" w="9525">
+                      <a:solidFill>
+                        <a:schemeClr val="accent2"/>
+                      </a:solidFill>
+                      <a:prstDash val="solid"/>
+                      <a:round/>
+                      <a:headEnd len="sm" w="sm" type="none"/>
+                      <a:tailEnd len="sm" w="sm" type="none"/>
+                    </a:lnR>
+                  </a:tcPr>
+                </a:tc>
+                <a:tc>
+                  <a:txBody>
+                    <a:bodyPr/>
+                    <a:lstStyle/>
+                    <a:p>
+                      <a:pPr indent="0" lvl="0" marL="0" rtl="0" algn="l">
+                        <a:spcBef>
+                          <a:spcPts val="0"/>
+                        </a:spcBef>
+                        <a:spcAft>
+                          <a:spcPts val="0"/>
+                        </a:spcAft>
+                        <a:buNone/>
+                      </a:pPr>
+                      <a:r>
+                        <a:rPr lang="pt-BR"/>
+                        <a:t>11</a:t>
+                      </a:r>
+                      <a:endParaRPr/>
+                    </a:p>
+                  </a:txBody>
+                  <a:tcPr marT="91425" marB="91425" marR="91425" marL="91425">
+                    <a:lnL cap="flat" cmpd="sng" w="9525">
+                      <a:solidFill>
+                        <a:schemeClr val="accent2"/>
+                      </a:solidFill>
+                      <a:prstDash val="solid"/>
+                      <a:round/>
+                      <a:headEnd len="sm" w="sm" type="none"/>
+                      <a:tailEnd len="sm" w="sm" type="none"/>
+                    </a:lnL>
+                    <a:lnR cap="flat" cmpd="sng" w="9525">
+                      <a:solidFill>
+                        <a:schemeClr val="accent2"/>
+                      </a:solidFill>
+                      <a:prstDash val="solid"/>
+                      <a:round/>
+                      <a:headEnd len="sm" w="sm" type="none"/>
+                      <a:tailEnd len="sm" w="sm" type="none"/>
+                    </a:lnR>
+                    <a:lnT cap="flat" cmpd="sng" w="9525">
+                      <a:solidFill>
+                        <a:schemeClr val="accent2"/>
+                      </a:solidFill>
+                      <a:prstDash val="solid"/>
+                      <a:round/>
+                      <a:headEnd len="sm" w="sm" type="none"/>
+                      <a:tailEnd len="sm" w="sm" type="none"/>
+                    </a:lnT>
+                    <a:lnB cap="flat" cmpd="sng" w="9525">
+                      <a:solidFill>
+                        <a:schemeClr val="accent2"/>
+                      </a:solidFill>
+                      <a:prstDash val="solid"/>
+                      <a:round/>
+                      <a:headEnd len="sm" w="sm" type="none"/>
+                      <a:tailEnd len="sm" w="sm" type="none"/>
+                    </a:lnB>
+                    <a:solidFill>
+                      <a:schemeClr val="accent2"/>
+                    </a:solidFill>
+                  </a:tcPr>
+                </a:tc>
+                <a:tc>
+                  <a:txBody>
+                    <a:bodyPr/>
+                    <a:lstStyle/>
+                    <a:p>
+                      <a:pPr indent="0" lvl="0" marL="0" rtl="0" algn="l">
+                        <a:spcBef>
+                          <a:spcPts val="0"/>
+                        </a:spcBef>
+                        <a:spcAft>
+                          <a:spcPts val="0"/>
+                        </a:spcAft>
+                        <a:buNone/>
+                      </a:pPr>
+                      <a:r>
+                        <a:rPr lang="pt-BR"/>
+                        <a:t>9</a:t>
+                      </a:r>
+                      <a:endParaRPr/>
+                    </a:p>
+                  </a:txBody>
+                  <a:tcPr marT="91425" marB="91425" marR="91425" marL="91425">
+                    <a:lnL cap="flat" cmpd="sng" w="9525">
+                      <a:solidFill>
+                        <a:schemeClr val="accent2"/>
+                      </a:solidFill>
+                      <a:prstDash val="solid"/>
+                      <a:round/>
+                      <a:headEnd len="sm" w="sm" type="none"/>
+                      <a:tailEnd len="sm" w="sm" type="none"/>
+                    </a:lnL>
+                  </a:tcPr>
+                </a:tc>
+                <a:tc>
+                  <a:txBody>
+                    <a:bodyPr/>
+                    <a:lstStyle/>
+                    <a:p>
+                      <a:pPr indent="0" lvl="0" marL="0" rtl="0" algn="l">
+                        <a:spcBef>
+                          <a:spcPts val="0"/>
+                        </a:spcBef>
+                        <a:spcAft>
+                          <a:spcPts val="0"/>
+                        </a:spcAft>
+                        <a:buNone/>
+                      </a:pPr>
+                      <a:r>
+                        <a:rPr lang="pt-BR"/>
+                        <a:t>12</a:t>
                       </a:r>
                       <a:endParaRPr/>
                     </a:p>
@@ -9756,73 +10650,8 @@
                         <a:buNone/>
                       </a:pPr>
                       <a:r>
-                        <a:t/>
-                      </a:r>
-                      <a:endParaRPr/>
-                    </a:p>
-                  </a:txBody>
-                  <a:tcPr marT="91425" marB="91425" marR="91425" marL="91425"/>
-                </a:tc>
-                <a:tc>
-                  <a:txBody>
-                    <a:bodyPr/>
-                    <a:lstStyle/>
-                    <a:p>
-                      <a:pPr indent="0" lvl="0" marL="0" rtl="0" algn="l">
-                        <a:spcBef>
-                          <a:spcPts val="0"/>
-                        </a:spcBef>
-                        <a:spcAft>
-                          <a:spcPts val="0"/>
-                        </a:spcAft>
-                        <a:buNone/>
-                      </a:pPr>
-                      <a:r>
-                        <a:t/>
-                      </a:r>
-                      <a:endParaRPr/>
-                    </a:p>
-                  </a:txBody>
-                  <a:tcPr marT="91425" marB="91425" marR="91425" marL="91425"/>
-                </a:tc>
-                <a:tc>
-                  <a:txBody>
-                    <a:bodyPr/>
-                    <a:lstStyle/>
-                    <a:p>
-                      <a:pPr indent="0" lvl="0" marL="0" rtl="0" algn="l">
-                        <a:spcBef>
-                          <a:spcPts val="0"/>
-                        </a:spcBef>
-                        <a:spcAft>
-                          <a:spcPts val="0"/>
-                        </a:spcAft>
-                        <a:buNone/>
-                      </a:pPr>
-                      <a:r>
-                        <a:t/>
-                      </a:r>
-                      <a:endParaRPr/>
-                    </a:p>
-                  </a:txBody>
-                  <a:tcPr marT="91425" marB="91425" marR="91425" marL="91425"/>
-                </a:tc>
-                <a:tc>
-                  <a:txBody>
-                    <a:bodyPr/>
-                    <a:lstStyle/>
-                    <a:p>
-                      <a:pPr indent="0" lvl="0" marL="0" rtl="0" algn="l">
-                        <a:spcBef>
-                          <a:spcPts val="0"/>
-                        </a:spcBef>
-                        <a:spcAft>
-                          <a:spcPts val="0"/>
-                        </a:spcAft>
-                        <a:buNone/>
-                      </a:pPr>
-                      <a:r>
-                        <a:t/>
+                        <a:rPr lang="pt-BR"/>
+                        <a:t>16</a:t>
                       </a:r>
                       <a:endParaRPr/>
                     </a:p>
@@ -9896,7 +10725,8 @@
                         <a:buNone/>
                       </a:pPr>
                       <a:r>
-                        <a:t/>
+                        <a:rPr lang="pt-BR"/>
+                        <a:t>17</a:t>
                       </a:r>
                       <a:endParaRPr/>
                     </a:p>
@@ -9918,7 +10748,41 @@
                         <a:buNone/>
                       </a:pPr>
                       <a:r>
-                        <a:t/>
+                        <a:rPr lang="pt-BR"/>
+                        <a:t>10</a:t>
+                      </a:r>
+                      <a:endParaRPr/>
+                    </a:p>
+                  </a:txBody>
+                  <a:tcPr marT="91425" marB="91425" marR="91425" marL="91425">
+                    <a:lnT cap="flat" cmpd="sng" w="9525">
+                      <a:solidFill>
+                        <a:schemeClr val="accent2"/>
+                      </a:solidFill>
+                      <a:prstDash val="solid"/>
+                      <a:round/>
+                      <a:headEnd len="sm" w="sm" type="none"/>
+                      <a:tailEnd len="sm" w="sm" type="none"/>
+                    </a:lnT>
+                  </a:tcPr>
+                </a:tc>
+                <a:tc>
+                  <a:txBody>
+                    <a:bodyPr/>
+                    <a:lstStyle/>
+                    <a:p>
+                      <a:pPr indent="0" lvl="0" marL="0" rtl="0" algn="l">
+                        <a:spcBef>
+                          <a:spcPts val="0"/>
+                        </a:spcBef>
+                        <a:spcAft>
+                          <a:spcPts val="0"/>
+                        </a:spcAft>
+                        <a:buNone/>
+                      </a:pPr>
+                      <a:r>
+                        <a:rPr lang="pt-BR"/>
+                        <a:t>8</a:t>
                       </a:r>
                       <a:endParaRPr/>
                     </a:p>
@@ -9940,7 +10804,35 @@
                         <a:buNone/>
                       </a:pPr>
                       <a:r>
-                        <a:t/>
+                        <a:rPr lang="pt-BR"/>
+                        <a:t>11</a:t>
+                      </a:r>
+                      <a:endParaRPr/>
+                    </a:p>
+                  </a:txBody>
+                  <a:tcPr marT="91425" marB="91425" marR="91425" marL="91425">
+                    <a:solidFill>
+                      <a:schemeClr val="accent2"/>
+                    </a:solidFill>
+                  </a:tcPr>
+                </a:tc>
+                <a:tc>
+                  <a:txBody>
+                    <a:bodyPr/>
+                    <a:lstStyle/>
+                    <a:p>
+                      <a:pPr indent="0" lvl="0" marL="0" rtl="0" algn="l">
+                        <a:spcBef>
+                          <a:spcPts val="0"/>
+                        </a:spcBef>
+                        <a:spcAft>
+                          <a:spcPts val="0"/>
+                        </a:spcAft>
+                        <a:buNone/>
+                      </a:pPr>
+                      <a:r>
+                        <a:rPr lang="pt-BR"/>
+                        <a:t>15</a:t>
                       </a:r>
                       <a:endParaRPr/>
                     </a:p>
@@ -9962,51 +10854,8 @@
                         <a:buNone/>
                       </a:pPr>
                       <a:r>
-                        <a:t/>
-                      </a:r>
-                      <a:endParaRPr/>
-                    </a:p>
-                  </a:txBody>
-                  <a:tcPr marT="91425" marB="91425" marR="91425" marL="91425"/>
-                </a:tc>
-                <a:tc>
-                  <a:txBody>
-                    <a:bodyPr/>
-                    <a:lstStyle/>
-                    <a:p>
-                      <a:pPr indent="0" lvl="0" marL="0" rtl="0" algn="l">
-                        <a:spcBef>
-                          <a:spcPts val="0"/>
-                        </a:spcBef>
-                        <a:spcAft>
-                          <a:spcPts val="0"/>
-                        </a:spcAft>
-                        <a:buNone/>
-                      </a:pPr>
-                      <a:r>
-                        <a:t/>
-                      </a:r>
-                      <a:endParaRPr/>
-                    </a:p>
-                  </a:txBody>
-                  <a:tcPr marT="91425" marB="91425" marR="91425" marL="91425"/>
-                </a:tc>
-                <a:tc>
-                  <a:txBody>
-                    <a:bodyPr/>
-                    <a:lstStyle/>
-                    <a:p>
-                      <a:pPr indent="0" lvl="0" marL="0" rtl="0" algn="l">
-                        <a:spcBef>
-                          <a:spcPts val="0"/>
-                        </a:spcBef>
-                        <a:spcAft>
-                          <a:spcPts val="0"/>
-                        </a:spcAft>
-                        <a:buNone/>
-                      </a:pPr>
-                      <a:r>
-                        <a:t/>
+                        <a:rPr lang="pt-BR"/>
+                        <a:t>14</a:t>
                       </a:r>
                       <a:endParaRPr/>
                     </a:p>
@@ -10068,7 +10917,7 @@
         </p:nvSpPr>
         <p:spPr>
           <a:xfrm>
-            <a:off x="2540400" y="3756825"/>
+            <a:off x="2540400" y="3957325"/>
             <a:ext cx="1410900" cy="931800"/>
           </a:xfrm>
           <a:prstGeom prst="rect">
@@ -10108,7 +10957,56 @@
             </a:pPr>
             <a:r>
               <a:rPr lang="pt-BR"/>
-              <a:t>O(N(N-1)/2)</a:t>
+              <a:t>O(N²)</a:t>
+            </a:r>
+            <a:endParaRPr/>
+          </a:p>
+        </p:txBody>
+      </p:sp>
+      <p:sp>
+        <p:nvSpPr>
+          <p:cNvPr id="114" name="Google Shape;114;p15"/>
+          <p:cNvSpPr/>
+          <p:nvPr/>
+        </p:nvSpPr>
+        <p:spPr>
+          <a:xfrm>
+            <a:off x="6399250" y="1590425"/>
+            <a:ext cx="1955100" cy="46200"/>
+          </a:xfrm>
+          <a:prstGeom prst="rect">
+            <a:avLst/>
+          </a:prstGeom>
+          <a:solidFill>
+            <a:schemeClr val="lt2"/>
+          </a:solidFill>
+          <a:ln cap="flat" cmpd="sng" w="9525">
+            <a:solidFill>
+              <a:schemeClr val="dk2"/>
+            </a:solidFill>
+            <a:prstDash val="solid"/>
+            <a:round/>
+            <a:headEnd len="sm" w="sm" type="none"/>
+            <a:tailEnd len="sm" w="sm" type="none"/>
+          </a:ln>
+        </p:spPr>
+        <p:txBody>
+          <a:bodyPr anchorCtr="0" anchor="ctr" bIns="91425" lIns="91425" spcFirstLastPara="1" rIns="91425" wrap="square" tIns="91425">
+            <a:noAutofit/>
+          </a:bodyPr>
+          <a:lstStyle/>
+          <a:p>
+            <a:pPr indent="0" lvl="0" marL="0" rtl="0" algn="l">
+              <a:spcBef>
+                <a:spcPts val="0"/>
+              </a:spcBef>
+              <a:spcAft>
+                <a:spcPts val="0"/>
+              </a:spcAft>
+              <a:buNone/>
+            </a:pPr>
+            <a:r>
+              <a:t/>
             </a:r>
             <a:endParaRPr/>
           </a:p>
@@ -10116,12 +11014,12 @@
       </p:sp>
       <p:graphicFrame>
         <p:nvGraphicFramePr>
-          <p:cNvPr id="114" name="Google Shape;114;p15"/>
+          <p:cNvPr id="115" name="Google Shape;115;p15"/>
           <p:cNvGraphicFramePr/>
           <p:nvPr/>
         </p:nvGraphicFramePr>
         <p:xfrm>
-          <a:off x="6328050" y="969150"/>
+          <a:off x="6136625" y="984225"/>
           <a:ext cx="3000000" cy="3000000"/>
         </p:xfrm>
         <a:graphic>
@@ -10129,7 +11027,7 @@
             <a:tbl>
               <a:tblPr>
                 <a:noFill/>
-                <a:tableStyleId>{AC5D93D5-D9EF-4F30-BE87-26858EDDAA10}</a:tableStyleId>
+                <a:tableStyleId>{AA37B769-EBB0-46AA-AC90-2418E12BA53B}</a:tableStyleId>
               </a:tblPr>
               <a:tblGrid>
                 <a:gridCol w="382850"/>
@@ -10285,13 +11183,65 @@
       </p:graphicFrame>
       <p:sp>
         <p:nvSpPr>
-          <p:cNvPr id="115" name="Google Shape;115;p15"/>
+          <p:cNvPr id="116" name="Google Shape;116;p15"/>
           <p:cNvSpPr/>
           <p:nvPr/>
         </p:nvSpPr>
         <p:spPr>
           <a:xfrm>
-            <a:off x="6421225" y="1431213"/>
+            <a:off x="6175850" y="1399650"/>
+            <a:ext cx="186300" cy="276900"/>
+          </a:xfrm>
+          <a:prstGeom prst="upArrow">
+            <a:avLst>
+              <a:gd fmla="val 50000" name="adj1"/>
+              <a:gd fmla="val 50000" name="adj2"/>
+            </a:avLst>
+          </a:prstGeom>
+          <a:solidFill>
+            <a:schemeClr val="lt2"/>
+          </a:solidFill>
+          <a:ln cap="flat" cmpd="sng" w="9525">
+            <a:solidFill>
+              <a:schemeClr val="dk2"/>
+            </a:solidFill>
+            <a:prstDash val="solid"/>
+            <a:round/>
+            <a:headEnd len="sm" w="sm" type="none"/>
+            <a:tailEnd len="sm" w="sm" type="none"/>
+          </a:ln>
+        </p:spPr>
+        <p:txBody>
+          <a:bodyPr anchorCtr="0" anchor="ctr" bIns="91425" lIns="91425" spcFirstLastPara="1" rIns="91425" wrap="square" tIns="91425">
+            <a:noAutofit/>
+          </a:bodyPr>
+          <a:lstStyle/>
+          <a:p>
+            <a:pPr indent="0" lvl="0" marL="0" rtl="0" algn="l">
+              <a:spcBef>
+                <a:spcPts val="0"/>
+              </a:spcBef>
+              <a:spcAft>
+                <a:spcPts val="0"/>
+              </a:spcAft>
+              <a:buNone/>
+            </a:pPr>
+            <a:r>
+              <a:t/>
+            </a:r>
+            <a:endParaRPr/>
+          </a:p>
+        </p:txBody>
+      </p:sp>
+      <p:sp>
+        <p:nvSpPr>
+          <p:cNvPr id="117" name="Google Shape;117;p15"/>
+          <p:cNvSpPr/>
+          <p:nvPr/>
+        </p:nvSpPr>
+        <p:spPr>
+          <a:xfrm>
+            <a:off x="6331375" y="1420325"/>
             <a:ext cx="186300" cy="216300"/>
           </a:xfrm>
           <a:prstGeom prst="upArrow">
@@ -10337,13 +11287,1784 @@
       </p:sp>
       <p:sp>
         <p:nvSpPr>
-          <p:cNvPr id="116" name="Google Shape;116;p15"/>
+          <p:cNvPr id="118" name="Google Shape;118;p15"/>
           <p:cNvSpPr/>
           <p:nvPr/>
         </p:nvSpPr>
         <p:spPr>
           <a:xfrm>
-            <a:off x="6799500" y="1431225"/>
+            <a:off x="6225675" y="1676525"/>
+            <a:ext cx="2128800" cy="46200"/>
+          </a:xfrm>
+          <a:prstGeom prst="rect">
+            <a:avLst/>
+          </a:prstGeom>
+          <a:solidFill>
+            <a:schemeClr val="lt2"/>
+          </a:solidFill>
+          <a:ln cap="flat" cmpd="sng" w="9525">
+            <a:solidFill>
+              <a:schemeClr val="dk2"/>
+            </a:solidFill>
+            <a:prstDash val="solid"/>
+            <a:round/>
+            <a:headEnd len="sm" w="sm" type="none"/>
+            <a:tailEnd len="sm" w="sm" type="none"/>
+          </a:ln>
+        </p:spPr>
+        <p:txBody>
+          <a:bodyPr anchorCtr="0" anchor="ctr" bIns="91425" lIns="91425" spcFirstLastPara="1" rIns="91425" wrap="square" tIns="91425">
+            <a:noAutofit/>
+          </a:bodyPr>
+          <a:lstStyle/>
+          <a:p>
+            <a:pPr indent="0" lvl="0" marL="0" rtl="0" algn="l">
+              <a:spcBef>
+                <a:spcPts val="0"/>
+              </a:spcBef>
+              <a:spcAft>
+                <a:spcPts val="0"/>
+              </a:spcAft>
+              <a:buNone/>
+            </a:pPr>
+            <a:r>
+              <a:t/>
+            </a:r>
+            <a:endParaRPr/>
+          </a:p>
+        </p:txBody>
+      </p:sp>
+    </p:spTree>
+  </p:cSld>
+  <p:clrMapOvr>
+    <a:masterClrMapping/>
+  </p:clrMapOvr>
+</p:sld>
+</file>
+
+<file path=ppt/slides/slide4.xml><?xml version="1.0" encoding="utf-8"?>
+<p:sld xmlns:a="http://schemas.openxmlformats.org/drawingml/2006/main" xmlns:r="http://schemas.openxmlformats.org/officeDocument/2006/relationships" xmlns:mc="http://schemas.openxmlformats.org/markup-compatibility/2006" xmlns:mv="urn:schemas-microsoft-com:mac:vml" xmlns:p="http://schemas.openxmlformats.org/presentationml/2006/main" xmlns:c="http://schemas.openxmlformats.org/drawingml/2006/chart" xmlns:dgm="http://schemas.openxmlformats.org/drawingml/2006/diagram" xmlns:o="urn:schemas-microsoft-com:office:office" xmlns:v="urn:schemas-microsoft-com:vml" xmlns:pvml="urn:schemas-microsoft-com:office:powerpoint" xmlns:com="http://schemas.openxmlformats.org/drawingml/2006/compatibility" xmlns:p14="http://schemas.microsoft.com/office/powerpoint/2010/main" xmlns:p15="http://schemas.microsoft.com/office/powerpoint/2012/main" xmlns:ahyp="http://schemas.microsoft.com/office/drawing/2018/hyperlinkcolor">
+  <p:cSld>
+    <p:spTree>
+      <p:nvGrpSpPr>
+        <p:cNvPr id="122" name="Shape 122"/>
+        <p:cNvGrpSpPr/>
+        <p:nvPr/>
+      </p:nvGrpSpPr>
+      <p:grpSpPr>
+        <a:xfrm>
+          <a:off x="0" y="0"/>
+          <a:ext cx="0" cy="0"/>
+          <a:chOff x="0" y="0"/>
+          <a:chExt cx="0" cy="0"/>
+        </a:xfrm>
+      </p:grpSpPr>
+      <p:sp>
+        <p:nvSpPr>
+          <p:cNvPr id="123" name="Google Shape;123;p16"/>
+          <p:cNvSpPr txBox="1"/>
+          <p:nvPr>
+            <p:ph type="title"/>
+          </p:nvPr>
+        </p:nvSpPr>
+        <p:spPr>
+          <a:xfrm>
+            <a:off x="729450" y="1318650"/>
+            <a:ext cx="7688700" cy="535200"/>
+          </a:xfrm>
+          <a:prstGeom prst="rect">
+            <a:avLst/>
+          </a:prstGeom>
+        </p:spPr>
+        <p:txBody>
+          <a:bodyPr anchorCtr="0" anchor="t" bIns="91425" lIns="91425" spcFirstLastPara="1" rIns="91425" wrap="square" tIns="91425">
+            <a:normAutofit fontScale="90000"/>
+          </a:bodyPr>
+          <a:lstStyle/>
+          <a:p>
+            <a:pPr indent="0" lvl="0" marL="0" rtl="0" algn="l">
+              <a:spcBef>
+                <a:spcPts val="0"/>
+              </a:spcBef>
+              <a:spcAft>
+                <a:spcPts val="0"/>
+              </a:spcAft>
+              <a:buNone/>
+            </a:pPr>
+            <a:r>
+              <a:rPr lang="pt-BR"/>
+              <a:t>Estratégias</a:t>
+            </a:r>
+            <a:endParaRPr/>
+          </a:p>
+        </p:txBody>
+      </p:sp>
+      <p:sp>
+        <p:nvSpPr>
+          <p:cNvPr id="124" name="Google Shape;124;p16"/>
+          <p:cNvSpPr txBox="1"/>
+          <p:nvPr>
+            <p:ph idx="1" type="body"/>
+          </p:nvPr>
+        </p:nvSpPr>
+        <p:spPr>
+          <a:xfrm>
+            <a:off x="729450" y="2078875"/>
+            <a:ext cx="5032800" cy="1961400"/>
+          </a:xfrm>
+          <a:prstGeom prst="rect">
+            <a:avLst/>
+          </a:prstGeom>
+        </p:spPr>
+        <p:txBody>
+          <a:bodyPr anchorCtr="0" anchor="t" bIns="91425" lIns="91425" spcFirstLastPara="1" rIns="91425" wrap="square" tIns="91425">
+            <a:normAutofit/>
+          </a:bodyPr>
+          <a:lstStyle/>
+          <a:p>
+            <a:pPr indent="457200" lvl="0" marL="0" rtl="0" algn="just">
+              <a:spcBef>
+                <a:spcPts val="0"/>
+              </a:spcBef>
+              <a:spcAft>
+                <a:spcPts val="0"/>
+              </a:spcAft>
+              <a:buNone/>
+            </a:pPr>
+            <a:r>
+              <a:rPr lang="pt-BR"/>
+              <a:t>Poderíamos</a:t>
+            </a:r>
+            <a:r>
+              <a:rPr lang="pt-BR"/>
+              <a:t> testar a combinação de cada número com cada um dos outros restantes à direita e verificar se resulta no valor e ir contando. </a:t>
+            </a:r>
+            <a:endParaRPr/>
+          </a:p>
+          <a:p>
+            <a:pPr indent="-311150" lvl="0" marL="457200" rtl="0" algn="just">
+              <a:spcBef>
+                <a:spcPts val="1200"/>
+              </a:spcBef>
+              <a:spcAft>
+                <a:spcPts val="0"/>
+              </a:spcAft>
+              <a:buSzPts val="1300"/>
+              <a:buChar char="●"/>
+            </a:pPr>
+            <a:r>
+              <a:rPr lang="pt-BR"/>
+              <a:t>Dessa maneira evitamos contar mais de uma vez um mesmo par, e já reduz a complexidade da busca. Observe ao lado.</a:t>
+            </a:r>
+            <a:endParaRPr/>
+          </a:p>
+        </p:txBody>
+      </p:sp>
+      <p:graphicFrame>
+        <p:nvGraphicFramePr>
+          <p:cNvPr id="125" name="Google Shape;125;p16"/>
+          <p:cNvGraphicFramePr/>
+          <p:nvPr/>
+        </p:nvGraphicFramePr>
+        <p:xfrm>
+          <a:off x="5945200" y="1915163"/>
+          <a:ext cx="3000000" cy="3000000"/>
+        </p:xfrm>
+        <a:graphic>
+          <a:graphicData uri="http://schemas.openxmlformats.org/drawingml/2006/table">
+            <a:tbl>
+              <a:tblPr>
+                <a:noFill/>
+                <a:tableStyleId>{AA37B769-EBB0-46AA-AC90-2418E12BA53B}</a:tableStyleId>
+              </a:tblPr>
+              <a:tblGrid>
+                <a:gridCol w="382850"/>
+                <a:gridCol w="382850"/>
+                <a:gridCol w="382850"/>
+                <a:gridCol w="382850"/>
+                <a:gridCol w="382850"/>
+                <a:gridCol w="382850"/>
+                <a:gridCol w="382850"/>
+              </a:tblGrid>
+              <a:tr h="284625">
+                <a:tc>
+                  <a:txBody>
+                    <a:bodyPr/>
+                    <a:lstStyle/>
+                    <a:p>
+                      <a:pPr indent="0" lvl="0" marL="0" rtl="0" algn="l">
+                        <a:spcBef>
+                          <a:spcPts val="0"/>
+                        </a:spcBef>
+                        <a:spcAft>
+                          <a:spcPts val="0"/>
+                        </a:spcAft>
+                        <a:buNone/>
+                      </a:pPr>
+                      <a:r>
+                        <a:rPr lang="pt-BR"/>
+                        <a:t>+</a:t>
+                      </a:r>
+                      <a:endParaRPr/>
+                    </a:p>
+                  </a:txBody>
+                  <a:tcPr marT="91425" marB="91425" marR="91425" marL="91425">
+                    <a:solidFill>
+                      <a:schemeClr val="lt1"/>
+                    </a:solidFill>
+                  </a:tcPr>
+                </a:tc>
+                <a:tc>
+                  <a:txBody>
+                    <a:bodyPr/>
+                    <a:lstStyle/>
+                    <a:p>
+                      <a:pPr indent="0" lvl="0" marL="0" rtl="0" algn="l">
+                        <a:spcBef>
+                          <a:spcPts val="0"/>
+                        </a:spcBef>
+                        <a:spcAft>
+                          <a:spcPts val="0"/>
+                        </a:spcAft>
+                        <a:buNone/>
+                      </a:pPr>
+                      <a:r>
+                        <a:rPr lang="pt-BR"/>
+                        <a:t>10</a:t>
+                      </a:r>
+                      <a:endParaRPr/>
+                    </a:p>
+                  </a:txBody>
+                  <a:tcPr marT="91425" marB="91425" marR="91425" marL="91425">
+                    <a:solidFill>
+                      <a:srgbClr val="CFE2F3"/>
+                    </a:solidFill>
+                  </a:tcPr>
+                </a:tc>
+                <a:tc>
+                  <a:txBody>
+                    <a:bodyPr/>
+                    <a:lstStyle/>
+                    <a:p>
+                      <a:pPr indent="0" lvl="0" marL="0" rtl="0" algn="l">
+                        <a:spcBef>
+                          <a:spcPts val="0"/>
+                        </a:spcBef>
+                        <a:spcAft>
+                          <a:spcPts val="0"/>
+                        </a:spcAft>
+                        <a:buNone/>
+                      </a:pPr>
+                      <a:r>
+                        <a:rPr lang="pt-BR"/>
+                        <a:t>3</a:t>
+                      </a:r>
+                      <a:endParaRPr/>
+                    </a:p>
+                  </a:txBody>
+                  <a:tcPr marT="91425" marB="91425" marR="91425" marL="91425">
+                    <a:solidFill>
+                      <a:srgbClr val="CFE2F3"/>
+                    </a:solidFill>
+                  </a:tcPr>
+                </a:tc>
+                <a:tc>
+                  <a:txBody>
+                    <a:bodyPr/>
+                    <a:lstStyle/>
+                    <a:p>
+                      <a:pPr indent="0" lvl="0" marL="0" rtl="0" algn="l">
+                        <a:spcBef>
+                          <a:spcPts val="0"/>
+                        </a:spcBef>
+                        <a:spcAft>
+                          <a:spcPts val="0"/>
+                        </a:spcAft>
+                        <a:buNone/>
+                      </a:pPr>
+                      <a:r>
+                        <a:rPr lang="pt-BR"/>
+                        <a:t>1</a:t>
+                      </a:r>
+                      <a:endParaRPr/>
+                    </a:p>
+                  </a:txBody>
+                  <a:tcPr marT="91425" marB="91425" marR="91425" marL="91425">
+                    <a:solidFill>
+                      <a:srgbClr val="CFE2F3"/>
+                    </a:solidFill>
+                  </a:tcPr>
+                </a:tc>
+                <a:tc>
+                  <a:txBody>
+                    <a:bodyPr/>
+                    <a:lstStyle/>
+                    <a:p>
+                      <a:pPr indent="0" lvl="0" marL="0" rtl="0" algn="l">
+                        <a:spcBef>
+                          <a:spcPts val="0"/>
+                        </a:spcBef>
+                        <a:spcAft>
+                          <a:spcPts val="0"/>
+                        </a:spcAft>
+                        <a:buNone/>
+                      </a:pPr>
+                      <a:r>
+                        <a:rPr lang="pt-BR"/>
+                        <a:t>4</a:t>
+                      </a:r>
+                      <a:endParaRPr/>
+                    </a:p>
+                  </a:txBody>
+                  <a:tcPr marT="91425" marB="91425" marR="91425" marL="91425">
+                    <a:solidFill>
+                      <a:srgbClr val="CFE2F3"/>
+                    </a:solidFill>
+                  </a:tcPr>
+                </a:tc>
+                <a:tc>
+                  <a:txBody>
+                    <a:bodyPr/>
+                    <a:lstStyle/>
+                    <a:p>
+                      <a:pPr indent="0" lvl="0" marL="0" rtl="0" algn="l">
+                        <a:spcBef>
+                          <a:spcPts val="0"/>
+                        </a:spcBef>
+                        <a:spcAft>
+                          <a:spcPts val="0"/>
+                        </a:spcAft>
+                        <a:buNone/>
+                      </a:pPr>
+                      <a:r>
+                        <a:rPr lang="pt-BR"/>
+                        <a:t>8</a:t>
+                      </a:r>
+                      <a:endParaRPr/>
+                    </a:p>
+                  </a:txBody>
+                  <a:tcPr marT="91425" marB="91425" marR="91425" marL="91425">
+                    <a:solidFill>
+                      <a:srgbClr val="CFE2F3"/>
+                    </a:solidFill>
+                  </a:tcPr>
+                </a:tc>
+                <a:tc>
+                  <a:txBody>
+                    <a:bodyPr/>
+                    <a:lstStyle/>
+                    <a:p>
+                      <a:pPr indent="0" lvl="0" marL="0" rtl="0" algn="l">
+                        <a:spcBef>
+                          <a:spcPts val="0"/>
+                        </a:spcBef>
+                        <a:spcAft>
+                          <a:spcPts val="0"/>
+                        </a:spcAft>
+                        <a:buNone/>
+                      </a:pPr>
+                      <a:r>
+                        <a:rPr lang="pt-BR"/>
+                        <a:t>7</a:t>
+                      </a:r>
+                      <a:endParaRPr/>
+                    </a:p>
+                  </a:txBody>
+                  <a:tcPr marT="91425" marB="91425" marR="91425" marL="91425">
+                    <a:solidFill>
+                      <a:srgbClr val="CFE2F3"/>
+                    </a:solidFill>
+                  </a:tcPr>
+                </a:tc>
+              </a:tr>
+              <a:tr h="284625">
+                <a:tc>
+                  <a:txBody>
+                    <a:bodyPr/>
+                    <a:lstStyle/>
+                    <a:p>
+                      <a:pPr indent="0" lvl="0" marL="0" rtl="0" algn="l">
+                        <a:spcBef>
+                          <a:spcPts val="0"/>
+                        </a:spcBef>
+                        <a:spcAft>
+                          <a:spcPts val="0"/>
+                        </a:spcAft>
+                        <a:buNone/>
+                      </a:pPr>
+                      <a:r>
+                        <a:rPr lang="pt-BR"/>
+                        <a:t>10</a:t>
+                      </a:r>
+                      <a:endParaRPr/>
+                    </a:p>
+                  </a:txBody>
+                  <a:tcPr marT="91425" marB="91425" marR="91425" marL="91425">
+                    <a:solidFill>
+                      <a:srgbClr val="CFE2F3"/>
+                    </a:solidFill>
+                  </a:tcPr>
+                </a:tc>
+                <a:tc>
+                  <a:txBody>
+                    <a:bodyPr/>
+                    <a:lstStyle/>
+                    <a:p>
+                      <a:pPr indent="0" lvl="0" marL="0" rtl="0" algn="l">
+                        <a:spcBef>
+                          <a:spcPts val="0"/>
+                        </a:spcBef>
+                        <a:spcAft>
+                          <a:spcPts val="0"/>
+                        </a:spcAft>
+                        <a:buNone/>
+                      </a:pPr>
+                      <a:r>
+                        <a:t/>
+                      </a:r>
+                      <a:endParaRPr/>
+                    </a:p>
+                  </a:txBody>
+                  <a:tcPr marT="91425" marB="91425" marR="91425" marL="91425"/>
+                </a:tc>
+                <a:tc>
+                  <a:txBody>
+                    <a:bodyPr/>
+                    <a:lstStyle/>
+                    <a:p>
+                      <a:pPr indent="0" lvl="0" marL="0" rtl="0" algn="l">
+                        <a:spcBef>
+                          <a:spcPts val="0"/>
+                        </a:spcBef>
+                        <a:spcAft>
+                          <a:spcPts val="0"/>
+                        </a:spcAft>
+                        <a:buNone/>
+                      </a:pPr>
+                      <a:r>
+                        <a:rPr lang="pt-BR"/>
+                        <a:t>13</a:t>
+                      </a:r>
+                      <a:endParaRPr/>
+                    </a:p>
+                  </a:txBody>
+                  <a:tcPr marT="91425" marB="91425" marR="91425" marL="91425"/>
+                </a:tc>
+                <a:tc>
+                  <a:txBody>
+                    <a:bodyPr/>
+                    <a:lstStyle/>
+                    <a:p>
+                      <a:pPr indent="0" lvl="0" marL="0" rtl="0" algn="l">
+                        <a:spcBef>
+                          <a:spcPts val="0"/>
+                        </a:spcBef>
+                        <a:spcAft>
+                          <a:spcPts val="0"/>
+                        </a:spcAft>
+                        <a:buNone/>
+                      </a:pPr>
+                      <a:r>
+                        <a:rPr lang="pt-BR"/>
+                        <a:t>11</a:t>
+                      </a:r>
+                      <a:endParaRPr/>
+                    </a:p>
+                  </a:txBody>
+                  <a:tcPr marT="91425" marB="91425" marR="91425" marL="91425">
+                    <a:solidFill>
+                      <a:schemeClr val="accent2"/>
+                    </a:solidFill>
+                  </a:tcPr>
+                </a:tc>
+                <a:tc>
+                  <a:txBody>
+                    <a:bodyPr/>
+                    <a:lstStyle/>
+                    <a:p>
+                      <a:pPr indent="0" lvl="0" marL="0" rtl="0" algn="l">
+                        <a:spcBef>
+                          <a:spcPts val="0"/>
+                        </a:spcBef>
+                        <a:spcAft>
+                          <a:spcPts val="0"/>
+                        </a:spcAft>
+                        <a:buNone/>
+                      </a:pPr>
+                      <a:r>
+                        <a:rPr lang="pt-BR"/>
+                        <a:t>14</a:t>
+                      </a:r>
+                      <a:endParaRPr/>
+                    </a:p>
+                  </a:txBody>
+                  <a:tcPr marT="91425" marB="91425" marR="91425" marL="91425"/>
+                </a:tc>
+                <a:tc>
+                  <a:txBody>
+                    <a:bodyPr/>
+                    <a:lstStyle/>
+                    <a:p>
+                      <a:pPr indent="0" lvl="0" marL="0" rtl="0" algn="l">
+                        <a:spcBef>
+                          <a:spcPts val="0"/>
+                        </a:spcBef>
+                        <a:spcAft>
+                          <a:spcPts val="0"/>
+                        </a:spcAft>
+                        <a:buNone/>
+                      </a:pPr>
+                      <a:r>
+                        <a:rPr lang="pt-BR"/>
+                        <a:t>18</a:t>
+                      </a:r>
+                      <a:endParaRPr/>
+                    </a:p>
+                  </a:txBody>
+                  <a:tcPr marT="91425" marB="91425" marR="91425" marL="91425"/>
+                </a:tc>
+                <a:tc>
+                  <a:txBody>
+                    <a:bodyPr/>
+                    <a:lstStyle/>
+                    <a:p>
+                      <a:pPr indent="0" lvl="0" marL="0" rtl="0" algn="l">
+                        <a:spcBef>
+                          <a:spcPts val="0"/>
+                        </a:spcBef>
+                        <a:spcAft>
+                          <a:spcPts val="0"/>
+                        </a:spcAft>
+                        <a:buNone/>
+                      </a:pPr>
+                      <a:r>
+                        <a:rPr lang="pt-BR"/>
+                        <a:t>17</a:t>
+                      </a:r>
+                      <a:endParaRPr/>
+                    </a:p>
+                  </a:txBody>
+                  <a:tcPr marT="91425" marB="91425" marR="91425" marL="91425"/>
+                </a:tc>
+              </a:tr>
+              <a:tr h="284625">
+                <a:tc>
+                  <a:txBody>
+                    <a:bodyPr/>
+                    <a:lstStyle/>
+                    <a:p>
+                      <a:pPr indent="0" lvl="0" marL="0" rtl="0" algn="l">
+                        <a:spcBef>
+                          <a:spcPts val="0"/>
+                        </a:spcBef>
+                        <a:spcAft>
+                          <a:spcPts val="0"/>
+                        </a:spcAft>
+                        <a:buNone/>
+                      </a:pPr>
+                      <a:r>
+                        <a:rPr lang="pt-BR"/>
+                        <a:t>3</a:t>
+                      </a:r>
+                      <a:endParaRPr/>
+                    </a:p>
+                  </a:txBody>
+                  <a:tcPr marT="91425" marB="91425" marR="91425" marL="91425">
+                    <a:solidFill>
+                      <a:srgbClr val="CFE2F3"/>
+                    </a:solidFill>
+                  </a:tcPr>
+                </a:tc>
+                <a:tc>
+                  <a:txBody>
+                    <a:bodyPr/>
+                    <a:lstStyle/>
+                    <a:p>
+                      <a:pPr indent="0" lvl="0" marL="0" rtl="0" algn="l">
+                        <a:spcBef>
+                          <a:spcPts val="0"/>
+                        </a:spcBef>
+                        <a:spcAft>
+                          <a:spcPts val="0"/>
+                        </a:spcAft>
+                        <a:buNone/>
+                      </a:pPr>
+                      <a:r>
+                        <a:t/>
+                      </a:r>
+                      <a:endParaRPr/>
+                    </a:p>
+                  </a:txBody>
+                  <a:tcPr marT="91425" marB="91425" marR="91425" marL="91425"/>
+                </a:tc>
+                <a:tc>
+                  <a:txBody>
+                    <a:bodyPr/>
+                    <a:lstStyle/>
+                    <a:p>
+                      <a:pPr indent="0" lvl="0" marL="0" rtl="0" algn="l">
+                        <a:spcBef>
+                          <a:spcPts val="0"/>
+                        </a:spcBef>
+                        <a:spcAft>
+                          <a:spcPts val="0"/>
+                        </a:spcAft>
+                        <a:buNone/>
+                      </a:pPr>
+                      <a:r>
+                        <a:t/>
+                      </a:r>
+                      <a:endParaRPr/>
+                    </a:p>
+                  </a:txBody>
+                  <a:tcPr marT="91425" marB="91425" marR="91425" marL="91425"/>
+                </a:tc>
+                <a:tc>
+                  <a:txBody>
+                    <a:bodyPr/>
+                    <a:lstStyle/>
+                    <a:p>
+                      <a:pPr indent="0" lvl="0" marL="0" rtl="0" algn="l">
+                        <a:spcBef>
+                          <a:spcPts val="0"/>
+                        </a:spcBef>
+                        <a:spcAft>
+                          <a:spcPts val="0"/>
+                        </a:spcAft>
+                        <a:buNone/>
+                      </a:pPr>
+                      <a:r>
+                        <a:rPr lang="pt-BR"/>
+                        <a:t>4</a:t>
+                      </a:r>
+                      <a:endParaRPr/>
+                    </a:p>
+                  </a:txBody>
+                  <a:tcPr marT="91425" marB="91425" marR="91425" marL="91425"/>
+                </a:tc>
+                <a:tc>
+                  <a:txBody>
+                    <a:bodyPr/>
+                    <a:lstStyle/>
+                    <a:p>
+                      <a:pPr indent="0" lvl="0" marL="0" rtl="0" algn="l">
+                        <a:spcBef>
+                          <a:spcPts val="0"/>
+                        </a:spcBef>
+                        <a:spcAft>
+                          <a:spcPts val="0"/>
+                        </a:spcAft>
+                        <a:buNone/>
+                      </a:pPr>
+                      <a:r>
+                        <a:rPr lang="pt-BR"/>
+                        <a:t>7</a:t>
+                      </a:r>
+                      <a:endParaRPr/>
+                    </a:p>
+                  </a:txBody>
+                  <a:tcPr marT="91425" marB="91425" marR="91425" marL="91425"/>
+                </a:tc>
+                <a:tc>
+                  <a:txBody>
+                    <a:bodyPr/>
+                    <a:lstStyle/>
+                    <a:p>
+                      <a:pPr indent="0" lvl="0" marL="0" rtl="0" algn="l">
+                        <a:spcBef>
+                          <a:spcPts val="0"/>
+                        </a:spcBef>
+                        <a:spcAft>
+                          <a:spcPts val="0"/>
+                        </a:spcAft>
+                        <a:buNone/>
+                      </a:pPr>
+                      <a:r>
+                        <a:rPr lang="pt-BR"/>
+                        <a:t>11</a:t>
+                      </a:r>
+                      <a:endParaRPr/>
+                    </a:p>
+                  </a:txBody>
+                  <a:tcPr marT="91425" marB="91425" marR="91425" marL="91425">
+                    <a:solidFill>
+                      <a:schemeClr val="accent2"/>
+                    </a:solidFill>
+                  </a:tcPr>
+                </a:tc>
+                <a:tc>
+                  <a:txBody>
+                    <a:bodyPr/>
+                    <a:lstStyle/>
+                    <a:p>
+                      <a:pPr indent="0" lvl="0" marL="0" rtl="0" algn="l">
+                        <a:spcBef>
+                          <a:spcPts val="0"/>
+                        </a:spcBef>
+                        <a:spcAft>
+                          <a:spcPts val="0"/>
+                        </a:spcAft>
+                        <a:buNone/>
+                      </a:pPr>
+                      <a:r>
+                        <a:rPr lang="pt-BR"/>
+                        <a:t>10</a:t>
+                      </a:r>
+                      <a:endParaRPr/>
+                    </a:p>
+                  </a:txBody>
+                  <a:tcPr marT="91425" marB="91425" marR="91425" marL="91425"/>
+                </a:tc>
+              </a:tr>
+              <a:tr h="284625">
+                <a:tc>
+                  <a:txBody>
+                    <a:bodyPr/>
+                    <a:lstStyle/>
+                    <a:p>
+                      <a:pPr indent="0" lvl="0" marL="0" rtl="0" algn="l">
+                        <a:spcBef>
+                          <a:spcPts val="0"/>
+                        </a:spcBef>
+                        <a:spcAft>
+                          <a:spcPts val="0"/>
+                        </a:spcAft>
+                        <a:buNone/>
+                      </a:pPr>
+                      <a:r>
+                        <a:rPr lang="pt-BR"/>
+                        <a:t>1</a:t>
+                      </a:r>
+                      <a:endParaRPr/>
+                    </a:p>
+                  </a:txBody>
+                  <a:tcPr marT="91425" marB="91425" marR="91425" marL="91425">
+                    <a:solidFill>
+                      <a:srgbClr val="CFE2F3"/>
+                    </a:solidFill>
+                  </a:tcPr>
+                </a:tc>
+                <a:tc>
+                  <a:txBody>
+                    <a:bodyPr/>
+                    <a:lstStyle/>
+                    <a:p>
+                      <a:pPr indent="0" lvl="0" marL="0" rtl="0" algn="l">
+                        <a:spcBef>
+                          <a:spcPts val="0"/>
+                        </a:spcBef>
+                        <a:spcAft>
+                          <a:spcPts val="0"/>
+                        </a:spcAft>
+                        <a:buNone/>
+                      </a:pPr>
+                      <a:r>
+                        <a:t/>
+                      </a:r>
+                      <a:endParaRPr/>
+                    </a:p>
+                  </a:txBody>
+                  <a:tcPr marT="91425" marB="91425" marR="91425" marL="91425"/>
+                </a:tc>
+                <a:tc>
+                  <a:txBody>
+                    <a:bodyPr/>
+                    <a:lstStyle/>
+                    <a:p>
+                      <a:pPr indent="0" lvl="0" marL="0" rtl="0" algn="l">
+                        <a:spcBef>
+                          <a:spcPts val="0"/>
+                        </a:spcBef>
+                        <a:spcAft>
+                          <a:spcPts val="0"/>
+                        </a:spcAft>
+                        <a:buNone/>
+                      </a:pPr>
+                      <a:r>
+                        <a:t/>
+                      </a:r>
+                      <a:endParaRPr/>
+                    </a:p>
+                  </a:txBody>
+                  <a:tcPr marT="91425" marB="91425" marR="91425" marL="91425"/>
+                </a:tc>
+                <a:tc>
+                  <a:txBody>
+                    <a:bodyPr/>
+                    <a:lstStyle/>
+                    <a:p>
+                      <a:pPr indent="0" lvl="0" marL="0" rtl="0" algn="l">
+                        <a:spcBef>
+                          <a:spcPts val="0"/>
+                        </a:spcBef>
+                        <a:spcAft>
+                          <a:spcPts val="0"/>
+                        </a:spcAft>
+                        <a:buNone/>
+                      </a:pPr>
+                      <a:r>
+                        <a:t/>
+                      </a:r>
+                      <a:endParaRPr/>
+                    </a:p>
+                  </a:txBody>
+                  <a:tcPr marT="91425" marB="91425" marR="91425" marL="91425"/>
+                </a:tc>
+                <a:tc>
+                  <a:txBody>
+                    <a:bodyPr/>
+                    <a:lstStyle/>
+                    <a:p>
+                      <a:pPr indent="0" lvl="0" marL="0" rtl="0" algn="l">
+                        <a:spcBef>
+                          <a:spcPts val="0"/>
+                        </a:spcBef>
+                        <a:spcAft>
+                          <a:spcPts val="0"/>
+                        </a:spcAft>
+                        <a:buNone/>
+                      </a:pPr>
+                      <a:r>
+                        <a:rPr lang="pt-BR"/>
+                        <a:t>5</a:t>
+                      </a:r>
+                      <a:endParaRPr/>
+                    </a:p>
+                  </a:txBody>
+                  <a:tcPr marT="91425" marB="91425" marR="91425" marL="91425"/>
+                </a:tc>
+                <a:tc>
+                  <a:txBody>
+                    <a:bodyPr/>
+                    <a:lstStyle/>
+                    <a:p>
+                      <a:pPr indent="0" lvl="0" marL="0" rtl="0" algn="l">
+                        <a:spcBef>
+                          <a:spcPts val="0"/>
+                        </a:spcBef>
+                        <a:spcAft>
+                          <a:spcPts val="0"/>
+                        </a:spcAft>
+                        <a:buNone/>
+                      </a:pPr>
+                      <a:r>
+                        <a:rPr lang="pt-BR"/>
+                        <a:t>9</a:t>
+                      </a:r>
+                      <a:endParaRPr/>
+                    </a:p>
+                  </a:txBody>
+                  <a:tcPr marT="91425" marB="91425" marR="91425" marL="91425"/>
+                </a:tc>
+                <a:tc>
+                  <a:txBody>
+                    <a:bodyPr/>
+                    <a:lstStyle/>
+                    <a:p>
+                      <a:pPr indent="0" lvl="0" marL="0" rtl="0" algn="l">
+                        <a:spcBef>
+                          <a:spcPts val="0"/>
+                        </a:spcBef>
+                        <a:spcAft>
+                          <a:spcPts val="0"/>
+                        </a:spcAft>
+                        <a:buNone/>
+                      </a:pPr>
+                      <a:r>
+                        <a:rPr lang="pt-BR"/>
+                        <a:t>8</a:t>
+                      </a:r>
+                      <a:endParaRPr/>
+                    </a:p>
+                  </a:txBody>
+                  <a:tcPr marT="91425" marB="91425" marR="91425" marL="91425"/>
+                </a:tc>
+              </a:tr>
+              <a:tr h="284625">
+                <a:tc>
+                  <a:txBody>
+                    <a:bodyPr/>
+                    <a:lstStyle/>
+                    <a:p>
+                      <a:pPr indent="0" lvl="0" marL="0" rtl="0" algn="l">
+                        <a:spcBef>
+                          <a:spcPts val="0"/>
+                        </a:spcBef>
+                        <a:spcAft>
+                          <a:spcPts val="0"/>
+                        </a:spcAft>
+                        <a:buNone/>
+                      </a:pPr>
+                      <a:r>
+                        <a:rPr lang="pt-BR"/>
+                        <a:t>4</a:t>
+                      </a:r>
+                      <a:endParaRPr/>
+                    </a:p>
+                  </a:txBody>
+                  <a:tcPr marT="91425" marB="91425" marR="91425" marL="91425">
+                    <a:solidFill>
+                      <a:srgbClr val="CFE2F3"/>
+                    </a:solidFill>
+                  </a:tcPr>
+                </a:tc>
+                <a:tc>
+                  <a:txBody>
+                    <a:bodyPr/>
+                    <a:lstStyle/>
+                    <a:p>
+                      <a:pPr indent="0" lvl="0" marL="0" rtl="0" algn="l">
+                        <a:spcBef>
+                          <a:spcPts val="0"/>
+                        </a:spcBef>
+                        <a:spcAft>
+                          <a:spcPts val="0"/>
+                        </a:spcAft>
+                        <a:buNone/>
+                      </a:pPr>
+                      <a:r>
+                        <a:t/>
+                      </a:r>
+                      <a:endParaRPr/>
+                    </a:p>
+                  </a:txBody>
+                  <a:tcPr marT="91425" marB="91425" marR="91425" marL="91425"/>
+                </a:tc>
+                <a:tc>
+                  <a:txBody>
+                    <a:bodyPr/>
+                    <a:lstStyle/>
+                    <a:p>
+                      <a:pPr indent="0" lvl="0" marL="0" rtl="0" algn="l">
+                        <a:spcBef>
+                          <a:spcPts val="0"/>
+                        </a:spcBef>
+                        <a:spcAft>
+                          <a:spcPts val="0"/>
+                        </a:spcAft>
+                        <a:buNone/>
+                      </a:pPr>
+                      <a:r>
+                        <a:t/>
+                      </a:r>
+                      <a:endParaRPr/>
+                    </a:p>
+                  </a:txBody>
+                  <a:tcPr marT="91425" marB="91425" marR="91425" marL="91425"/>
+                </a:tc>
+                <a:tc>
+                  <a:txBody>
+                    <a:bodyPr/>
+                    <a:lstStyle/>
+                    <a:p>
+                      <a:pPr indent="0" lvl="0" marL="0" rtl="0" algn="l">
+                        <a:spcBef>
+                          <a:spcPts val="0"/>
+                        </a:spcBef>
+                        <a:spcAft>
+                          <a:spcPts val="0"/>
+                        </a:spcAft>
+                        <a:buNone/>
+                      </a:pPr>
+                      <a:r>
+                        <a:t/>
+                      </a:r>
+                      <a:endParaRPr/>
+                    </a:p>
+                  </a:txBody>
+                  <a:tcPr marT="91425" marB="91425" marR="91425" marL="91425"/>
+                </a:tc>
+                <a:tc>
+                  <a:txBody>
+                    <a:bodyPr/>
+                    <a:lstStyle/>
+                    <a:p>
+                      <a:pPr indent="0" lvl="0" marL="0" rtl="0" algn="l">
+                        <a:spcBef>
+                          <a:spcPts val="0"/>
+                        </a:spcBef>
+                        <a:spcAft>
+                          <a:spcPts val="0"/>
+                        </a:spcAft>
+                        <a:buNone/>
+                      </a:pPr>
+                      <a:r>
+                        <a:t/>
+                      </a:r>
+                      <a:endParaRPr/>
+                    </a:p>
+                  </a:txBody>
+                  <a:tcPr marT="91425" marB="91425" marR="91425" marL="91425"/>
+                </a:tc>
+                <a:tc>
+                  <a:txBody>
+                    <a:bodyPr/>
+                    <a:lstStyle/>
+                    <a:p>
+                      <a:pPr indent="0" lvl="0" marL="0" rtl="0" algn="l">
+                        <a:spcBef>
+                          <a:spcPts val="0"/>
+                        </a:spcBef>
+                        <a:spcAft>
+                          <a:spcPts val="0"/>
+                        </a:spcAft>
+                        <a:buNone/>
+                      </a:pPr>
+                      <a:r>
+                        <a:rPr lang="pt-BR"/>
+                        <a:t>12</a:t>
+                      </a:r>
+                      <a:endParaRPr/>
+                    </a:p>
+                  </a:txBody>
+                  <a:tcPr marT="91425" marB="91425" marR="91425" marL="91425"/>
+                </a:tc>
+                <a:tc>
+                  <a:txBody>
+                    <a:bodyPr/>
+                    <a:lstStyle/>
+                    <a:p>
+                      <a:pPr indent="0" lvl="0" marL="0" rtl="0" algn="l">
+                        <a:spcBef>
+                          <a:spcPts val="0"/>
+                        </a:spcBef>
+                        <a:spcAft>
+                          <a:spcPts val="0"/>
+                        </a:spcAft>
+                        <a:buNone/>
+                      </a:pPr>
+                      <a:r>
+                        <a:rPr lang="pt-BR"/>
+                        <a:t>11</a:t>
+                      </a:r>
+                      <a:endParaRPr/>
+                    </a:p>
+                  </a:txBody>
+                  <a:tcPr marT="91425" marB="91425" marR="91425" marL="91425">
+                    <a:solidFill>
+                      <a:schemeClr val="accent2"/>
+                    </a:solidFill>
+                  </a:tcPr>
+                </a:tc>
+              </a:tr>
+              <a:tr h="284625">
+                <a:tc>
+                  <a:txBody>
+                    <a:bodyPr/>
+                    <a:lstStyle/>
+                    <a:p>
+                      <a:pPr indent="0" lvl="0" marL="0" rtl="0" algn="l">
+                        <a:spcBef>
+                          <a:spcPts val="0"/>
+                        </a:spcBef>
+                        <a:spcAft>
+                          <a:spcPts val="0"/>
+                        </a:spcAft>
+                        <a:buNone/>
+                      </a:pPr>
+                      <a:r>
+                        <a:rPr lang="pt-BR"/>
+                        <a:t>8</a:t>
+                      </a:r>
+                      <a:endParaRPr/>
+                    </a:p>
+                  </a:txBody>
+                  <a:tcPr marT="91425" marB="91425" marR="91425" marL="91425">
+                    <a:solidFill>
+                      <a:srgbClr val="CFE2F3"/>
+                    </a:solidFill>
+                  </a:tcPr>
+                </a:tc>
+                <a:tc>
+                  <a:txBody>
+                    <a:bodyPr/>
+                    <a:lstStyle/>
+                    <a:p>
+                      <a:pPr indent="0" lvl="0" marL="0" rtl="0" algn="l">
+                        <a:spcBef>
+                          <a:spcPts val="0"/>
+                        </a:spcBef>
+                        <a:spcAft>
+                          <a:spcPts val="0"/>
+                        </a:spcAft>
+                        <a:buNone/>
+                      </a:pPr>
+                      <a:r>
+                        <a:t/>
+                      </a:r>
+                      <a:endParaRPr/>
+                    </a:p>
+                  </a:txBody>
+                  <a:tcPr marT="91425" marB="91425" marR="91425" marL="91425"/>
+                </a:tc>
+                <a:tc>
+                  <a:txBody>
+                    <a:bodyPr/>
+                    <a:lstStyle/>
+                    <a:p>
+                      <a:pPr indent="0" lvl="0" marL="0" rtl="0" algn="l">
+                        <a:spcBef>
+                          <a:spcPts val="0"/>
+                        </a:spcBef>
+                        <a:spcAft>
+                          <a:spcPts val="0"/>
+                        </a:spcAft>
+                        <a:buNone/>
+                      </a:pPr>
+                      <a:r>
+                        <a:t/>
+                      </a:r>
+                      <a:endParaRPr/>
+                    </a:p>
+                  </a:txBody>
+                  <a:tcPr marT="91425" marB="91425" marR="91425" marL="91425"/>
+                </a:tc>
+                <a:tc>
+                  <a:txBody>
+                    <a:bodyPr/>
+                    <a:lstStyle/>
+                    <a:p>
+                      <a:pPr indent="0" lvl="0" marL="0" rtl="0" algn="l">
+                        <a:spcBef>
+                          <a:spcPts val="0"/>
+                        </a:spcBef>
+                        <a:spcAft>
+                          <a:spcPts val="0"/>
+                        </a:spcAft>
+                        <a:buNone/>
+                      </a:pPr>
+                      <a:r>
+                        <a:t/>
+                      </a:r>
+                      <a:endParaRPr/>
+                    </a:p>
+                  </a:txBody>
+                  <a:tcPr marT="91425" marB="91425" marR="91425" marL="91425"/>
+                </a:tc>
+                <a:tc>
+                  <a:txBody>
+                    <a:bodyPr/>
+                    <a:lstStyle/>
+                    <a:p>
+                      <a:pPr indent="0" lvl="0" marL="0" rtl="0" algn="l">
+                        <a:spcBef>
+                          <a:spcPts val="0"/>
+                        </a:spcBef>
+                        <a:spcAft>
+                          <a:spcPts val="0"/>
+                        </a:spcAft>
+                        <a:buNone/>
+                      </a:pPr>
+                      <a:r>
+                        <a:t/>
+                      </a:r>
+                      <a:endParaRPr/>
+                    </a:p>
+                  </a:txBody>
+                  <a:tcPr marT="91425" marB="91425" marR="91425" marL="91425"/>
+                </a:tc>
+                <a:tc>
+                  <a:txBody>
+                    <a:bodyPr/>
+                    <a:lstStyle/>
+                    <a:p>
+                      <a:pPr indent="0" lvl="0" marL="0" rtl="0" algn="l">
+                        <a:spcBef>
+                          <a:spcPts val="0"/>
+                        </a:spcBef>
+                        <a:spcAft>
+                          <a:spcPts val="0"/>
+                        </a:spcAft>
+                        <a:buNone/>
+                      </a:pPr>
+                      <a:r>
+                        <a:t/>
+                      </a:r>
+                      <a:endParaRPr/>
+                    </a:p>
+                  </a:txBody>
+                  <a:tcPr marT="91425" marB="91425" marR="91425" marL="91425"/>
+                </a:tc>
+                <a:tc>
+                  <a:txBody>
+                    <a:bodyPr/>
+                    <a:lstStyle/>
+                    <a:p>
+                      <a:pPr indent="0" lvl="0" marL="0" rtl="0" algn="l">
+                        <a:spcBef>
+                          <a:spcPts val="0"/>
+                        </a:spcBef>
+                        <a:spcAft>
+                          <a:spcPts val="0"/>
+                        </a:spcAft>
+                        <a:buNone/>
+                      </a:pPr>
+                      <a:r>
+                        <a:rPr lang="pt-BR"/>
+                        <a:t>15</a:t>
+                      </a:r>
+                      <a:endParaRPr/>
+                    </a:p>
+                  </a:txBody>
+                  <a:tcPr marT="91425" marB="91425" marR="91425" marL="91425"/>
+                </a:tc>
+              </a:tr>
+              <a:tr h="284625">
+                <a:tc>
+                  <a:txBody>
+                    <a:bodyPr/>
+                    <a:lstStyle/>
+                    <a:p>
+                      <a:pPr indent="0" lvl="0" marL="0" rtl="0" algn="l">
+                        <a:spcBef>
+                          <a:spcPts val="0"/>
+                        </a:spcBef>
+                        <a:spcAft>
+                          <a:spcPts val="0"/>
+                        </a:spcAft>
+                        <a:buNone/>
+                      </a:pPr>
+                      <a:r>
+                        <a:rPr lang="pt-BR"/>
+                        <a:t>7</a:t>
+                      </a:r>
+                      <a:endParaRPr/>
+                    </a:p>
+                  </a:txBody>
+                  <a:tcPr marT="91425" marB="91425" marR="91425" marL="91425">
+                    <a:solidFill>
+                      <a:srgbClr val="CFE2F3"/>
+                    </a:solidFill>
+                  </a:tcPr>
+                </a:tc>
+                <a:tc>
+                  <a:txBody>
+                    <a:bodyPr/>
+                    <a:lstStyle/>
+                    <a:p>
+                      <a:pPr indent="0" lvl="0" marL="0" rtl="0" algn="l">
+                        <a:spcBef>
+                          <a:spcPts val="0"/>
+                        </a:spcBef>
+                        <a:spcAft>
+                          <a:spcPts val="0"/>
+                        </a:spcAft>
+                        <a:buNone/>
+                      </a:pPr>
+                      <a:r>
+                        <a:t/>
+                      </a:r>
+                      <a:endParaRPr/>
+                    </a:p>
+                  </a:txBody>
+                  <a:tcPr marT="91425" marB="91425" marR="91425" marL="91425"/>
+                </a:tc>
+                <a:tc>
+                  <a:txBody>
+                    <a:bodyPr/>
+                    <a:lstStyle/>
+                    <a:p>
+                      <a:pPr indent="0" lvl="0" marL="0" rtl="0" algn="l">
+                        <a:spcBef>
+                          <a:spcPts val="0"/>
+                        </a:spcBef>
+                        <a:spcAft>
+                          <a:spcPts val="0"/>
+                        </a:spcAft>
+                        <a:buNone/>
+                      </a:pPr>
+                      <a:r>
+                        <a:t/>
+                      </a:r>
+                      <a:endParaRPr/>
+                    </a:p>
+                  </a:txBody>
+                  <a:tcPr marT="91425" marB="91425" marR="91425" marL="91425"/>
+                </a:tc>
+                <a:tc>
+                  <a:txBody>
+                    <a:bodyPr/>
+                    <a:lstStyle/>
+                    <a:p>
+                      <a:pPr indent="0" lvl="0" marL="0" rtl="0" algn="l">
+                        <a:spcBef>
+                          <a:spcPts val="0"/>
+                        </a:spcBef>
+                        <a:spcAft>
+                          <a:spcPts val="0"/>
+                        </a:spcAft>
+                        <a:buNone/>
+                      </a:pPr>
+                      <a:r>
+                        <a:t/>
+                      </a:r>
+                      <a:endParaRPr/>
+                    </a:p>
+                  </a:txBody>
+                  <a:tcPr marT="91425" marB="91425" marR="91425" marL="91425"/>
+                </a:tc>
+                <a:tc>
+                  <a:txBody>
+                    <a:bodyPr/>
+                    <a:lstStyle/>
+                    <a:p>
+                      <a:pPr indent="0" lvl="0" marL="0" rtl="0" algn="l">
+                        <a:spcBef>
+                          <a:spcPts val="0"/>
+                        </a:spcBef>
+                        <a:spcAft>
+                          <a:spcPts val="0"/>
+                        </a:spcAft>
+                        <a:buNone/>
+                      </a:pPr>
+                      <a:r>
+                        <a:t/>
+                      </a:r>
+                      <a:endParaRPr/>
+                    </a:p>
+                  </a:txBody>
+                  <a:tcPr marT="91425" marB="91425" marR="91425" marL="91425"/>
+                </a:tc>
+                <a:tc>
+                  <a:txBody>
+                    <a:bodyPr/>
+                    <a:lstStyle/>
+                    <a:p>
+                      <a:pPr indent="0" lvl="0" marL="0" rtl="0" algn="l">
+                        <a:spcBef>
+                          <a:spcPts val="0"/>
+                        </a:spcBef>
+                        <a:spcAft>
+                          <a:spcPts val="0"/>
+                        </a:spcAft>
+                        <a:buNone/>
+                      </a:pPr>
+                      <a:r>
+                        <a:t/>
+                      </a:r>
+                      <a:endParaRPr/>
+                    </a:p>
+                  </a:txBody>
+                  <a:tcPr marT="91425" marB="91425" marR="91425" marL="91425"/>
+                </a:tc>
+                <a:tc>
+                  <a:txBody>
+                    <a:bodyPr/>
+                    <a:lstStyle/>
+                    <a:p>
+                      <a:pPr indent="0" lvl="0" marL="0" rtl="0" algn="l">
+                        <a:spcBef>
+                          <a:spcPts val="0"/>
+                        </a:spcBef>
+                        <a:spcAft>
+                          <a:spcPts val="0"/>
+                        </a:spcAft>
+                        <a:buNone/>
+                      </a:pPr>
+                      <a:r>
+                        <a:t/>
+                      </a:r>
+                      <a:endParaRPr/>
+                    </a:p>
+                  </a:txBody>
+                  <a:tcPr marT="91425" marB="91425" marR="91425" marL="91425"/>
+                </a:tc>
+              </a:tr>
+            </a:tbl>
+          </a:graphicData>
+        </a:graphic>
+      </p:graphicFrame>
+      <p:sp>
+        <p:nvSpPr>
+          <p:cNvPr id="126" name="Google Shape;126;p16"/>
+          <p:cNvSpPr txBox="1"/>
+          <p:nvPr>
+            <p:ph idx="12" type="sldNum"/>
+          </p:nvPr>
+        </p:nvSpPr>
+        <p:spPr>
+          <a:xfrm>
+            <a:off x="8536302" y="4749851"/>
+            <a:ext cx="548700" cy="393600"/>
+          </a:xfrm>
+          <a:prstGeom prst="rect">
+            <a:avLst/>
+          </a:prstGeom>
+        </p:spPr>
+        <p:txBody>
+          <a:bodyPr anchorCtr="0" anchor="ctr" bIns="91425" lIns="91425" spcFirstLastPara="1" rIns="91425" wrap="square" tIns="91425">
+            <a:normAutofit/>
+          </a:bodyPr>
+          <a:lstStyle/>
+          <a:p>
+            <a:pPr indent="0" lvl="0" marL="0" rtl="0" algn="r">
+              <a:spcBef>
+                <a:spcPts val="0"/>
+              </a:spcBef>
+              <a:spcAft>
+                <a:spcPts val="0"/>
+              </a:spcAft>
+              <a:buNone/>
+            </a:pPr>
+            <a:fld id="{00000000-1234-1234-1234-123412341234}" type="slidenum">
+              <a:rPr lang="pt-BR"/>
+              <a:t>‹#›</a:t>
+            </a:fld>
+            <a:endParaRPr/>
+          </a:p>
+        </p:txBody>
+      </p:sp>
+      <p:sp>
+        <p:nvSpPr>
+          <p:cNvPr id="127" name="Google Shape;127;p16"/>
+          <p:cNvSpPr txBox="1"/>
+          <p:nvPr>
+            <p:ph idx="1" type="body"/>
+          </p:nvPr>
+        </p:nvSpPr>
+        <p:spPr>
+          <a:xfrm>
+            <a:off x="2540400" y="3730703"/>
+            <a:ext cx="1410900" cy="1124700"/>
+          </a:xfrm>
+          <a:prstGeom prst="rect">
+            <a:avLst/>
+          </a:prstGeom>
+        </p:spPr>
+        <p:txBody>
+          <a:bodyPr anchorCtr="0" anchor="t" bIns="91425" lIns="91425" spcFirstLastPara="1" rIns="91425" wrap="square" tIns="91425">
+            <a:normAutofit lnSpcReduction="10000"/>
+          </a:bodyPr>
+          <a:lstStyle/>
+          <a:p>
+            <a:pPr indent="0" lvl="0" marL="0" rtl="0" algn="ctr">
+              <a:spcBef>
+                <a:spcPts val="0"/>
+              </a:spcBef>
+              <a:spcAft>
+                <a:spcPts val="0"/>
+              </a:spcAft>
+              <a:buNone/>
+            </a:pPr>
+            <a:r>
+              <a:rPr lang="pt-BR"/>
+              <a:t>Complexidade:</a:t>
+            </a:r>
+            <a:endParaRPr/>
+          </a:p>
+          <a:p>
+            <a:pPr indent="0" lvl="0" marL="0" rtl="0" algn="ctr">
+              <a:spcBef>
+                <a:spcPts val="1200"/>
+              </a:spcBef>
+              <a:spcAft>
+                <a:spcPts val="0"/>
+              </a:spcAft>
+              <a:buNone/>
+            </a:pPr>
+            <a:r>
+              <a:rPr lang="pt-BR"/>
+              <a:t>O(N(N-1)/2) </a:t>
+            </a:r>
+            <a:endParaRPr/>
+          </a:p>
+          <a:p>
+            <a:pPr indent="0" lvl="0" marL="0" rtl="0" algn="ctr">
+              <a:spcBef>
+                <a:spcPts val="1200"/>
+              </a:spcBef>
+              <a:spcAft>
+                <a:spcPts val="1200"/>
+              </a:spcAft>
+              <a:buNone/>
+            </a:pPr>
+            <a:r>
+              <a:rPr lang="pt-BR"/>
+              <a:t>O(N²)</a:t>
+            </a:r>
+            <a:endParaRPr/>
+          </a:p>
+        </p:txBody>
+      </p:sp>
+      <p:sp>
+        <p:nvSpPr>
+          <p:cNvPr id="128" name="Google Shape;128;p16"/>
+          <p:cNvSpPr/>
+          <p:nvPr/>
+        </p:nvSpPr>
+        <p:spPr>
+          <a:xfrm>
+            <a:off x="6680375" y="1597938"/>
+            <a:ext cx="1636800" cy="46200"/>
+          </a:xfrm>
+          <a:prstGeom prst="rect">
+            <a:avLst/>
+          </a:prstGeom>
+          <a:solidFill>
+            <a:schemeClr val="lt2"/>
+          </a:solidFill>
+          <a:ln cap="flat" cmpd="sng" w="9525">
+            <a:solidFill>
+              <a:schemeClr val="dk2"/>
+            </a:solidFill>
+            <a:prstDash val="solid"/>
+            <a:round/>
+            <a:headEnd len="sm" w="sm" type="none"/>
+            <a:tailEnd len="sm" w="sm" type="none"/>
+          </a:ln>
+        </p:spPr>
+        <p:txBody>
+          <a:bodyPr anchorCtr="0" anchor="ctr" bIns="91425" lIns="91425" spcFirstLastPara="1" rIns="91425" wrap="square" tIns="91425">
+            <a:noAutofit/>
+          </a:bodyPr>
+          <a:lstStyle/>
+          <a:p>
+            <a:pPr indent="0" lvl="0" marL="0" rtl="0" algn="l">
+              <a:spcBef>
+                <a:spcPts val="0"/>
+              </a:spcBef>
+              <a:spcAft>
+                <a:spcPts val="0"/>
+              </a:spcAft>
+              <a:buNone/>
+            </a:pPr>
+            <a:r>
+              <a:t/>
+            </a:r>
+            <a:endParaRPr/>
+          </a:p>
+        </p:txBody>
+      </p:sp>
+      <p:graphicFrame>
+        <p:nvGraphicFramePr>
+          <p:cNvPr id="129" name="Google Shape;129;p16"/>
+          <p:cNvGraphicFramePr/>
+          <p:nvPr/>
+        </p:nvGraphicFramePr>
+        <p:xfrm>
+          <a:off x="6136625" y="991738"/>
+          <a:ext cx="3000000" cy="3000000"/>
+        </p:xfrm>
+        <a:graphic>
+          <a:graphicData uri="http://schemas.openxmlformats.org/drawingml/2006/table">
+            <a:tbl>
+              <a:tblPr>
+                <a:noFill/>
+                <a:tableStyleId>{AA37B769-EBB0-46AA-AC90-2418E12BA53B}</a:tableStyleId>
+              </a:tblPr>
+              <a:tblGrid>
+                <a:gridCol w="382850"/>
+                <a:gridCol w="382850"/>
+                <a:gridCol w="382850"/>
+                <a:gridCol w="382850"/>
+                <a:gridCol w="382850"/>
+                <a:gridCol w="382850"/>
+              </a:tblGrid>
+              <a:tr h="381000">
+                <a:tc>
+                  <a:txBody>
+                    <a:bodyPr/>
+                    <a:lstStyle/>
+                    <a:p>
+                      <a:pPr indent="0" lvl="0" marL="0" rtl="0" algn="l">
+                        <a:spcBef>
+                          <a:spcPts val="0"/>
+                        </a:spcBef>
+                        <a:spcAft>
+                          <a:spcPts val="0"/>
+                        </a:spcAft>
+                        <a:buNone/>
+                      </a:pPr>
+                      <a:r>
+                        <a:rPr lang="pt-BR"/>
+                        <a:t>10</a:t>
+                      </a:r>
+                      <a:endParaRPr/>
+                    </a:p>
+                  </a:txBody>
+                  <a:tcPr marT="91425" marB="91425" marR="91425" marL="91425"/>
+                </a:tc>
+                <a:tc>
+                  <a:txBody>
+                    <a:bodyPr/>
+                    <a:lstStyle/>
+                    <a:p>
+                      <a:pPr indent="0" lvl="0" marL="0" rtl="0" algn="l">
+                        <a:spcBef>
+                          <a:spcPts val="0"/>
+                        </a:spcBef>
+                        <a:spcAft>
+                          <a:spcPts val="0"/>
+                        </a:spcAft>
+                        <a:buNone/>
+                      </a:pPr>
+                      <a:r>
+                        <a:rPr lang="pt-BR"/>
+                        <a:t>3</a:t>
+                      </a:r>
+                      <a:endParaRPr/>
+                    </a:p>
+                  </a:txBody>
+                  <a:tcPr marT="91425" marB="91425" marR="91425" marL="91425"/>
+                </a:tc>
+                <a:tc>
+                  <a:txBody>
+                    <a:bodyPr/>
+                    <a:lstStyle/>
+                    <a:p>
+                      <a:pPr indent="0" lvl="0" marL="0" rtl="0" algn="l">
+                        <a:spcBef>
+                          <a:spcPts val="0"/>
+                        </a:spcBef>
+                        <a:spcAft>
+                          <a:spcPts val="0"/>
+                        </a:spcAft>
+                        <a:buNone/>
+                      </a:pPr>
+                      <a:r>
+                        <a:rPr lang="pt-BR"/>
+                        <a:t>1</a:t>
+                      </a:r>
+                      <a:endParaRPr/>
+                    </a:p>
+                  </a:txBody>
+                  <a:tcPr marT="91425" marB="91425" marR="91425" marL="91425"/>
+                </a:tc>
+                <a:tc>
+                  <a:txBody>
+                    <a:bodyPr/>
+                    <a:lstStyle/>
+                    <a:p>
+                      <a:pPr indent="0" lvl="0" marL="0" rtl="0" algn="l">
+                        <a:spcBef>
+                          <a:spcPts val="0"/>
+                        </a:spcBef>
+                        <a:spcAft>
+                          <a:spcPts val="0"/>
+                        </a:spcAft>
+                        <a:buNone/>
+                      </a:pPr>
+                      <a:r>
+                        <a:rPr lang="pt-BR"/>
+                        <a:t>4</a:t>
+                      </a:r>
+                      <a:endParaRPr/>
+                    </a:p>
+                  </a:txBody>
+                  <a:tcPr marT="91425" marB="91425" marR="91425" marL="91425"/>
+                </a:tc>
+                <a:tc>
+                  <a:txBody>
+                    <a:bodyPr/>
+                    <a:lstStyle/>
+                    <a:p>
+                      <a:pPr indent="0" lvl="0" marL="0" rtl="0" algn="l">
+                        <a:spcBef>
+                          <a:spcPts val="0"/>
+                        </a:spcBef>
+                        <a:spcAft>
+                          <a:spcPts val="0"/>
+                        </a:spcAft>
+                        <a:buNone/>
+                      </a:pPr>
+                      <a:r>
+                        <a:rPr lang="pt-BR"/>
+                        <a:t>8</a:t>
+                      </a:r>
+                      <a:endParaRPr/>
+                    </a:p>
+                  </a:txBody>
+                  <a:tcPr marT="91425" marB="91425" marR="91425" marL="91425"/>
+                </a:tc>
+                <a:tc>
+                  <a:txBody>
+                    <a:bodyPr/>
+                    <a:lstStyle/>
+                    <a:p>
+                      <a:pPr indent="0" lvl="0" marL="0" rtl="0" algn="l">
+                        <a:spcBef>
+                          <a:spcPts val="0"/>
+                        </a:spcBef>
+                        <a:spcAft>
+                          <a:spcPts val="0"/>
+                        </a:spcAft>
+                        <a:buNone/>
+                      </a:pPr>
+                      <a:r>
+                        <a:rPr lang="pt-BR"/>
+                        <a:t>7</a:t>
+                      </a:r>
+                      <a:endParaRPr/>
+                    </a:p>
+                  </a:txBody>
+                  <a:tcPr marT="91425" marB="91425" marR="91425" marL="91425"/>
+                </a:tc>
+              </a:tr>
+            </a:tbl>
+          </a:graphicData>
+        </a:graphic>
+      </p:graphicFrame>
+      <p:sp>
+        <p:nvSpPr>
+          <p:cNvPr id="130" name="Google Shape;130;p16"/>
+          <p:cNvSpPr/>
+          <p:nvPr/>
+        </p:nvSpPr>
+        <p:spPr>
+          <a:xfrm>
+            <a:off x="6225675" y="1407163"/>
+            <a:ext cx="186300" cy="276900"/>
+          </a:xfrm>
+          <a:prstGeom prst="upArrow">
+            <a:avLst>
+              <a:gd fmla="val 50000" name="adj1"/>
+              <a:gd fmla="val 50000" name="adj2"/>
+            </a:avLst>
+          </a:prstGeom>
+          <a:solidFill>
+            <a:schemeClr val="lt2"/>
+          </a:solidFill>
+          <a:ln cap="flat" cmpd="sng" w="9525">
+            <a:solidFill>
+              <a:schemeClr val="dk2"/>
+            </a:solidFill>
+            <a:prstDash val="solid"/>
+            <a:round/>
+            <a:headEnd len="sm" w="sm" type="none"/>
+            <a:tailEnd len="sm" w="sm" type="none"/>
+          </a:ln>
+        </p:spPr>
+        <p:txBody>
+          <a:bodyPr anchorCtr="0" anchor="ctr" bIns="91425" lIns="91425" spcFirstLastPara="1" rIns="91425" wrap="square" tIns="91425">
+            <a:noAutofit/>
+          </a:bodyPr>
+          <a:lstStyle/>
+          <a:p>
+            <a:pPr indent="0" lvl="0" marL="0" rtl="0" algn="l">
+              <a:spcBef>
+                <a:spcPts val="0"/>
+              </a:spcBef>
+              <a:spcAft>
+                <a:spcPts val="0"/>
+              </a:spcAft>
+              <a:buNone/>
+            </a:pPr>
+            <a:r>
+              <a:t/>
+            </a:r>
+            <a:endParaRPr/>
+          </a:p>
+        </p:txBody>
+      </p:sp>
+      <p:sp>
+        <p:nvSpPr>
+          <p:cNvPr id="131" name="Google Shape;131;p16"/>
+          <p:cNvSpPr/>
+          <p:nvPr/>
+        </p:nvSpPr>
+        <p:spPr>
+          <a:xfrm>
+            <a:off x="6626625" y="1427838"/>
             <a:ext cx="186300" cy="216300"/>
           </a:xfrm>
           <a:prstGeom prst="upArrow">
@@ -10387,6 +13108,55 @@
           </a:p>
         </p:txBody>
       </p:sp>
+      <p:sp>
+        <p:nvSpPr>
+          <p:cNvPr id="132" name="Google Shape;132;p16"/>
+          <p:cNvSpPr/>
+          <p:nvPr/>
+        </p:nvSpPr>
+        <p:spPr>
+          <a:xfrm>
+            <a:off x="6270400" y="1684038"/>
+            <a:ext cx="1636800" cy="46200"/>
+          </a:xfrm>
+          <a:prstGeom prst="rect">
+            <a:avLst/>
+          </a:prstGeom>
+          <a:solidFill>
+            <a:schemeClr val="lt2"/>
+          </a:solidFill>
+          <a:ln cap="flat" cmpd="sng" w="9525">
+            <a:solidFill>
+              <a:schemeClr val="dk2"/>
+            </a:solidFill>
+            <a:prstDash val="solid"/>
+            <a:round/>
+            <a:headEnd len="sm" w="sm" type="none"/>
+            <a:tailEnd len="sm" w="sm" type="none"/>
+          </a:ln>
+        </p:spPr>
+        <p:txBody>
+          <a:bodyPr anchorCtr="0" anchor="ctr" bIns="91425" lIns="91425" spcFirstLastPara="1" rIns="91425" wrap="square" tIns="91425">
+            <a:noAutofit/>
+          </a:bodyPr>
+          <a:lstStyle/>
+          <a:p>
+            <a:pPr indent="0" lvl="0" marL="0" rtl="0" algn="l">
+              <a:spcBef>
+                <a:spcPts val="0"/>
+              </a:spcBef>
+              <a:spcAft>
+                <a:spcPts val="0"/>
+              </a:spcAft>
+              <a:buNone/>
+            </a:pPr>
+            <a:r>
+              <a:t/>
+            </a:r>
+            <a:endParaRPr/>
+          </a:p>
+        </p:txBody>
+      </p:sp>
     </p:spTree>
   </p:cSld>
   <p:clrMapOvr>
@@ -10395,12 +13165,12 @@
 </p:sld>
 </file>
 
-<file path=ppt/slides/slide4.xml><?xml version="1.0" encoding="utf-8"?>
+<file path=ppt/slides/slide5.xml><?xml version="1.0" encoding="utf-8"?>
 <p:sld xmlns:a="http://schemas.openxmlformats.org/drawingml/2006/main" xmlns:r="http://schemas.openxmlformats.org/officeDocument/2006/relationships" xmlns:mc="http://schemas.openxmlformats.org/markup-compatibility/2006" xmlns:mv="urn:schemas-microsoft-com:mac:vml" xmlns:p="http://schemas.openxmlformats.org/presentationml/2006/main" xmlns:c="http://schemas.openxmlformats.org/drawingml/2006/chart" xmlns:dgm="http://schemas.openxmlformats.org/drawingml/2006/diagram" xmlns:o="urn:schemas-microsoft-com:office:office" xmlns:v="urn:schemas-microsoft-com:vml" xmlns:pvml="urn:schemas-microsoft-com:office:powerpoint" xmlns:com="http://schemas.openxmlformats.org/drawingml/2006/compatibility" xmlns:p14="http://schemas.microsoft.com/office/powerpoint/2010/main" xmlns:p15="http://schemas.microsoft.com/office/powerpoint/2012/main" xmlns:ahyp="http://schemas.microsoft.com/office/drawing/2018/hyperlinkcolor">
   <p:cSld>
     <p:spTree>
       <p:nvGrpSpPr>
-        <p:cNvPr id="120" name="Shape 120"/>
+        <p:cNvPr id="136" name="Shape 136"/>
         <p:cNvGrpSpPr/>
         <p:nvPr/>
       </p:nvGrpSpPr>
@@ -10414,7 +13184,7 @@
       </p:grpSpPr>
       <p:sp>
         <p:nvSpPr>
-          <p:cNvPr id="121" name="Google Shape;121;p16"/>
+          <p:cNvPr id="137" name="Google Shape;137;p17"/>
           <p:cNvSpPr txBox="1"/>
           <p:nvPr>
             <p:ph type="title"/>
@@ -10454,7 +13224,47 @@
       </p:sp>
       <p:sp>
         <p:nvSpPr>
-          <p:cNvPr id="122" name="Google Shape;122;p16"/>
+          <p:cNvPr id="138" name="Google Shape;138;p17"/>
+          <p:cNvSpPr txBox="1"/>
+          <p:nvPr>
+            <p:ph idx="12" type="sldNum"/>
+          </p:nvPr>
+        </p:nvSpPr>
+        <p:spPr>
+          <a:xfrm>
+            <a:off x="8536302" y="4749851"/>
+            <a:ext cx="548700" cy="393600"/>
+          </a:xfrm>
+          <a:prstGeom prst="rect">
+            <a:avLst/>
+          </a:prstGeom>
+        </p:spPr>
+        <p:txBody>
+          <a:bodyPr anchorCtr="0" anchor="ctr" bIns="91425" lIns="91425" spcFirstLastPara="1" rIns="91425" wrap="square" tIns="91425">
+            <a:normAutofit/>
+          </a:bodyPr>
+          <a:lstStyle/>
+          <a:p>
+            <a:pPr indent="0" lvl="0" marL="0" rtl="0" algn="r">
+              <a:spcBef>
+                <a:spcPts val="0"/>
+              </a:spcBef>
+              <a:spcAft>
+                <a:spcPts val="0"/>
+              </a:spcAft>
+              <a:buNone/>
+            </a:pPr>
+            <a:fld id="{00000000-1234-1234-1234-123412341234}" type="slidenum">
+              <a:rPr lang="pt-BR"/>
+              <a:t>‹#›</a:t>
+            </a:fld>
+            <a:endParaRPr/>
+          </a:p>
+        </p:txBody>
+      </p:sp>
+      <p:sp>
+        <p:nvSpPr>
+          <p:cNvPr id="139" name="Google Shape;139;p17"/>
           <p:cNvSpPr txBox="1"/>
           <p:nvPr>
             <p:ph idx="1" type="body"/>
@@ -10462,8 +13272,8 @@
         </p:nvSpPr>
         <p:spPr>
           <a:xfrm>
-            <a:off x="728550" y="1922325"/>
-            <a:ext cx="7688700" cy="1055700"/>
+            <a:off x="729450" y="1947225"/>
+            <a:ext cx="7688700" cy="760200"/>
           </a:xfrm>
           <a:prstGeom prst="rect">
             <a:avLst/>
@@ -10475,35 +13285,478 @@
           </a:bodyPr>
           <a:lstStyle/>
           <a:p>
-            <a:pPr indent="0" lvl="0" marL="457200" rtl="0" algn="just">
-              <a:spcBef>
-                <a:spcPts val="0"/>
-              </a:spcBef>
-              <a:spcAft>
-                <a:spcPts val="0"/>
+            <a:pPr indent="457200" lvl="0" marL="0" rtl="0" algn="just">
+              <a:spcBef>
+                <a:spcPts val="0"/>
+              </a:spcBef>
+              <a:spcAft>
+                <a:spcPts val="1200"/>
               </a:spcAft>
               <a:buNone/>
             </a:pPr>
             <a:r>
               <a:rPr lang="pt-BR"/>
-              <a:t>Poderíamos também ordenar esses valores do menor para o maior.</a:t>
+              <a:t>Poderíamos também ordenar esses valores do menor para o maior e fazer uma busca binária no segundo valor procurado em cada número testado</a:t>
+            </a:r>
+            <a:endParaRPr/>
+          </a:p>
+        </p:txBody>
+      </p:sp>
+      <p:sp>
+        <p:nvSpPr>
+          <p:cNvPr id="140" name="Google Shape;140;p17"/>
+          <p:cNvSpPr txBox="1"/>
+          <p:nvPr>
+            <p:ph idx="1" type="body"/>
+          </p:nvPr>
+        </p:nvSpPr>
+        <p:spPr>
+          <a:xfrm>
+            <a:off x="727650" y="2707425"/>
+            <a:ext cx="7688700" cy="634500"/>
+          </a:xfrm>
+          <a:prstGeom prst="rect">
+            <a:avLst/>
+          </a:prstGeom>
+        </p:spPr>
+        <p:txBody>
+          <a:bodyPr anchorCtr="0" anchor="t" bIns="91425" lIns="91425" spcFirstLastPara="1" rIns="91425" wrap="square" tIns="91425">
+            <a:normAutofit/>
+          </a:bodyPr>
+          <a:lstStyle/>
+          <a:p>
+            <a:pPr indent="457200" lvl="0" marL="0" rtl="0" algn="just">
+              <a:spcBef>
+                <a:spcPts val="0"/>
+              </a:spcBef>
+              <a:spcAft>
+                <a:spcPts val="1200"/>
+              </a:spcAft>
+              <a:buNone/>
+            </a:pPr>
+            <a:r>
+              <a:rPr lang="pt-BR"/>
+              <a:t>Se o array já está ordenado e fazemos a busca binária para cada elemento:			</a:t>
+            </a:r>
+            <a:endParaRPr/>
+          </a:p>
+        </p:txBody>
+      </p:sp>
+      <p:sp>
+        <p:nvSpPr>
+          <p:cNvPr id="141" name="Google Shape;141;p17"/>
+          <p:cNvSpPr txBox="1"/>
+          <p:nvPr>
+            <p:ph idx="1" type="body"/>
+          </p:nvPr>
+        </p:nvSpPr>
+        <p:spPr>
+          <a:xfrm>
+            <a:off x="918000" y="3560375"/>
+            <a:ext cx="1836000" cy="714600"/>
+          </a:xfrm>
+          <a:prstGeom prst="rect">
+            <a:avLst/>
+          </a:prstGeom>
+        </p:spPr>
+        <p:txBody>
+          <a:bodyPr anchorCtr="0" anchor="t" bIns="91425" lIns="91425" spcFirstLastPara="1" rIns="91425" wrap="square" tIns="91425">
+            <a:normAutofit lnSpcReduction="20000"/>
+          </a:bodyPr>
+          <a:lstStyle/>
+          <a:p>
+            <a:pPr indent="0" lvl="0" marL="0" rtl="0" algn="l">
+              <a:spcBef>
+                <a:spcPts val="0"/>
+              </a:spcBef>
+              <a:spcAft>
+                <a:spcPts val="0"/>
+              </a:spcAft>
+              <a:buNone/>
+            </a:pPr>
+            <a:r>
+              <a:rPr lang="pt-BR"/>
+              <a:t>Elemento</a:t>
             </a:r>
             <a:endParaRPr/>
           </a:p>
           <a:p>
-            <a:pPr indent="-311150" lvl="0" marL="457200" rtl="0" algn="just">
+            <a:pPr indent="0" lvl="0" marL="0" rtl="0" algn="l">
               <a:spcBef>
                 <a:spcPts val="1200"/>
               </a:spcBef>
               <a:spcAft>
-                <a:spcPts val="0"/>
-              </a:spcAft>
-              <a:buSzPts val="1300"/>
-              <a:buChar char="●"/>
+                <a:spcPts val="1200"/>
+              </a:spcAft>
+              <a:buNone/>
             </a:pPr>
             <a:r>
               <a:rPr lang="pt-BR"/>
-              <a:t>Assim, teríamos uma informação extra, que a partir de certo ponto somar já teria ultrapassado o valor, então não faria sentido continuar tentando, veja abaixo.</a:t>
+              <a:t>Busca binária</a:t>
+            </a:r>
+            <a:endParaRPr/>
+          </a:p>
+        </p:txBody>
+      </p:sp>
+      <p:sp>
+        <p:nvSpPr>
+          <p:cNvPr id="142" name="Google Shape;142;p17"/>
+          <p:cNvSpPr txBox="1"/>
+          <p:nvPr>
+            <p:ph idx="1" type="body"/>
+          </p:nvPr>
+        </p:nvSpPr>
+        <p:spPr>
+          <a:xfrm>
+            <a:off x="6696225" y="3560375"/>
+            <a:ext cx="1410900" cy="931800"/>
+          </a:xfrm>
+          <a:prstGeom prst="rect">
+            <a:avLst/>
+          </a:prstGeom>
+        </p:spPr>
+        <p:txBody>
+          <a:bodyPr anchorCtr="0" anchor="t" bIns="91425" lIns="91425" spcFirstLastPara="1" rIns="91425" wrap="square" tIns="91425">
+            <a:normAutofit/>
+          </a:bodyPr>
+          <a:lstStyle/>
+          <a:p>
+            <a:pPr indent="0" lvl="0" marL="0" rtl="0" algn="ctr">
+              <a:spcBef>
+                <a:spcPts val="0"/>
+              </a:spcBef>
+              <a:spcAft>
+                <a:spcPts val="0"/>
+              </a:spcAft>
+              <a:buNone/>
+            </a:pPr>
+            <a:r>
+              <a:rPr lang="pt-BR"/>
+              <a:t>Complexidade:</a:t>
+            </a:r>
+            <a:endParaRPr/>
+          </a:p>
+          <a:p>
+            <a:pPr indent="0" lvl="0" marL="0" rtl="0" algn="ctr">
+              <a:spcBef>
+                <a:spcPts val="1200"/>
+              </a:spcBef>
+              <a:spcAft>
+                <a:spcPts val="1200"/>
+              </a:spcAft>
+              <a:buNone/>
+            </a:pPr>
+            <a:r>
+              <a:rPr lang="pt-BR"/>
+              <a:t>O(Nlog(N))</a:t>
+            </a:r>
+            <a:endParaRPr/>
+          </a:p>
+        </p:txBody>
+      </p:sp>
+      <p:sp>
+        <p:nvSpPr>
+          <p:cNvPr id="143" name="Google Shape;143;p17"/>
+          <p:cNvSpPr/>
+          <p:nvPr/>
+        </p:nvSpPr>
+        <p:spPr>
+          <a:xfrm>
+            <a:off x="2318050" y="3612275"/>
+            <a:ext cx="186300" cy="216300"/>
+          </a:xfrm>
+          <a:prstGeom prst="upArrow">
+            <a:avLst>
+              <a:gd fmla="val 50000" name="adj1"/>
+              <a:gd fmla="val 50000" name="adj2"/>
+            </a:avLst>
+          </a:prstGeom>
+          <a:solidFill>
+            <a:schemeClr val="accent3"/>
+          </a:solidFill>
+          <a:ln cap="flat" cmpd="sng" w="9525">
+            <a:solidFill>
+              <a:schemeClr val="dk2"/>
+            </a:solidFill>
+            <a:prstDash val="solid"/>
+            <a:round/>
+            <a:headEnd len="sm" w="sm" type="none"/>
+            <a:tailEnd len="sm" w="sm" type="none"/>
+          </a:ln>
+        </p:spPr>
+        <p:txBody>
+          <a:bodyPr anchorCtr="0" anchor="ctr" bIns="91425" lIns="91425" spcFirstLastPara="1" rIns="91425" wrap="square" tIns="91425">
+            <a:noAutofit/>
+          </a:bodyPr>
+          <a:lstStyle/>
+          <a:p>
+            <a:pPr indent="0" lvl="0" marL="0" rtl="0" algn="l">
+              <a:spcBef>
+                <a:spcPts val="0"/>
+              </a:spcBef>
+              <a:spcAft>
+                <a:spcPts val="0"/>
+              </a:spcAft>
+              <a:buNone/>
+            </a:pPr>
+            <a:r>
+              <a:t/>
+            </a:r>
+            <a:endParaRPr/>
+          </a:p>
+        </p:txBody>
+      </p:sp>
+      <p:sp>
+        <p:nvSpPr>
+          <p:cNvPr id="144" name="Google Shape;144;p17"/>
+          <p:cNvSpPr/>
+          <p:nvPr/>
+        </p:nvSpPr>
+        <p:spPr>
+          <a:xfrm>
+            <a:off x="2318050" y="3939600"/>
+            <a:ext cx="186300" cy="216300"/>
+          </a:xfrm>
+          <a:prstGeom prst="upArrow">
+            <a:avLst>
+              <a:gd fmla="val 50000" name="adj1"/>
+              <a:gd fmla="val 50000" name="adj2"/>
+            </a:avLst>
+          </a:prstGeom>
+          <a:solidFill>
+            <a:schemeClr val="dk1"/>
+          </a:solidFill>
+          <a:ln cap="flat" cmpd="sng" w="9525">
+            <a:solidFill>
+              <a:schemeClr val="dk2"/>
+            </a:solidFill>
+            <a:prstDash val="solid"/>
+            <a:round/>
+            <a:headEnd len="sm" w="sm" type="none"/>
+            <a:tailEnd len="sm" w="sm" type="none"/>
+          </a:ln>
+        </p:spPr>
+        <p:txBody>
+          <a:bodyPr anchorCtr="0" anchor="ctr" bIns="91425" lIns="91425" spcFirstLastPara="1" rIns="91425" wrap="square" tIns="91425">
+            <a:noAutofit/>
+          </a:bodyPr>
+          <a:lstStyle/>
+          <a:p>
+            <a:pPr indent="0" lvl="0" marL="0" rtl="0" algn="l">
+              <a:spcBef>
+                <a:spcPts val="0"/>
+              </a:spcBef>
+              <a:spcAft>
+                <a:spcPts val="0"/>
+              </a:spcAft>
+              <a:buNone/>
+            </a:pPr>
+            <a:r>
+              <a:t/>
+            </a:r>
+            <a:endParaRPr/>
+          </a:p>
+        </p:txBody>
+      </p:sp>
+      <p:sp>
+        <p:nvSpPr>
+          <p:cNvPr id="145" name="Google Shape;145;p17"/>
+          <p:cNvSpPr/>
+          <p:nvPr/>
+        </p:nvSpPr>
+        <p:spPr>
+          <a:xfrm>
+            <a:off x="5455000" y="4114588"/>
+            <a:ext cx="186300" cy="276900"/>
+          </a:xfrm>
+          <a:prstGeom prst="upArrow">
+            <a:avLst>
+              <a:gd fmla="val 50000" name="adj1"/>
+              <a:gd fmla="val 50000" name="adj2"/>
+            </a:avLst>
+          </a:prstGeom>
+          <a:solidFill>
+            <a:schemeClr val="dk1"/>
+          </a:solidFill>
+          <a:ln cap="flat" cmpd="sng" w="9525">
+            <a:solidFill>
+              <a:schemeClr val="dk2"/>
+            </a:solidFill>
+            <a:prstDash val="solid"/>
+            <a:round/>
+            <a:headEnd len="sm" w="sm" type="none"/>
+            <a:tailEnd len="sm" w="sm" type="none"/>
+          </a:ln>
+        </p:spPr>
+        <p:txBody>
+          <a:bodyPr anchorCtr="0" anchor="ctr" bIns="91425" lIns="91425" spcFirstLastPara="1" rIns="91425" wrap="square" tIns="91425">
+            <a:noAutofit/>
+          </a:bodyPr>
+          <a:lstStyle/>
+          <a:p>
+            <a:pPr indent="0" lvl="0" marL="0" rtl="0" algn="l">
+              <a:spcBef>
+                <a:spcPts val="0"/>
+              </a:spcBef>
+              <a:spcAft>
+                <a:spcPts val="0"/>
+              </a:spcAft>
+              <a:buNone/>
+            </a:pPr>
+            <a:r>
+              <a:t/>
+            </a:r>
+            <a:endParaRPr/>
+          </a:p>
+        </p:txBody>
+      </p:sp>
+      <p:sp>
+        <p:nvSpPr>
+          <p:cNvPr id="146" name="Google Shape;146;p17"/>
+          <p:cNvSpPr/>
+          <p:nvPr/>
+        </p:nvSpPr>
+        <p:spPr>
+          <a:xfrm>
+            <a:off x="3618200" y="4114613"/>
+            <a:ext cx="186300" cy="276900"/>
+          </a:xfrm>
+          <a:prstGeom prst="upArrow">
+            <a:avLst>
+              <a:gd fmla="val 50000" name="adj1"/>
+              <a:gd fmla="val 50000" name="adj2"/>
+            </a:avLst>
+          </a:prstGeom>
+          <a:solidFill>
+            <a:schemeClr val="dk1"/>
+          </a:solidFill>
+          <a:ln cap="flat" cmpd="sng" w="9525">
+            <a:solidFill>
+              <a:schemeClr val="dk2"/>
+            </a:solidFill>
+            <a:prstDash val="solid"/>
+            <a:round/>
+            <a:headEnd len="sm" w="sm" type="none"/>
+            <a:tailEnd len="sm" w="sm" type="none"/>
+          </a:ln>
+        </p:spPr>
+        <p:txBody>
+          <a:bodyPr anchorCtr="0" anchor="ctr" bIns="91425" lIns="91425" spcFirstLastPara="1" rIns="91425" wrap="square" tIns="91425">
+            <a:noAutofit/>
+          </a:bodyPr>
+          <a:lstStyle/>
+          <a:p>
+            <a:pPr indent="0" lvl="0" marL="0" rtl="0" algn="l">
+              <a:spcBef>
+                <a:spcPts val="0"/>
+              </a:spcBef>
+              <a:spcAft>
+                <a:spcPts val="0"/>
+              </a:spcAft>
+              <a:buNone/>
+            </a:pPr>
+            <a:r>
+              <a:t/>
+            </a:r>
+            <a:endParaRPr/>
+          </a:p>
+        </p:txBody>
+      </p:sp>
+      <p:sp>
+        <p:nvSpPr>
+          <p:cNvPr id="147" name="Google Shape;147;p17"/>
+          <p:cNvSpPr/>
+          <p:nvPr/>
+        </p:nvSpPr>
+        <p:spPr>
+          <a:xfrm>
+            <a:off x="3462675" y="4369813"/>
+            <a:ext cx="2128800" cy="46200"/>
+          </a:xfrm>
+          <a:prstGeom prst="rect">
+            <a:avLst/>
+          </a:prstGeom>
+          <a:solidFill>
+            <a:schemeClr val="accent3"/>
+          </a:solidFill>
+          <a:ln cap="flat" cmpd="sng" w="9525">
+            <a:solidFill>
+              <a:schemeClr val="dk2"/>
+            </a:solidFill>
+            <a:prstDash val="solid"/>
+            <a:round/>
+            <a:headEnd len="sm" w="sm" type="none"/>
+            <a:tailEnd len="sm" w="sm" type="none"/>
+          </a:ln>
+        </p:spPr>
+        <p:txBody>
+          <a:bodyPr anchorCtr="0" anchor="ctr" bIns="91425" lIns="91425" spcFirstLastPara="1" rIns="91425" wrap="square" tIns="91425">
+            <a:noAutofit/>
+          </a:bodyPr>
+          <a:lstStyle/>
+          <a:p>
+            <a:pPr indent="0" lvl="0" marL="0" rtl="0" algn="l">
+              <a:spcBef>
+                <a:spcPts val="0"/>
+              </a:spcBef>
+              <a:spcAft>
+                <a:spcPts val="0"/>
+              </a:spcAft>
+              <a:buNone/>
+            </a:pPr>
+            <a:r>
+              <a:t/>
+            </a:r>
+            <a:endParaRPr/>
+          </a:p>
+        </p:txBody>
+      </p:sp>
+      <p:sp>
+        <p:nvSpPr>
+          <p:cNvPr id="148" name="Google Shape;148;p17"/>
+          <p:cNvSpPr/>
+          <p:nvPr/>
+        </p:nvSpPr>
+        <p:spPr>
+          <a:xfrm>
+            <a:off x="4189150" y="3683638"/>
+            <a:ext cx="379800" cy="387900"/>
+          </a:xfrm>
+          <a:prstGeom prst="roundRect">
+            <a:avLst>
+              <a:gd fmla="val 16667" name="adj"/>
+            </a:avLst>
+          </a:prstGeom>
+          <a:solidFill>
+            <a:schemeClr val="lt2"/>
+          </a:solidFill>
+          <a:ln cap="flat" cmpd="sng" w="9525">
+            <a:solidFill>
+              <a:schemeClr val="dk2"/>
+            </a:solidFill>
+            <a:prstDash val="solid"/>
+            <a:round/>
+            <a:headEnd len="sm" w="sm" type="none"/>
+            <a:tailEnd len="sm" w="sm" type="none"/>
+          </a:ln>
+        </p:spPr>
+        <p:txBody>
+          <a:bodyPr anchorCtr="0" anchor="ctr" bIns="91425" lIns="91425" spcFirstLastPara="1" rIns="91425" wrap="square" tIns="91425">
+            <a:noAutofit/>
+          </a:bodyPr>
+          <a:lstStyle/>
+          <a:p>
+            <a:pPr indent="0" lvl="0" marL="0" rtl="0" algn="l">
+              <a:spcBef>
+                <a:spcPts val="0"/>
+              </a:spcBef>
+              <a:spcAft>
+                <a:spcPts val="0"/>
+              </a:spcAft>
+              <a:buNone/>
+            </a:pPr>
+            <a:r>
+              <a:t/>
             </a:r>
             <a:endParaRPr/>
           </a:p>
@@ -10511,12 +13764,12 @@
       </p:sp>
       <p:graphicFrame>
         <p:nvGraphicFramePr>
-          <p:cNvPr id="123" name="Google Shape;123;p16"/>
+          <p:cNvPr id="149" name="Google Shape;149;p17"/>
           <p:cNvGraphicFramePr/>
           <p:nvPr/>
         </p:nvGraphicFramePr>
         <p:xfrm>
-          <a:off x="3424350" y="2907275"/>
+          <a:off x="3423450" y="3679488"/>
           <a:ext cx="3000000" cy="3000000"/>
         </p:xfrm>
         <a:graphic>
@@ -10524,7 +13777,7 @@
             <a:tbl>
               <a:tblPr>
                 <a:noFill/>
-                <a:tableStyleId>{AC5D93D5-D9EF-4F30-BE87-26858EDDAA10}</a:tableStyleId>
+                <a:tableStyleId>{AA37B769-EBB0-46AA-AC90-2418E12BA53B}</a:tableStyleId>
               </a:tblPr>
               <a:tblGrid>
                 <a:gridCol w="382850"/>
@@ -10680,13 +13933,356 @@
       </p:graphicFrame>
       <p:sp>
         <p:nvSpPr>
-          <p:cNvPr id="124" name="Google Shape;124;p16"/>
+          <p:cNvPr id="150" name="Google Shape;150;p17"/>
           <p:cNvSpPr/>
           <p:nvPr/>
         </p:nvSpPr>
         <p:spPr>
           <a:xfrm>
-            <a:off x="3867875" y="3354438"/>
+            <a:off x="3423450" y="4114175"/>
+            <a:ext cx="186300" cy="301800"/>
+          </a:xfrm>
+          <a:prstGeom prst="upArrow">
+            <a:avLst>
+              <a:gd fmla="val 50000" name="adj1"/>
+              <a:gd fmla="val 50000" name="adj2"/>
+            </a:avLst>
+          </a:prstGeom>
+          <a:solidFill>
+            <a:schemeClr val="accent3"/>
+          </a:solidFill>
+          <a:ln cap="flat" cmpd="sng" w="9525">
+            <a:solidFill>
+              <a:schemeClr val="dk2"/>
+            </a:solidFill>
+            <a:prstDash val="solid"/>
+            <a:round/>
+            <a:headEnd len="sm" w="sm" type="none"/>
+            <a:tailEnd len="sm" w="sm" type="none"/>
+          </a:ln>
+        </p:spPr>
+        <p:txBody>
+          <a:bodyPr anchorCtr="0" anchor="ctr" bIns="91425" lIns="91425" spcFirstLastPara="1" rIns="91425" wrap="square" tIns="91425">
+            <a:noAutofit/>
+          </a:bodyPr>
+          <a:lstStyle/>
+          <a:p>
+            <a:pPr indent="0" lvl="0" marL="0" rtl="0" algn="l">
+              <a:spcBef>
+                <a:spcPts val="0"/>
+              </a:spcBef>
+              <a:spcAft>
+                <a:spcPts val="0"/>
+              </a:spcAft>
+              <a:buNone/>
+            </a:pPr>
+            <a:r>
+              <a:t/>
+            </a:r>
+            <a:endParaRPr/>
+          </a:p>
+        </p:txBody>
+      </p:sp>
+    </p:spTree>
+  </p:cSld>
+  <p:clrMapOvr>
+    <a:masterClrMapping/>
+  </p:clrMapOvr>
+</p:sld>
+</file>
+
+<file path=ppt/slides/slide6.xml><?xml version="1.0" encoding="utf-8"?>
+<p:sld xmlns:a="http://schemas.openxmlformats.org/drawingml/2006/main" xmlns:r="http://schemas.openxmlformats.org/officeDocument/2006/relationships" xmlns:mc="http://schemas.openxmlformats.org/markup-compatibility/2006" xmlns:mv="urn:schemas-microsoft-com:mac:vml" xmlns:p="http://schemas.openxmlformats.org/presentationml/2006/main" xmlns:c="http://schemas.openxmlformats.org/drawingml/2006/chart" xmlns:dgm="http://schemas.openxmlformats.org/drawingml/2006/diagram" xmlns:o="urn:schemas-microsoft-com:office:office" xmlns:v="urn:schemas-microsoft-com:vml" xmlns:pvml="urn:schemas-microsoft-com:office:powerpoint" xmlns:com="http://schemas.openxmlformats.org/drawingml/2006/compatibility" xmlns:p14="http://schemas.microsoft.com/office/powerpoint/2010/main" xmlns:p15="http://schemas.microsoft.com/office/powerpoint/2012/main" xmlns:ahyp="http://schemas.microsoft.com/office/drawing/2018/hyperlinkcolor">
+  <p:cSld>
+    <p:spTree>
+      <p:nvGrpSpPr>
+        <p:cNvPr id="154" name="Shape 154"/>
+        <p:cNvGrpSpPr/>
+        <p:nvPr/>
+      </p:nvGrpSpPr>
+      <p:grpSpPr>
+        <a:xfrm>
+          <a:off x="0" y="0"/>
+          <a:ext cx="0" cy="0"/>
+          <a:chOff x="0" y="0"/>
+          <a:chExt cx="0" cy="0"/>
+        </a:xfrm>
+      </p:grpSpPr>
+      <p:sp>
+        <p:nvSpPr>
+          <p:cNvPr id="155" name="Google Shape;155;p18"/>
+          <p:cNvSpPr txBox="1"/>
+          <p:nvPr>
+            <p:ph type="title"/>
+          </p:nvPr>
+        </p:nvSpPr>
+        <p:spPr>
+          <a:xfrm>
+            <a:off x="729450" y="1318650"/>
+            <a:ext cx="7688700" cy="535200"/>
+          </a:xfrm>
+          <a:prstGeom prst="rect">
+            <a:avLst/>
+          </a:prstGeom>
+        </p:spPr>
+        <p:txBody>
+          <a:bodyPr anchorCtr="0" anchor="t" bIns="91425" lIns="91425" spcFirstLastPara="1" rIns="91425" wrap="square" tIns="91425">
+            <a:normAutofit fontScale="90000"/>
+          </a:bodyPr>
+          <a:lstStyle/>
+          <a:p>
+            <a:pPr indent="0" lvl="0" marL="0" rtl="0" algn="l">
+              <a:spcBef>
+                <a:spcPts val="0"/>
+              </a:spcBef>
+              <a:spcAft>
+                <a:spcPts val="0"/>
+              </a:spcAft>
+              <a:buNone/>
+            </a:pPr>
+            <a:r>
+              <a:rPr lang="pt-BR"/>
+              <a:t>Estratégias</a:t>
+            </a:r>
+            <a:endParaRPr/>
+          </a:p>
+        </p:txBody>
+      </p:sp>
+      <p:sp>
+        <p:nvSpPr>
+          <p:cNvPr id="156" name="Google Shape;156;p18"/>
+          <p:cNvSpPr txBox="1"/>
+          <p:nvPr>
+            <p:ph idx="1" type="body"/>
+          </p:nvPr>
+        </p:nvSpPr>
+        <p:spPr>
+          <a:xfrm>
+            <a:off x="727650" y="1853850"/>
+            <a:ext cx="7688700" cy="1404300"/>
+          </a:xfrm>
+          <a:prstGeom prst="rect">
+            <a:avLst/>
+          </a:prstGeom>
+        </p:spPr>
+        <p:txBody>
+          <a:bodyPr anchorCtr="0" anchor="t" bIns="91425" lIns="91425" spcFirstLastPara="1" rIns="91425" wrap="square" tIns="91425">
+            <a:normAutofit/>
+          </a:bodyPr>
+          <a:lstStyle/>
+          <a:p>
+            <a:pPr indent="0" lvl="0" marL="457200" rtl="0" algn="just">
+              <a:spcBef>
+                <a:spcPts val="0"/>
+              </a:spcBef>
+              <a:spcAft>
+                <a:spcPts val="0"/>
+              </a:spcAft>
+              <a:buNone/>
+            </a:pPr>
+            <a:r>
+              <a:rPr lang="pt-BR"/>
+              <a:t>Poderíamos também ordenar esses valores do menor para o maior. </a:t>
+            </a:r>
+            <a:endParaRPr/>
+          </a:p>
+          <a:p>
+            <a:pPr indent="-311150" lvl="0" marL="457200" rtl="0" algn="just">
+              <a:spcBef>
+                <a:spcPts val="1200"/>
+              </a:spcBef>
+              <a:spcAft>
+                <a:spcPts val="0"/>
+              </a:spcAft>
+              <a:buSzPts val="1300"/>
+              <a:buChar char="●"/>
+            </a:pPr>
+            <a:r>
+              <a:rPr lang="pt-BR"/>
+              <a:t>Assim, teríamos uma informação extra, que a partir de certo ponto somar a combinação de um número com outro à direita de outro com o qual o resultado já seja maior ou igual ao desejado ultrapassa o valor, então não faz sentido continuar tentando, veja abaixo.</a:t>
+            </a:r>
+            <a:endParaRPr/>
+          </a:p>
+        </p:txBody>
+      </p:sp>
+      <p:graphicFrame>
+        <p:nvGraphicFramePr>
+          <p:cNvPr id="157" name="Google Shape;157;p18"/>
+          <p:cNvGraphicFramePr/>
+          <p:nvPr/>
+        </p:nvGraphicFramePr>
+        <p:xfrm>
+          <a:off x="3423450" y="3397500"/>
+          <a:ext cx="3000000" cy="3000000"/>
+        </p:xfrm>
+        <a:graphic>
+          <a:graphicData uri="http://schemas.openxmlformats.org/drawingml/2006/table">
+            <a:tbl>
+              <a:tblPr>
+                <a:noFill/>
+                <a:tableStyleId>{AA37B769-EBB0-46AA-AC90-2418E12BA53B}</a:tableStyleId>
+              </a:tblPr>
+              <a:tblGrid>
+                <a:gridCol w="382850"/>
+                <a:gridCol w="382850"/>
+                <a:gridCol w="382850"/>
+                <a:gridCol w="382850"/>
+                <a:gridCol w="382850"/>
+                <a:gridCol w="382850"/>
+              </a:tblGrid>
+              <a:tr h="381000">
+                <a:tc>
+                  <a:txBody>
+                    <a:bodyPr/>
+                    <a:lstStyle/>
+                    <a:p>
+                      <a:pPr indent="0" lvl="0" marL="0" rtl="0" algn="l">
+                        <a:spcBef>
+                          <a:spcPts val="0"/>
+                        </a:spcBef>
+                        <a:spcAft>
+                          <a:spcPts val="0"/>
+                        </a:spcAft>
+                        <a:buNone/>
+                      </a:pPr>
+                      <a:r>
+                        <a:rPr lang="pt-BR"/>
+                        <a:t>1</a:t>
+                      </a:r>
+                      <a:endParaRPr/>
+                    </a:p>
+                  </a:txBody>
+                  <a:tcPr marT="91425" marB="91425" marR="91425" marL="91425"/>
+                </a:tc>
+                <a:tc>
+                  <a:txBody>
+                    <a:bodyPr/>
+                    <a:lstStyle/>
+                    <a:p>
+                      <a:pPr indent="0" lvl="0" marL="0" rtl="0" algn="l">
+                        <a:spcBef>
+                          <a:spcPts val="0"/>
+                        </a:spcBef>
+                        <a:spcAft>
+                          <a:spcPts val="0"/>
+                        </a:spcAft>
+                        <a:buNone/>
+                      </a:pPr>
+                      <a:r>
+                        <a:rPr lang="pt-BR"/>
+                        <a:t>3</a:t>
+                      </a:r>
+                      <a:endParaRPr/>
+                    </a:p>
+                  </a:txBody>
+                  <a:tcPr marT="91425" marB="91425" marR="91425" marL="91425"/>
+                </a:tc>
+                <a:tc>
+                  <a:txBody>
+                    <a:bodyPr/>
+                    <a:lstStyle/>
+                    <a:p>
+                      <a:pPr indent="0" lvl="0" marL="0" rtl="0" algn="l">
+                        <a:spcBef>
+                          <a:spcPts val="0"/>
+                        </a:spcBef>
+                        <a:spcAft>
+                          <a:spcPts val="0"/>
+                        </a:spcAft>
+                        <a:buNone/>
+                      </a:pPr>
+                      <a:r>
+                        <a:rPr lang="pt-BR"/>
+                        <a:t>4</a:t>
+                      </a:r>
+                      <a:endParaRPr/>
+                    </a:p>
+                  </a:txBody>
+                  <a:tcPr marT="91425" marB="91425" marR="91425" marL="91425"/>
+                </a:tc>
+                <a:tc>
+                  <a:txBody>
+                    <a:bodyPr/>
+                    <a:lstStyle/>
+                    <a:p>
+                      <a:pPr indent="0" lvl="0" marL="0" rtl="0" algn="l">
+                        <a:spcBef>
+                          <a:spcPts val="0"/>
+                        </a:spcBef>
+                        <a:spcAft>
+                          <a:spcPts val="0"/>
+                        </a:spcAft>
+                        <a:buNone/>
+                      </a:pPr>
+                      <a:r>
+                        <a:rPr lang="pt-BR"/>
+                        <a:t>7</a:t>
+                      </a:r>
+                      <a:endParaRPr/>
+                    </a:p>
+                  </a:txBody>
+                  <a:tcPr marT="91425" marB="91425" marR="91425" marL="91425"/>
+                </a:tc>
+                <a:tc>
+                  <a:txBody>
+                    <a:bodyPr/>
+                    <a:lstStyle/>
+                    <a:p>
+                      <a:pPr indent="0" lvl="0" marL="0" rtl="0" algn="l">
+                        <a:spcBef>
+                          <a:spcPts val="0"/>
+                        </a:spcBef>
+                        <a:spcAft>
+                          <a:spcPts val="0"/>
+                        </a:spcAft>
+                        <a:buNone/>
+                      </a:pPr>
+                      <a:r>
+                        <a:rPr lang="pt-BR"/>
+                        <a:t>8</a:t>
+                      </a:r>
+                      <a:endParaRPr/>
+                    </a:p>
+                  </a:txBody>
+                  <a:tcPr marT="91425" marB="91425" marR="91425" marL="91425"/>
+                </a:tc>
+                <a:tc>
+                  <a:txBody>
+                    <a:bodyPr/>
+                    <a:lstStyle/>
+                    <a:p>
+                      <a:pPr indent="0" lvl="0" marL="0" rtl="0" algn="l">
+                        <a:spcBef>
+                          <a:spcPts val="0"/>
+                        </a:spcBef>
+                        <a:spcAft>
+                          <a:spcPts val="0"/>
+                        </a:spcAft>
+                        <a:buNone/>
+                      </a:pPr>
+                      <a:r>
+                        <a:rPr lang="pt-BR"/>
+                        <a:t>10</a:t>
+                      </a:r>
+                      <a:endParaRPr/>
+                    </a:p>
+                  </a:txBody>
+                  <a:tcPr marT="91425" marB="91425" marR="91425" marL="91425"/>
+                </a:tc>
+              </a:tr>
+            </a:tbl>
+          </a:graphicData>
+        </a:graphic>
+      </p:graphicFrame>
+      <p:sp>
+        <p:nvSpPr>
+          <p:cNvPr id="158" name="Google Shape;158;p18"/>
+          <p:cNvSpPr/>
+          <p:nvPr/>
+        </p:nvSpPr>
+        <p:spPr>
+          <a:xfrm>
+            <a:off x="3866975" y="3844663"/>
             <a:ext cx="186300" cy="216300"/>
           </a:xfrm>
           <a:prstGeom prst="upArrow">
@@ -10732,13 +14328,13 @@
       </p:sp>
       <p:sp>
         <p:nvSpPr>
-          <p:cNvPr id="125" name="Google Shape;125;p16"/>
+          <p:cNvPr id="159" name="Google Shape;159;p18"/>
           <p:cNvSpPr/>
           <p:nvPr/>
         </p:nvSpPr>
         <p:spPr>
           <a:xfrm>
-            <a:off x="4251350" y="3354438"/>
+            <a:off x="5034800" y="3844663"/>
             <a:ext cx="186300" cy="216300"/>
           </a:xfrm>
           <a:prstGeom prst="upArrow">
@@ -10784,7 +14380,7 @@
       </p:sp>
       <p:sp>
         <p:nvSpPr>
-          <p:cNvPr id="126" name="Google Shape;126;p16"/>
+          <p:cNvPr id="160" name="Google Shape;160;p18"/>
           <p:cNvSpPr txBox="1"/>
           <p:nvPr>
             <p:ph idx="1" type="body"/>
@@ -10792,7 +14388,7 @@
         </p:nvSpPr>
         <p:spPr>
           <a:xfrm>
-            <a:off x="2643600" y="3570750"/>
+            <a:off x="2642700" y="4111950"/>
             <a:ext cx="3858600" cy="433500"/>
           </a:xfrm>
           <a:prstGeom prst="rect">
@@ -10832,90 +14428,7 @@
       </p:sp>
       <p:sp>
         <p:nvSpPr>
-          <p:cNvPr id="127" name="Google Shape;127;p16"/>
-          <p:cNvSpPr txBox="1"/>
-          <p:nvPr>
-            <p:ph idx="1" type="body"/>
-          </p:nvPr>
-        </p:nvSpPr>
-        <p:spPr>
-          <a:xfrm>
-            <a:off x="726750" y="3947175"/>
-            <a:ext cx="7749000" cy="1129200"/>
-          </a:xfrm>
-          <a:prstGeom prst="rect">
-            <a:avLst/>
-          </a:prstGeom>
-        </p:spPr>
-        <p:txBody>
-          <a:bodyPr anchorCtr="0" anchor="t" bIns="91425" lIns="91425" spcFirstLastPara="1" rIns="91425" wrap="square" tIns="91425">
-            <a:normAutofit/>
-          </a:bodyPr>
-          <a:lstStyle/>
-          <a:p>
-            <a:pPr indent="-311150" lvl="0" marL="457200" rtl="0" algn="just">
-              <a:spcBef>
-                <a:spcPts val="0"/>
-              </a:spcBef>
-              <a:spcAft>
-                <a:spcPts val="0"/>
-              </a:spcAft>
-              <a:buSzPts val="1300"/>
-              <a:buChar char="●"/>
-            </a:pPr>
-            <a:r>
-              <a:rPr lang="pt-BR"/>
-              <a:t>Outro aspecto interessante é que se for iniciado pelas extremidades, correr o ponteiro da esquerda para a direita aumenta o valor de X e percorrer o da direita para a esquerda diminui o valor.</a:t>
-            </a:r>
-            <a:endParaRPr/>
-          </a:p>
-          <a:p>
-            <a:pPr indent="-311150" lvl="0" marL="457200" rtl="0" algn="just">
-              <a:spcBef>
-                <a:spcPts val="0"/>
-              </a:spcBef>
-              <a:spcAft>
-                <a:spcPts val="0"/>
-              </a:spcAft>
-              <a:buSzPts val="1300"/>
-              <a:buChar char="●"/>
-            </a:pPr>
-            <a:r>
-              <a:rPr lang="pt-BR"/>
-              <a:t>D</a:t>
-            </a:r>
-            <a:r>
-              <a:rPr lang="pt-BR"/>
-              <a:t>á para</a:t>
-            </a:r>
-            <a:r>
-              <a:rPr lang="pt-BR"/>
-              <a:t> percorrer os dois ponteiros em direção ao centro e obter os resultados mais rapidamente.</a:t>
-            </a:r>
-            <a:endParaRPr/>
-          </a:p>
-          <a:p>
-            <a:pPr indent="-311150" lvl="0" marL="457200" rtl="0" algn="just">
-              <a:spcBef>
-                <a:spcPts val="0"/>
-              </a:spcBef>
-              <a:spcAft>
-                <a:spcPts val="0"/>
-              </a:spcAft>
-              <a:buSzPts val="1300"/>
-              <a:buChar char="●"/>
-            </a:pPr>
-            <a:r>
-              <a:rPr lang="pt-BR"/>
-              <a:t>Quando os dois ponteiros se encontrarem já não há outras possibilidades.</a:t>
-            </a:r>
-            <a:endParaRPr/>
-          </a:p>
-        </p:txBody>
-      </p:sp>
-      <p:sp>
-        <p:nvSpPr>
-          <p:cNvPr id="128" name="Google Shape;128;p16"/>
+          <p:cNvPr id="161" name="Google Shape;161;p18"/>
           <p:cNvSpPr txBox="1"/>
           <p:nvPr>
             <p:ph idx="12" type="sldNum"/>
@@ -10961,12 +14474,12 @@
 </p:sld>
 </file>
 
-<file path=ppt/slides/slide5.xml><?xml version="1.0" encoding="utf-8"?>
+<file path=ppt/slides/slide7.xml><?xml version="1.0" encoding="utf-8"?>
 <p:sld xmlns:a="http://schemas.openxmlformats.org/drawingml/2006/main" xmlns:r="http://schemas.openxmlformats.org/officeDocument/2006/relationships" xmlns:mc="http://schemas.openxmlformats.org/markup-compatibility/2006" xmlns:mv="urn:schemas-microsoft-com:mac:vml" xmlns:p="http://schemas.openxmlformats.org/presentationml/2006/main" xmlns:c="http://schemas.openxmlformats.org/drawingml/2006/chart" xmlns:dgm="http://schemas.openxmlformats.org/drawingml/2006/diagram" xmlns:o="urn:schemas-microsoft-com:office:office" xmlns:v="urn:schemas-microsoft-com:vml" xmlns:pvml="urn:schemas-microsoft-com:office:powerpoint" xmlns:com="http://schemas.openxmlformats.org/drawingml/2006/compatibility" xmlns:p14="http://schemas.microsoft.com/office/powerpoint/2010/main" xmlns:p15="http://schemas.microsoft.com/office/powerpoint/2012/main" xmlns:ahyp="http://schemas.microsoft.com/office/drawing/2018/hyperlinkcolor">
   <p:cSld>
     <p:spTree>
       <p:nvGrpSpPr>
-        <p:cNvPr id="132" name="Shape 132"/>
+        <p:cNvPr id="165" name="Shape 165"/>
         <p:cNvGrpSpPr/>
         <p:nvPr/>
       </p:nvGrpSpPr>
@@ -10980,13 +14493,168 @@
       </p:grpSpPr>
       <p:sp>
         <p:nvSpPr>
-          <p:cNvPr id="133" name="Google Shape;133;p17"/>
+          <p:cNvPr id="166" name="Google Shape;166;p19"/>
+          <p:cNvSpPr txBox="1"/>
+          <p:nvPr>
+            <p:ph type="title"/>
+          </p:nvPr>
+        </p:nvSpPr>
+        <p:spPr>
+          <a:xfrm>
+            <a:off x="729450" y="1318650"/>
+            <a:ext cx="7688700" cy="535200"/>
+          </a:xfrm>
+          <a:prstGeom prst="rect">
+            <a:avLst/>
+          </a:prstGeom>
+        </p:spPr>
+        <p:txBody>
+          <a:bodyPr anchorCtr="0" anchor="t" bIns="91425" lIns="91425" spcFirstLastPara="1" rIns="91425" wrap="square" tIns="91425">
+            <a:normAutofit fontScale="90000"/>
+          </a:bodyPr>
+          <a:lstStyle/>
+          <a:p>
+            <a:pPr indent="0" lvl="0" marL="0" rtl="0" algn="l">
+              <a:spcBef>
+                <a:spcPts val="0"/>
+              </a:spcBef>
+              <a:spcAft>
+                <a:spcPts val="0"/>
+              </a:spcAft>
+              <a:buNone/>
+            </a:pPr>
+            <a:r>
+              <a:rPr lang="pt-BR"/>
+              <a:t>Estratégias</a:t>
+            </a:r>
+            <a:endParaRPr/>
+          </a:p>
+        </p:txBody>
+      </p:sp>
+      <p:sp>
+        <p:nvSpPr>
+          <p:cNvPr id="167" name="Google Shape;167;p19"/>
+          <p:cNvSpPr txBox="1"/>
+          <p:nvPr>
+            <p:ph idx="1" type="body"/>
+          </p:nvPr>
+        </p:nvSpPr>
+        <p:spPr>
+          <a:xfrm>
+            <a:off x="779125" y="2076800"/>
+            <a:ext cx="7749000" cy="1129200"/>
+          </a:xfrm>
+          <a:prstGeom prst="rect">
+            <a:avLst/>
+          </a:prstGeom>
+        </p:spPr>
+        <p:txBody>
+          <a:bodyPr anchorCtr="0" anchor="t" bIns="91425" lIns="91425" spcFirstLastPara="1" rIns="91425" wrap="square" tIns="91425">
+            <a:normAutofit lnSpcReduction="20000"/>
+          </a:bodyPr>
+          <a:lstStyle/>
+          <a:p>
+            <a:pPr indent="-311150" lvl="0" marL="457200" rtl="0" algn="just">
+              <a:spcBef>
+                <a:spcPts val="0"/>
+              </a:spcBef>
+              <a:spcAft>
+                <a:spcPts val="0"/>
+              </a:spcAft>
+              <a:buSzPts val="1300"/>
+              <a:buChar char="●"/>
+            </a:pPr>
+            <a:r>
+              <a:rPr lang="pt-BR"/>
+              <a:t>Outro aspecto interessante é que se for iniciado pelas extremidades, correr o ponteiro da esquerda para a direita aumenta o valor de X (resultado da soma) e percorrer da direita para a esquerda diminui o valor da X.</a:t>
+            </a:r>
+            <a:endParaRPr/>
+          </a:p>
+          <a:p>
+            <a:pPr indent="-311150" lvl="0" marL="457200" rtl="0" algn="just">
+              <a:spcBef>
+                <a:spcPts val="0"/>
+              </a:spcBef>
+              <a:spcAft>
+                <a:spcPts val="0"/>
+              </a:spcAft>
+              <a:buSzPts val="1300"/>
+              <a:buChar char="●"/>
+            </a:pPr>
+            <a:r>
+              <a:rPr lang="pt-BR"/>
+              <a:t>Dá para percorrer os dois ponteiros em direção ao centro e obter os resultados mais rapidamente.</a:t>
+            </a:r>
+            <a:endParaRPr/>
+          </a:p>
+          <a:p>
+            <a:pPr indent="-311150" lvl="0" marL="457200" rtl="0" algn="just">
+              <a:spcBef>
+                <a:spcPts val="0"/>
+              </a:spcBef>
+              <a:spcAft>
+                <a:spcPts val="0"/>
+              </a:spcAft>
+              <a:buSzPts val="1300"/>
+              <a:buChar char="●"/>
+            </a:pPr>
+            <a:r>
+              <a:rPr lang="pt-BR"/>
+              <a:t>Quando os dois ponteiros se encontrarem já não há outras possibilidades.</a:t>
+            </a:r>
+            <a:endParaRPr/>
+          </a:p>
+        </p:txBody>
+      </p:sp>
+      <p:sp>
+        <p:nvSpPr>
+          <p:cNvPr id="168" name="Google Shape;168;p19"/>
+          <p:cNvSpPr txBox="1"/>
+          <p:nvPr>
+            <p:ph idx="12" type="sldNum"/>
+          </p:nvPr>
+        </p:nvSpPr>
+        <p:spPr>
+          <a:xfrm>
+            <a:off x="8536302" y="4749851"/>
+            <a:ext cx="548700" cy="393600"/>
+          </a:xfrm>
+          <a:prstGeom prst="rect">
+            <a:avLst/>
+          </a:prstGeom>
+        </p:spPr>
+        <p:txBody>
+          <a:bodyPr anchorCtr="0" anchor="ctr" bIns="91425" lIns="91425" spcFirstLastPara="1" rIns="91425" wrap="square" tIns="91425">
+            <a:normAutofit/>
+          </a:bodyPr>
+          <a:lstStyle/>
+          <a:p>
+            <a:pPr indent="0" lvl="0" marL="0" rtl="0" algn="r">
+              <a:spcBef>
+                <a:spcPts val="0"/>
+              </a:spcBef>
+              <a:spcAft>
+                <a:spcPts val="0"/>
+              </a:spcAft>
+              <a:buNone/>
+            </a:pPr>
+            <a:fld id="{00000000-1234-1234-1234-123412341234}" type="slidenum">
+              <a:rPr lang="pt-BR"/>
+              <a:t>‹#›</a:t>
+            </a:fld>
+            <a:endParaRPr/>
+          </a:p>
+        </p:txBody>
+      </p:sp>
+      <p:sp>
+        <p:nvSpPr>
+          <p:cNvPr id="169" name="Google Shape;169;p19"/>
           <p:cNvSpPr/>
           <p:nvPr/>
         </p:nvSpPr>
         <p:spPr>
           <a:xfrm>
-            <a:off x="4688775" y="4614300"/>
+            <a:off x="4770400" y="4471875"/>
             <a:ext cx="887100" cy="46200"/>
           </a:xfrm>
           <a:prstGeom prst="rect">
@@ -11029,13 +14697,13 @@
       </p:sp>
       <p:sp>
         <p:nvSpPr>
-          <p:cNvPr id="134" name="Google Shape;134;p17"/>
+          <p:cNvPr id="170" name="Google Shape;170;p19"/>
           <p:cNvSpPr/>
           <p:nvPr/>
         </p:nvSpPr>
         <p:spPr>
           <a:xfrm>
-            <a:off x="3514300" y="4614300"/>
+            <a:off x="3595925" y="4471875"/>
             <a:ext cx="839100" cy="46200"/>
           </a:xfrm>
           <a:prstGeom prst="rect">
@@ -11076,155 +14744,14 @@
           </a:p>
         </p:txBody>
       </p:sp>
-      <p:sp>
-        <p:nvSpPr>
-          <p:cNvPr id="135" name="Google Shape;135;p17"/>
-          <p:cNvSpPr/>
-          <p:nvPr/>
-        </p:nvSpPr>
-        <p:spPr>
-          <a:xfrm>
-            <a:off x="3969000" y="3352800"/>
-            <a:ext cx="1636800" cy="46200"/>
-          </a:xfrm>
-          <a:prstGeom prst="rect">
-            <a:avLst/>
-          </a:prstGeom>
-          <a:solidFill>
-            <a:schemeClr val="lt2"/>
-          </a:solidFill>
-          <a:ln cap="flat" cmpd="sng" w="9525">
-            <a:solidFill>
-              <a:schemeClr val="dk2"/>
-            </a:solidFill>
-            <a:prstDash val="solid"/>
-            <a:round/>
-            <a:headEnd len="sm" w="sm" type="none"/>
-            <a:tailEnd len="sm" w="sm" type="none"/>
-          </a:ln>
-        </p:spPr>
-        <p:txBody>
-          <a:bodyPr anchorCtr="0" anchor="ctr" bIns="91425" lIns="91425" spcFirstLastPara="1" rIns="91425" wrap="square" tIns="91425">
-            <a:noAutofit/>
-          </a:bodyPr>
-          <a:lstStyle/>
-          <a:p>
-            <a:pPr indent="0" lvl="0" marL="0" rtl="0" algn="l">
-              <a:spcBef>
-                <a:spcPts val="0"/>
-              </a:spcBef>
-              <a:spcAft>
-                <a:spcPts val="0"/>
-              </a:spcAft>
-              <a:buNone/>
-            </a:pPr>
-            <a:r>
-              <a:t/>
-            </a:r>
-            <a:endParaRPr/>
-          </a:p>
-        </p:txBody>
-      </p:sp>
-      <p:sp>
-        <p:nvSpPr>
-          <p:cNvPr id="136" name="Google Shape;136;p17"/>
-          <p:cNvSpPr txBox="1"/>
-          <p:nvPr>
-            <p:ph type="title"/>
-          </p:nvPr>
-        </p:nvSpPr>
-        <p:spPr>
-          <a:xfrm>
-            <a:off x="729450" y="1318650"/>
-            <a:ext cx="7688700" cy="535200"/>
-          </a:xfrm>
-          <a:prstGeom prst="rect">
-            <a:avLst/>
-          </a:prstGeom>
-        </p:spPr>
-        <p:txBody>
-          <a:bodyPr anchorCtr="0" anchor="t" bIns="91425" lIns="91425" spcFirstLastPara="1" rIns="91425" wrap="square" tIns="91425">
-            <a:normAutofit fontScale="90000"/>
-          </a:bodyPr>
-          <a:lstStyle/>
-          <a:p>
-            <a:pPr indent="0" lvl="0" marL="0" rtl="0" algn="l">
-              <a:spcBef>
-                <a:spcPts val="0"/>
-              </a:spcBef>
-              <a:spcAft>
-                <a:spcPts val="0"/>
-              </a:spcAft>
-              <a:buNone/>
-            </a:pPr>
-            <a:r>
-              <a:rPr lang="pt-BR"/>
-              <a:t>Implementação em ideia e complexidade </a:t>
-            </a:r>
-            <a:endParaRPr/>
-          </a:p>
-        </p:txBody>
-      </p:sp>
-      <p:sp>
-        <p:nvSpPr>
-          <p:cNvPr id="137" name="Google Shape;137;p17"/>
-          <p:cNvSpPr txBox="1"/>
-          <p:nvPr>
-            <p:ph idx="1" type="body"/>
-          </p:nvPr>
-        </p:nvSpPr>
-        <p:spPr>
-          <a:xfrm>
-            <a:off x="729450" y="2078875"/>
-            <a:ext cx="7688700" cy="634500"/>
-          </a:xfrm>
-          <a:prstGeom prst="rect">
-            <a:avLst/>
-          </a:prstGeom>
-        </p:spPr>
-        <p:txBody>
-          <a:bodyPr anchorCtr="0" anchor="t" bIns="91425" lIns="91425" spcFirstLastPara="1" rIns="91425" wrap="square" tIns="91425">
-            <a:normAutofit/>
-          </a:bodyPr>
-          <a:lstStyle/>
-          <a:p>
-            <a:pPr indent="457200" lvl="0" marL="0" rtl="0" algn="just">
-              <a:spcBef>
-                <a:spcPts val="0"/>
-              </a:spcBef>
-              <a:spcAft>
-                <a:spcPts val="1200"/>
-              </a:spcAft>
-              <a:buNone/>
-            </a:pPr>
-            <a:r>
-              <a:rPr lang="pt-BR"/>
-              <a:t>Essas duas estratégias podem ser implementadas </a:t>
-            </a:r>
-            <a:r>
-              <a:rPr lang="pt-BR"/>
-              <a:t>utilizando</a:t>
-            </a:r>
-            <a:r>
-              <a:rPr lang="pt-BR"/>
-              <a:t> ponteiros para percorrer o vetor de maneiras </a:t>
-            </a:r>
-            <a:r>
-              <a:rPr lang="pt-BR"/>
-              <a:t>diferentes. 			</a:t>
-            </a:r>
-            <a:endParaRPr/>
-          </a:p>
-        </p:txBody>
-      </p:sp>
       <p:graphicFrame>
         <p:nvGraphicFramePr>
-          <p:cNvPr id="138" name="Google Shape;138;p17"/>
+          <p:cNvPr id="171" name="Google Shape;171;p19"/>
           <p:cNvGraphicFramePr/>
           <p:nvPr/>
         </p:nvGraphicFramePr>
         <p:xfrm>
-          <a:off x="3423450" y="3997025"/>
+          <a:off x="3505075" y="3854600"/>
           <a:ext cx="3000000" cy="3000000"/>
         </p:xfrm>
         <a:graphic>
@@ -11232,7 +14759,7 @@
             <a:tbl>
               <a:tblPr>
                 <a:noFill/>
-                <a:tableStyleId>{AC5D93D5-D9EF-4F30-BE87-26858EDDAA10}</a:tableStyleId>
+                <a:tableStyleId>{AA37B769-EBB0-46AA-AC90-2418E12BA53B}</a:tableStyleId>
               </a:tblPr>
               <a:tblGrid>
                 <a:gridCol w="382850"/>
@@ -11388,13 +14915,13 @@
       </p:graphicFrame>
       <p:sp>
         <p:nvSpPr>
-          <p:cNvPr id="139" name="Google Shape;139;p17"/>
+          <p:cNvPr id="172" name="Google Shape;172;p19"/>
           <p:cNvSpPr/>
           <p:nvPr/>
         </p:nvSpPr>
         <p:spPr>
           <a:xfrm>
-            <a:off x="3464475" y="4444200"/>
+            <a:off x="3546100" y="4301775"/>
             <a:ext cx="186300" cy="216300"/>
           </a:xfrm>
           <a:prstGeom prst="upArrow">
@@ -11440,13 +14967,13 @@
       </p:sp>
       <p:sp>
         <p:nvSpPr>
-          <p:cNvPr id="140" name="Google Shape;140;p17"/>
+          <p:cNvPr id="173" name="Google Shape;173;p19"/>
           <p:cNvSpPr/>
           <p:nvPr/>
         </p:nvSpPr>
         <p:spPr>
           <a:xfrm>
-            <a:off x="5456675" y="4444200"/>
+            <a:off x="5538300" y="4301775"/>
             <a:ext cx="186300" cy="216300"/>
           </a:xfrm>
           <a:prstGeom prst="upArrow">
@@ -11490,14 +15017,461 @@
           </a:p>
         </p:txBody>
       </p:sp>
+      <p:sp>
+        <p:nvSpPr>
+          <p:cNvPr id="174" name="Google Shape;174;p19"/>
+          <p:cNvSpPr txBox="1"/>
+          <p:nvPr>
+            <p:ph idx="1" type="body"/>
+          </p:nvPr>
+        </p:nvSpPr>
+        <p:spPr>
+          <a:xfrm>
+            <a:off x="6695500" y="3488100"/>
+            <a:ext cx="1410900" cy="1414200"/>
+          </a:xfrm>
+          <a:prstGeom prst="rect">
+            <a:avLst/>
+          </a:prstGeom>
+        </p:spPr>
+        <p:txBody>
+          <a:bodyPr anchorCtr="0" anchor="t" bIns="91425" lIns="91425" spcFirstLastPara="1" rIns="91425" wrap="square" tIns="91425">
+            <a:normAutofit lnSpcReduction="20000"/>
+          </a:bodyPr>
+          <a:lstStyle/>
+          <a:p>
+            <a:pPr indent="0" lvl="0" marL="0" rtl="0" algn="ctr">
+              <a:spcBef>
+                <a:spcPts val="0"/>
+              </a:spcBef>
+              <a:spcAft>
+                <a:spcPts val="0"/>
+              </a:spcAft>
+              <a:buNone/>
+            </a:pPr>
+            <a:r>
+              <a:rPr lang="pt-BR"/>
+              <a:t>Complexidade:</a:t>
+            </a:r>
+            <a:endParaRPr/>
+          </a:p>
+          <a:p>
+            <a:pPr indent="0" lvl="0" marL="0" rtl="0" algn="ctr">
+              <a:spcBef>
+                <a:spcPts val="1200"/>
+              </a:spcBef>
+              <a:spcAft>
+                <a:spcPts val="0"/>
+              </a:spcAft>
+              <a:buNone/>
+            </a:pPr>
+            <a:r>
+              <a:rPr lang="pt-BR"/>
+              <a:t>O(log(N)+N)</a:t>
+            </a:r>
+            <a:endParaRPr/>
+          </a:p>
+          <a:p>
+            <a:pPr indent="0" lvl="0" marL="0" rtl="0" algn="ctr">
+              <a:spcBef>
+                <a:spcPts val="1200"/>
+              </a:spcBef>
+              <a:spcAft>
+                <a:spcPts val="0"/>
+              </a:spcAft>
+              <a:buNone/>
+            </a:pPr>
+            <a:r>
+              <a:rPr lang="pt-BR"/>
+              <a:t>log(N)&lt;N então:</a:t>
+            </a:r>
+            <a:endParaRPr/>
+          </a:p>
+          <a:p>
+            <a:pPr indent="0" lvl="0" marL="0" rtl="0" algn="ctr">
+              <a:spcBef>
+                <a:spcPts val="1200"/>
+              </a:spcBef>
+              <a:spcAft>
+                <a:spcPts val="1200"/>
+              </a:spcAft>
+              <a:buNone/>
+            </a:pPr>
+            <a:r>
+              <a:rPr lang="pt-BR"/>
+              <a:t>O(N)</a:t>
+            </a:r>
+            <a:endParaRPr/>
+          </a:p>
+        </p:txBody>
+      </p:sp>
+      <p:sp>
+        <p:nvSpPr>
+          <p:cNvPr id="175" name="Google Shape;175;p19"/>
+          <p:cNvSpPr txBox="1"/>
+          <p:nvPr>
+            <p:ph idx="1" type="body"/>
+          </p:nvPr>
+        </p:nvSpPr>
+        <p:spPr>
+          <a:xfrm>
+            <a:off x="3798925" y="3282975"/>
+            <a:ext cx="1709400" cy="535200"/>
+          </a:xfrm>
+          <a:prstGeom prst="rect">
+            <a:avLst/>
+          </a:prstGeom>
+        </p:spPr>
+        <p:txBody>
+          <a:bodyPr anchorCtr="0" anchor="t" bIns="91425" lIns="91425" spcFirstLastPara="1" rIns="91425" wrap="square" tIns="91425">
+            <a:normAutofit/>
+          </a:bodyPr>
+          <a:lstStyle/>
+          <a:p>
+            <a:pPr indent="0" lvl="0" marL="0" rtl="0" algn="ctr">
+              <a:spcBef>
+                <a:spcPts val="0"/>
+              </a:spcBef>
+              <a:spcAft>
+                <a:spcPts val="1200"/>
+              </a:spcAft>
+              <a:buNone/>
+            </a:pPr>
+            <a:r>
+              <a:rPr lang="pt-BR"/>
+              <a:t>Monotonic pointers</a:t>
+            </a:r>
+            <a:endParaRPr/>
+          </a:p>
+        </p:txBody>
+      </p:sp>
+    </p:spTree>
+  </p:cSld>
+  <p:clrMapOvr>
+    <a:masterClrMapping/>
+  </p:clrMapOvr>
+</p:sld>
+</file>
+
+<file path=ppt/slides/slide8.xml><?xml version="1.0" encoding="utf-8"?>
+<p:sld xmlns:a="http://schemas.openxmlformats.org/drawingml/2006/main" xmlns:r="http://schemas.openxmlformats.org/officeDocument/2006/relationships" xmlns:mc="http://schemas.openxmlformats.org/markup-compatibility/2006" xmlns:mv="urn:schemas-microsoft-com:mac:vml" xmlns:p="http://schemas.openxmlformats.org/presentationml/2006/main" xmlns:c="http://schemas.openxmlformats.org/drawingml/2006/chart" xmlns:dgm="http://schemas.openxmlformats.org/drawingml/2006/diagram" xmlns:o="urn:schemas-microsoft-com:office:office" xmlns:v="urn:schemas-microsoft-com:vml" xmlns:pvml="urn:schemas-microsoft-com:office:powerpoint" xmlns:com="http://schemas.openxmlformats.org/drawingml/2006/compatibility" xmlns:p14="http://schemas.microsoft.com/office/powerpoint/2010/main" xmlns:p15="http://schemas.microsoft.com/office/powerpoint/2012/main" xmlns:ahyp="http://schemas.microsoft.com/office/drawing/2018/hyperlinkcolor">
+  <p:cSld>
+    <p:spTree>
+      <p:nvGrpSpPr>
+        <p:cNvPr id="179" name="Shape 179"/>
+        <p:cNvGrpSpPr/>
+        <p:nvPr/>
+      </p:nvGrpSpPr>
+      <p:grpSpPr>
+        <a:xfrm>
+          <a:off x="0" y="0"/>
+          <a:ext cx="0" cy="0"/>
+          <a:chOff x="0" y="0"/>
+          <a:chExt cx="0" cy="0"/>
+        </a:xfrm>
+      </p:grpSpPr>
+      <p:sp>
+        <p:nvSpPr>
+          <p:cNvPr id="180" name="Google Shape;180;p20"/>
+          <p:cNvSpPr/>
+          <p:nvPr/>
+        </p:nvSpPr>
+        <p:spPr>
+          <a:xfrm>
+            <a:off x="2762800" y="4668325"/>
+            <a:ext cx="186300" cy="276900"/>
+          </a:xfrm>
+          <a:prstGeom prst="upArrow">
+            <a:avLst>
+              <a:gd fmla="val 50000" name="adj1"/>
+              <a:gd fmla="val 50000" name="adj2"/>
+            </a:avLst>
+          </a:prstGeom>
+          <a:solidFill>
+            <a:schemeClr val="dk1"/>
+          </a:solidFill>
+          <a:ln cap="flat" cmpd="sng" w="9525">
+            <a:solidFill>
+              <a:schemeClr val="dk2"/>
+            </a:solidFill>
+            <a:prstDash val="solid"/>
+            <a:round/>
+            <a:headEnd len="sm" w="sm" type="none"/>
+            <a:tailEnd len="sm" w="sm" type="none"/>
+          </a:ln>
+        </p:spPr>
+        <p:txBody>
+          <a:bodyPr anchorCtr="0" anchor="ctr" bIns="91425" lIns="91425" spcFirstLastPara="1" rIns="91425" wrap="square" tIns="91425">
+            <a:noAutofit/>
+          </a:bodyPr>
+          <a:lstStyle/>
+          <a:p>
+            <a:pPr indent="0" lvl="0" marL="0" rtl="0" algn="l">
+              <a:spcBef>
+                <a:spcPts val="0"/>
+              </a:spcBef>
+              <a:spcAft>
+                <a:spcPts val="0"/>
+              </a:spcAft>
+              <a:buNone/>
+            </a:pPr>
+            <a:r>
+              <a:t/>
+            </a:r>
+            <a:endParaRPr/>
+          </a:p>
+        </p:txBody>
+      </p:sp>
+      <p:sp>
+        <p:nvSpPr>
+          <p:cNvPr id="181" name="Google Shape;181;p20"/>
+          <p:cNvSpPr/>
+          <p:nvPr/>
+        </p:nvSpPr>
+        <p:spPr>
+          <a:xfrm>
+            <a:off x="926000" y="4668350"/>
+            <a:ext cx="186300" cy="276900"/>
+          </a:xfrm>
+          <a:prstGeom prst="upArrow">
+            <a:avLst>
+              <a:gd fmla="val 50000" name="adj1"/>
+              <a:gd fmla="val 50000" name="adj2"/>
+            </a:avLst>
+          </a:prstGeom>
+          <a:solidFill>
+            <a:schemeClr val="dk1"/>
+          </a:solidFill>
+          <a:ln cap="flat" cmpd="sng" w="9525">
+            <a:solidFill>
+              <a:schemeClr val="dk2"/>
+            </a:solidFill>
+            <a:prstDash val="solid"/>
+            <a:round/>
+            <a:headEnd len="sm" w="sm" type="none"/>
+            <a:tailEnd len="sm" w="sm" type="none"/>
+          </a:ln>
+        </p:spPr>
+        <p:txBody>
+          <a:bodyPr anchorCtr="0" anchor="ctr" bIns="91425" lIns="91425" spcFirstLastPara="1" rIns="91425" wrap="square" tIns="91425">
+            <a:noAutofit/>
+          </a:bodyPr>
+          <a:lstStyle/>
+          <a:p>
+            <a:pPr indent="0" lvl="0" marL="0" rtl="0" algn="l">
+              <a:spcBef>
+                <a:spcPts val="0"/>
+              </a:spcBef>
+              <a:spcAft>
+                <a:spcPts val="0"/>
+              </a:spcAft>
+              <a:buNone/>
+            </a:pPr>
+            <a:r>
+              <a:t/>
+            </a:r>
+            <a:endParaRPr/>
+          </a:p>
+        </p:txBody>
+      </p:sp>
+      <p:sp>
+        <p:nvSpPr>
+          <p:cNvPr id="182" name="Google Shape;182;p20"/>
+          <p:cNvSpPr/>
+          <p:nvPr/>
+        </p:nvSpPr>
+        <p:spPr>
+          <a:xfrm>
+            <a:off x="770475" y="4923550"/>
+            <a:ext cx="2128800" cy="46200"/>
+          </a:xfrm>
+          <a:prstGeom prst="rect">
+            <a:avLst/>
+          </a:prstGeom>
+          <a:solidFill>
+            <a:schemeClr val="accent3"/>
+          </a:solidFill>
+          <a:ln cap="flat" cmpd="sng" w="9525">
+            <a:solidFill>
+              <a:schemeClr val="dk2"/>
+            </a:solidFill>
+            <a:prstDash val="solid"/>
+            <a:round/>
+            <a:headEnd len="sm" w="sm" type="none"/>
+            <a:tailEnd len="sm" w="sm" type="none"/>
+          </a:ln>
+        </p:spPr>
+        <p:txBody>
+          <a:bodyPr anchorCtr="0" anchor="ctr" bIns="91425" lIns="91425" spcFirstLastPara="1" rIns="91425" wrap="square" tIns="91425">
+            <a:noAutofit/>
+          </a:bodyPr>
+          <a:lstStyle/>
+          <a:p>
+            <a:pPr indent="0" lvl="0" marL="0" rtl="0" algn="l">
+              <a:spcBef>
+                <a:spcPts val="0"/>
+              </a:spcBef>
+              <a:spcAft>
+                <a:spcPts val="0"/>
+              </a:spcAft>
+              <a:buNone/>
+            </a:pPr>
+            <a:r>
+              <a:t/>
+            </a:r>
+            <a:endParaRPr/>
+          </a:p>
+        </p:txBody>
+      </p:sp>
+      <p:sp>
+        <p:nvSpPr>
+          <p:cNvPr id="183" name="Google Shape;183;p20"/>
+          <p:cNvSpPr/>
+          <p:nvPr/>
+        </p:nvSpPr>
+        <p:spPr>
+          <a:xfrm>
+            <a:off x="993875" y="3589000"/>
+            <a:ext cx="1955100" cy="46200"/>
+          </a:xfrm>
+          <a:prstGeom prst="rect">
+            <a:avLst/>
+          </a:prstGeom>
+          <a:solidFill>
+            <a:schemeClr val="lt2"/>
+          </a:solidFill>
+          <a:ln cap="flat" cmpd="sng" w="9525">
+            <a:solidFill>
+              <a:schemeClr val="dk2"/>
+            </a:solidFill>
+            <a:prstDash val="solid"/>
+            <a:round/>
+            <a:headEnd len="sm" w="sm" type="none"/>
+            <a:tailEnd len="sm" w="sm" type="none"/>
+          </a:ln>
+        </p:spPr>
+        <p:txBody>
+          <a:bodyPr anchorCtr="0" anchor="ctr" bIns="91425" lIns="91425" spcFirstLastPara="1" rIns="91425" wrap="square" tIns="91425">
+            <a:noAutofit/>
+          </a:bodyPr>
+          <a:lstStyle/>
+          <a:p>
+            <a:pPr indent="0" lvl="0" marL="0" rtl="0" algn="l">
+              <a:spcBef>
+                <a:spcPts val="0"/>
+              </a:spcBef>
+              <a:spcAft>
+                <a:spcPts val="0"/>
+              </a:spcAft>
+              <a:buNone/>
+            </a:pPr>
+            <a:r>
+              <a:t/>
+            </a:r>
+            <a:endParaRPr/>
+          </a:p>
+        </p:txBody>
+      </p:sp>
+      <p:sp>
+        <p:nvSpPr>
+          <p:cNvPr id="184" name="Google Shape;184;p20"/>
+          <p:cNvSpPr txBox="1"/>
+          <p:nvPr>
+            <p:ph type="title"/>
+          </p:nvPr>
+        </p:nvSpPr>
+        <p:spPr>
+          <a:xfrm>
+            <a:off x="729450" y="1318650"/>
+            <a:ext cx="7688700" cy="535200"/>
+          </a:xfrm>
+          <a:prstGeom prst="rect">
+            <a:avLst/>
+          </a:prstGeom>
+        </p:spPr>
+        <p:txBody>
+          <a:bodyPr anchorCtr="0" anchor="t" bIns="91425" lIns="91425" spcFirstLastPara="1" rIns="91425" wrap="square" tIns="91425">
+            <a:normAutofit fontScale="90000"/>
+          </a:bodyPr>
+          <a:lstStyle/>
+          <a:p>
+            <a:pPr indent="0" lvl="0" marL="0" rtl="0" algn="l">
+              <a:spcBef>
+                <a:spcPts val="0"/>
+              </a:spcBef>
+              <a:spcAft>
+                <a:spcPts val="0"/>
+              </a:spcAft>
+              <a:buNone/>
+            </a:pPr>
+            <a:r>
+              <a:rPr lang="pt-BR"/>
+              <a:t>Implementação em ideia e complexidade </a:t>
+            </a:r>
+            <a:endParaRPr/>
+          </a:p>
+        </p:txBody>
+      </p:sp>
+      <p:sp>
+        <p:nvSpPr>
+          <p:cNvPr id="185" name="Google Shape;185;p20"/>
+          <p:cNvSpPr txBox="1"/>
+          <p:nvPr>
+            <p:ph idx="1" type="body"/>
+          </p:nvPr>
+        </p:nvSpPr>
+        <p:spPr>
+          <a:xfrm>
+            <a:off x="729450" y="1911703"/>
+            <a:ext cx="7688700" cy="771300"/>
+          </a:xfrm>
+          <a:prstGeom prst="rect">
+            <a:avLst/>
+          </a:prstGeom>
+        </p:spPr>
+        <p:txBody>
+          <a:bodyPr anchorCtr="0" anchor="t" bIns="91425" lIns="91425" spcFirstLastPara="1" rIns="91425" wrap="square" tIns="91425">
+            <a:normAutofit lnSpcReduction="20000"/>
+          </a:bodyPr>
+          <a:lstStyle/>
+          <a:p>
+            <a:pPr indent="457200" lvl="0" marL="0" rtl="0" algn="just">
+              <a:spcBef>
+                <a:spcPts val="0"/>
+              </a:spcBef>
+              <a:spcAft>
+                <a:spcPts val="1200"/>
+              </a:spcAft>
+              <a:buNone/>
+            </a:pPr>
+            <a:r>
+              <a:rPr lang="pt-BR"/>
+              <a:t>Foram apresentadas 4 estratégias u</a:t>
+            </a:r>
+            <a:r>
+              <a:rPr lang="pt-BR"/>
+              <a:t>tilizando</a:t>
+            </a:r>
+            <a:r>
+              <a:rPr lang="pt-BR"/>
+              <a:t> ponteiros para percorrer o vetor de maneiras </a:t>
+            </a:r>
+            <a:r>
+              <a:rPr lang="pt-BR"/>
+              <a:t>diferentes e encontrar o resultado desejado. Suas implementações e complexidades podem ser vistas abaixo	</a:t>
+            </a:r>
+            <a:endParaRPr/>
+          </a:p>
+        </p:txBody>
+      </p:sp>
       <p:graphicFrame>
         <p:nvGraphicFramePr>
-          <p:cNvPr id="141" name="Google Shape;141;p17"/>
+          <p:cNvPr id="186" name="Google Shape;186;p20"/>
           <p:cNvGraphicFramePr/>
           <p:nvPr/>
         </p:nvGraphicFramePr>
         <p:xfrm>
-          <a:off x="3425250" y="2746600"/>
+          <a:off x="731250" y="2982800"/>
           <a:ext cx="3000000" cy="3000000"/>
         </p:xfrm>
         <a:graphic>
@@ -11505,7 +15479,7 @@
             <a:tbl>
               <a:tblPr>
                 <a:noFill/>
-                <a:tableStyleId>{AC5D93D5-D9EF-4F30-BE87-26858EDDAA10}</a:tableStyleId>
+                <a:tableStyleId>{AA37B769-EBB0-46AA-AC90-2418E12BA53B}</a:tableStyleId>
               </a:tblPr>
               <a:tblGrid>
                 <a:gridCol w="382850"/>
@@ -11661,13 +15635,13 @@
       </p:graphicFrame>
       <p:sp>
         <p:nvSpPr>
-          <p:cNvPr id="142" name="Google Shape;142;p17"/>
+          <p:cNvPr id="187" name="Google Shape;187;p20"/>
           <p:cNvSpPr/>
           <p:nvPr/>
         </p:nvSpPr>
         <p:spPr>
           <a:xfrm>
-            <a:off x="3514300" y="3162025"/>
+            <a:off x="770475" y="3398225"/>
             <a:ext cx="186300" cy="276900"/>
           </a:xfrm>
           <a:prstGeom prst="upArrow">
@@ -11713,13 +15687,13 @@
       </p:sp>
       <p:sp>
         <p:nvSpPr>
-          <p:cNvPr id="143" name="Google Shape;143;p17"/>
+          <p:cNvPr id="188" name="Google Shape;188;p20"/>
           <p:cNvSpPr/>
           <p:nvPr/>
         </p:nvSpPr>
         <p:spPr>
           <a:xfrm>
-            <a:off x="3915250" y="3182700"/>
+            <a:off x="926000" y="3418900"/>
             <a:ext cx="186300" cy="216300"/>
           </a:xfrm>
           <a:prstGeom prst="upArrow">
@@ -11765,7 +15739,56 @@
       </p:sp>
       <p:sp>
         <p:nvSpPr>
-          <p:cNvPr id="144" name="Google Shape;144;p17"/>
+          <p:cNvPr id="189" name="Google Shape;189;p20"/>
+          <p:cNvSpPr/>
+          <p:nvPr/>
+        </p:nvSpPr>
+        <p:spPr>
+          <a:xfrm>
+            <a:off x="820300" y="3675100"/>
+            <a:ext cx="2128800" cy="46200"/>
+          </a:xfrm>
+          <a:prstGeom prst="rect">
+            <a:avLst/>
+          </a:prstGeom>
+          <a:solidFill>
+            <a:schemeClr val="lt2"/>
+          </a:solidFill>
+          <a:ln cap="flat" cmpd="sng" w="9525">
+            <a:solidFill>
+              <a:schemeClr val="dk2"/>
+            </a:solidFill>
+            <a:prstDash val="solid"/>
+            <a:round/>
+            <a:headEnd len="sm" w="sm" type="none"/>
+            <a:tailEnd len="sm" w="sm" type="none"/>
+          </a:ln>
+        </p:spPr>
+        <p:txBody>
+          <a:bodyPr anchorCtr="0" anchor="ctr" bIns="91425" lIns="91425" spcFirstLastPara="1" rIns="91425" wrap="square" tIns="91425">
+            <a:noAutofit/>
+          </a:bodyPr>
+          <a:lstStyle/>
+          <a:p>
+            <a:pPr indent="0" lvl="0" marL="0" rtl="0" algn="l">
+              <a:spcBef>
+                <a:spcPts val="0"/>
+              </a:spcBef>
+              <a:spcAft>
+                <a:spcPts val="0"/>
+              </a:spcAft>
+              <a:buNone/>
+            </a:pPr>
+            <a:r>
+              <a:t/>
+            </a:r>
+            <a:endParaRPr/>
+          </a:p>
+        </p:txBody>
+      </p:sp>
+      <p:sp>
+        <p:nvSpPr>
+          <p:cNvPr id="190" name="Google Shape;190;p20"/>
           <p:cNvSpPr txBox="1"/>
           <p:nvPr>
             <p:ph idx="1" type="body"/>
@@ -11773,8 +15796,8 @@
         </p:nvSpPr>
         <p:spPr>
           <a:xfrm>
-            <a:off x="4051350" y="3573100"/>
-            <a:ext cx="1041300" cy="471900"/>
+            <a:off x="1357350" y="2594675"/>
+            <a:ext cx="1041300" cy="396300"/>
           </a:xfrm>
           <a:prstGeom prst="rect">
             <a:avLst/>
@@ -11797,7 +15820,7 @@
             </a:pPr>
             <a:r>
               <a:rPr lang="pt-BR"/>
-              <a:t>Maneira 2</a:t>
+              <a:t>Maneira 1</a:t>
             </a:r>
             <a:endParaRPr/>
           </a:p>
@@ -11805,13 +15828,109 @@
       </p:sp>
       <p:sp>
         <p:nvSpPr>
-          <p:cNvPr id="145" name="Google Shape;145;p17"/>
+          <p:cNvPr id="191" name="Google Shape;191;p20"/>
+          <p:cNvSpPr txBox="1"/>
+          <p:nvPr>
+            <p:ph idx="1" type="body"/>
+          </p:nvPr>
+        </p:nvSpPr>
+        <p:spPr>
+          <a:xfrm>
+            <a:off x="3201475" y="2763775"/>
+            <a:ext cx="1410900" cy="931800"/>
+          </a:xfrm>
+          <a:prstGeom prst="rect">
+            <a:avLst/>
+          </a:prstGeom>
+        </p:spPr>
+        <p:txBody>
+          <a:bodyPr anchorCtr="0" anchor="t" bIns="91425" lIns="91425" spcFirstLastPara="1" rIns="91425" wrap="square" tIns="91425">
+            <a:normAutofit/>
+          </a:bodyPr>
+          <a:lstStyle/>
+          <a:p>
+            <a:pPr indent="0" lvl="0" marL="0" rtl="0" algn="ctr">
+              <a:spcBef>
+                <a:spcPts val="0"/>
+              </a:spcBef>
+              <a:spcAft>
+                <a:spcPts val="0"/>
+              </a:spcAft>
+              <a:buNone/>
+            </a:pPr>
+            <a:r>
+              <a:rPr lang="pt-BR"/>
+              <a:t>Complexidade:</a:t>
+            </a:r>
+            <a:endParaRPr/>
+          </a:p>
+          <a:p>
+            <a:pPr indent="0" lvl="0" marL="0" rtl="0" algn="ctr">
+              <a:spcBef>
+                <a:spcPts val="1200"/>
+              </a:spcBef>
+              <a:spcAft>
+                <a:spcPts val="1200"/>
+              </a:spcAft>
+              <a:buNone/>
+            </a:pPr>
+            <a:r>
+              <a:rPr lang="pt-BR"/>
+              <a:t>O(N²)</a:t>
+            </a:r>
+            <a:endParaRPr/>
+          </a:p>
+        </p:txBody>
+      </p:sp>
+      <p:sp>
+        <p:nvSpPr>
+          <p:cNvPr id="192" name="Google Shape;192;p20"/>
+          <p:cNvSpPr txBox="1"/>
+          <p:nvPr>
+            <p:ph idx="12" type="sldNum"/>
+          </p:nvPr>
+        </p:nvSpPr>
+        <p:spPr>
+          <a:xfrm>
+            <a:off x="8536302" y="4749851"/>
+            <a:ext cx="548700" cy="393600"/>
+          </a:xfrm>
+          <a:prstGeom prst="rect">
+            <a:avLst/>
+          </a:prstGeom>
+        </p:spPr>
+        <p:txBody>
+          <a:bodyPr anchorCtr="0" anchor="ctr" bIns="91425" lIns="91425" spcFirstLastPara="1" rIns="91425" wrap="square" tIns="91425">
+            <a:normAutofit/>
+          </a:bodyPr>
+          <a:lstStyle/>
+          <a:p>
+            <a:pPr indent="0" lvl="0" marL="0" rtl="0" algn="r">
+              <a:spcBef>
+                <a:spcPts val="0"/>
+              </a:spcBef>
+              <a:spcAft>
+                <a:spcPts val="0"/>
+              </a:spcAft>
+              <a:buNone/>
+            </a:pPr>
+            <a:fld id="{00000000-1234-1234-1234-123412341234}" type="slidenum">
+              <a:rPr lang="pt-BR"/>
+              <a:t>‹#›</a:t>
+            </a:fld>
+            <a:endParaRPr/>
+          </a:p>
+        </p:txBody>
+      </p:sp>
+      <p:sp>
+        <p:nvSpPr>
+          <p:cNvPr id="193" name="Google Shape;193;p20"/>
           <p:cNvSpPr/>
           <p:nvPr/>
         </p:nvSpPr>
         <p:spPr>
           <a:xfrm>
-            <a:off x="3559025" y="3438900"/>
+            <a:off x="5445800" y="3588988"/>
             <a:ext cx="1636800" cy="46200"/>
           </a:xfrm>
           <a:prstGeom prst="rect">
@@ -11852,236 +15971,191 @@
           </a:p>
         </p:txBody>
       </p:sp>
+      <p:graphicFrame>
+        <p:nvGraphicFramePr>
+          <p:cNvPr id="194" name="Google Shape;194;p20"/>
+          <p:cNvGraphicFramePr/>
+          <p:nvPr/>
+        </p:nvGraphicFramePr>
+        <p:xfrm>
+          <a:off x="4902050" y="2982788"/>
+          <a:ext cx="3000000" cy="3000000"/>
+        </p:xfrm>
+        <a:graphic>
+          <a:graphicData uri="http://schemas.openxmlformats.org/drawingml/2006/table">
+            <a:tbl>
+              <a:tblPr>
+                <a:noFill/>
+                <a:tableStyleId>{AA37B769-EBB0-46AA-AC90-2418E12BA53B}</a:tableStyleId>
+              </a:tblPr>
+              <a:tblGrid>
+                <a:gridCol w="382850"/>
+                <a:gridCol w="382850"/>
+                <a:gridCol w="382850"/>
+                <a:gridCol w="382850"/>
+                <a:gridCol w="382850"/>
+                <a:gridCol w="382850"/>
+              </a:tblGrid>
+              <a:tr h="381000">
+                <a:tc>
+                  <a:txBody>
+                    <a:bodyPr/>
+                    <a:lstStyle/>
+                    <a:p>
+                      <a:pPr indent="0" lvl="0" marL="0" rtl="0" algn="l">
+                        <a:spcBef>
+                          <a:spcPts val="0"/>
+                        </a:spcBef>
+                        <a:spcAft>
+                          <a:spcPts val="0"/>
+                        </a:spcAft>
+                        <a:buNone/>
+                      </a:pPr>
+                      <a:r>
+                        <a:rPr lang="pt-BR"/>
+                        <a:t>10</a:t>
+                      </a:r>
+                      <a:endParaRPr/>
+                    </a:p>
+                  </a:txBody>
+                  <a:tcPr marT="91425" marB="91425" marR="91425" marL="91425"/>
+                </a:tc>
+                <a:tc>
+                  <a:txBody>
+                    <a:bodyPr/>
+                    <a:lstStyle/>
+                    <a:p>
+                      <a:pPr indent="0" lvl="0" marL="0" rtl="0" algn="l">
+                        <a:spcBef>
+                          <a:spcPts val="0"/>
+                        </a:spcBef>
+                        <a:spcAft>
+                          <a:spcPts val="0"/>
+                        </a:spcAft>
+                        <a:buNone/>
+                      </a:pPr>
+                      <a:r>
+                        <a:rPr lang="pt-BR"/>
+                        <a:t>3</a:t>
+                      </a:r>
+                      <a:endParaRPr/>
+                    </a:p>
+                  </a:txBody>
+                  <a:tcPr marT="91425" marB="91425" marR="91425" marL="91425"/>
+                </a:tc>
+                <a:tc>
+                  <a:txBody>
+                    <a:bodyPr/>
+                    <a:lstStyle/>
+                    <a:p>
+                      <a:pPr indent="0" lvl="0" marL="0" rtl="0" algn="l">
+                        <a:spcBef>
+                          <a:spcPts val="0"/>
+                        </a:spcBef>
+                        <a:spcAft>
+                          <a:spcPts val="0"/>
+                        </a:spcAft>
+                        <a:buNone/>
+                      </a:pPr>
+                      <a:r>
+                        <a:rPr lang="pt-BR"/>
+                        <a:t>1</a:t>
+                      </a:r>
+                      <a:endParaRPr/>
+                    </a:p>
+                  </a:txBody>
+                  <a:tcPr marT="91425" marB="91425" marR="91425" marL="91425"/>
+                </a:tc>
+                <a:tc>
+                  <a:txBody>
+                    <a:bodyPr/>
+                    <a:lstStyle/>
+                    <a:p>
+                      <a:pPr indent="0" lvl="0" marL="0" rtl="0" algn="l">
+                        <a:spcBef>
+                          <a:spcPts val="0"/>
+                        </a:spcBef>
+                        <a:spcAft>
+                          <a:spcPts val="0"/>
+                        </a:spcAft>
+                        <a:buNone/>
+                      </a:pPr>
+                      <a:r>
+                        <a:rPr lang="pt-BR"/>
+                        <a:t>4</a:t>
+                      </a:r>
+                      <a:endParaRPr/>
+                    </a:p>
+                  </a:txBody>
+                  <a:tcPr marT="91425" marB="91425" marR="91425" marL="91425"/>
+                </a:tc>
+                <a:tc>
+                  <a:txBody>
+                    <a:bodyPr/>
+                    <a:lstStyle/>
+                    <a:p>
+                      <a:pPr indent="0" lvl="0" marL="0" rtl="0" algn="l">
+                        <a:spcBef>
+                          <a:spcPts val="0"/>
+                        </a:spcBef>
+                        <a:spcAft>
+                          <a:spcPts val="0"/>
+                        </a:spcAft>
+                        <a:buNone/>
+                      </a:pPr>
+                      <a:r>
+                        <a:rPr lang="pt-BR"/>
+                        <a:t>8</a:t>
+                      </a:r>
+                      <a:endParaRPr/>
+                    </a:p>
+                  </a:txBody>
+                  <a:tcPr marT="91425" marB="91425" marR="91425" marL="91425"/>
+                </a:tc>
+                <a:tc>
+                  <a:txBody>
+                    <a:bodyPr/>
+                    <a:lstStyle/>
+                    <a:p>
+                      <a:pPr indent="0" lvl="0" marL="0" rtl="0" algn="l">
+                        <a:spcBef>
+                          <a:spcPts val="0"/>
+                        </a:spcBef>
+                        <a:spcAft>
+                          <a:spcPts val="0"/>
+                        </a:spcAft>
+                        <a:buNone/>
+                      </a:pPr>
+                      <a:r>
+                        <a:rPr lang="pt-BR"/>
+                        <a:t>7</a:t>
+                      </a:r>
+                      <a:endParaRPr/>
+                    </a:p>
+                  </a:txBody>
+                  <a:tcPr marT="91425" marB="91425" marR="91425" marL="91425"/>
+                </a:tc>
+              </a:tr>
+            </a:tbl>
+          </a:graphicData>
+        </a:graphic>
+      </p:graphicFrame>
       <p:sp>
         <p:nvSpPr>
-          <p:cNvPr id="146" name="Google Shape;146;p17"/>
-          <p:cNvSpPr txBox="1"/>
-          <p:nvPr>
-            <p:ph idx="1" type="body"/>
-          </p:nvPr>
-        </p:nvSpPr>
-        <p:spPr>
-          <a:xfrm>
-            <a:off x="4051350" y="2358475"/>
-            <a:ext cx="1041300" cy="396300"/>
-          </a:xfrm>
-          <a:prstGeom prst="rect">
-            <a:avLst/>
-          </a:prstGeom>
-        </p:spPr>
-        <p:txBody>
-          <a:bodyPr anchorCtr="0" anchor="t" bIns="91425" lIns="91425" spcFirstLastPara="1" rIns="91425" wrap="square" tIns="91425">
-            <a:normAutofit/>
-          </a:bodyPr>
-          <a:lstStyle/>
-          <a:p>
-            <a:pPr indent="0" lvl="0" marL="0" rtl="0" algn="just">
-              <a:spcBef>
-                <a:spcPts val="0"/>
-              </a:spcBef>
-              <a:spcAft>
-                <a:spcPts val="1200"/>
-              </a:spcAft>
-              <a:buNone/>
-            </a:pPr>
-            <a:r>
-              <a:rPr lang="pt-BR"/>
-              <a:t>Maneira 1</a:t>
-            </a:r>
-            <a:endParaRPr/>
-          </a:p>
-        </p:txBody>
-      </p:sp>
-      <p:sp>
-        <p:nvSpPr>
-          <p:cNvPr id="147" name="Google Shape;147;p17"/>
-          <p:cNvSpPr txBox="1"/>
-          <p:nvPr>
-            <p:ph idx="1" type="body"/>
-          </p:nvPr>
-        </p:nvSpPr>
-        <p:spPr>
-          <a:xfrm>
-            <a:off x="6617575" y="2604025"/>
-            <a:ext cx="1410900" cy="931800"/>
-          </a:xfrm>
-          <a:prstGeom prst="rect">
-            <a:avLst/>
-          </a:prstGeom>
-        </p:spPr>
-        <p:txBody>
-          <a:bodyPr anchorCtr="0" anchor="t" bIns="91425" lIns="91425" spcFirstLastPara="1" rIns="91425" wrap="square" tIns="91425">
-            <a:normAutofit/>
-          </a:bodyPr>
-          <a:lstStyle/>
-          <a:p>
-            <a:pPr indent="0" lvl="0" marL="0" rtl="0" algn="ctr">
-              <a:spcBef>
-                <a:spcPts val="0"/>
-              </a:spcBef>
-              <a:spcAft>
-                <a:spcPts val="0"/>
-              </a:spcAft>
-              <a:buNone/>
-            </a:pPr>
-            <a:r>
-              <a:rPr lang="pt-BR"/>
-              <a:t>Complexidade:</a:t>
-            </a:r>
-            <a:endParaRPr/>
-          </a:p>
-          <a:p>
-            <a:pPr indent="0" lvl="0" marL="0" rtl="0" algn="ctr">
-              <a:spcBef>
-                <a:spcPts val="1200"/>
-              </a:spcBef>
-              <a:spcAft>
-                <a:spcPts val="1200"/>
-              </a:spcAft>
-              <a:buNone/>
-            </a:pPr>
-            <a:r>
-              <a:rPr lang="pt-BR"/>
-              <a:t>O(N(N-1)/2)</a:t>
-            </a:r>
-            <a:endParaRPr/>
-          </a:p>
-        </p:txBody>
-      </p:sp>
-      <p:sp>
-        <p:nvSpPr>
-          <p:cNvPr id="148" name="Google Shape;148;p17"/>
-          <p:cNvSpPr txBox="1"/>
-          <p:nvPr>
-            <p:ph idx="1" type="body"/>
-          </p:nvPr>
-        </p:nvSpPr>
-        <p:spPr>
-          <a:xfrm>
-            <a:off x="6613875" y="3859675"/>
-            <a:ext cx="1410900" cy="931800"/>
-          </a:xfrm>
-          <a:prstGeom prst="rect">
-            <a:avLst/>
-          </a:prstGeom>
-        </p:spPr>
-        <p:txBody>
-          <a:bodyPr anchorCtr="0" anchor="t" bIns="91425" lIns="91425" spcFirstLastPara="1" rIns="91425" wrap="square" tIns="91425">
-            <a:normAutofit/>
-          </a:bodyPr>
-          <a:lstStyle/>
-          <a:p>
-            <a:pPr indent="0" lvl="0" marL="0" rtl="0" algn="ctr">
-              <a:spcBef>
-                <a:spcPts val="0"/>
-              </a:spcBef>
-              <a:spcAft>
-                <a:spcPts val="0"/>
-              </a:spcAft>
-              <a:buNone/>
-            </a:pPr>
-            <a:r>
-              <a:rPr lang="pt-BR"/>
-              <a:t>Complexidade:</a:t>
-            </a:r>
-            <a:endParaRPr/>
-          </a:p>
-          <a:p>
-            <a:pPr indent="0" lvl="0" marL="0" rtl="0" algn="ctr">
-              <a:spcBef>
-                <a:spcPts val="1200"/>
-              </a:spcBef>
-              <a:spcAft>
-                <a:spcPts val="1200"/>
-              </a:spcAft>
-              <a:buNone/>
-            </a:pPr>
-            <a:r>
-              <a:rPr lang="pt-BR"/>
-              <a:t>O(N+NlogN)</a:t>
-            </a:r>
-            <a:endParaRPr/>
-          </a:p>
-        </p:txBody>
-      </p:sp>
-      <p:sp>
-        <p:nvSpPr>
-          <p:cNvPr id="149" name="Google Shape;149;p17"/>
-          <p:cNvSpPr txBox="1"/>
-          <p:nvPr>
-            <p:ph idx="12" type="sldNum"/>
-          </p:nvPr>
-        </p:nvSpPr>
-        <p:spPr>
-          <a:xfrm>
-            <a:off x="8536302" y="4749851"/>
-            <a:ext cx="548700" cy="393600"/>
-          </a:xfrm>
-          <a:prstGeom prst="rect">
-            <a:avLst/>
-          </a:prstGeom>
-        </p:spPr>
-        <p:txBody>
-          <a:bodyPr anchorCtr="0" anchor="ctr" bIns="91425" lIns="91425" spcFirstLastPara="1" rIns="91425" wrap="square" tIns="91425">
-            <a:normAutofit/>
-          </a:bodyPr>
-          <a:lstStyle/>
-          <a:p>
-            <a:pPr indent="0" lvl="0" marL="0" rtl="0" algn="r">
-              <a:spcBef>
-                <a:spcPts val="0"/>
-              </a:spcBef>
-              <a:spcAft>
-                <a:spcPts val="0"/>
-              </a:spcAft>
-              <a:buNone/>
-            </a:pPr>
-            <a:fld id="{00000000-1234-1234-1234-123412341234}" type="slidenum">
-              <a:rPr lang="pt-BR"/>
-              <a:t>‹#›</a:t>
-            </a:fld>
-            <a:endParaRPr/>
-          </a:p>
-        </p:txBody>
-      </p:sp>
-    </p:spTree>
-  </p:cSld>
-  <p:clrMapOvr>
-    <a:masterClrMapping/>
-  </p:clrMapOvr>
-</p:sld>
-</file>
-
-<file path=ppt/slides/slide6.xml><?xml version="1.0" encoding="utf-8"?>
-<p:sld xmlns:a="http://schemas.openxmlformats.org/drawingml/2006/main" xmlns:r="http://schemas.openxmlformats.org/officeDocument/2006/relationships" xmlns:mc="http://schemas.openxmlformats.org/markup-compatibility/2006" xmlns:mv="urn:schemas-microsoft-com:mac:vml" xmlns:p="http://schemas.openxmlformats.org/presentationml/2006/main" xmlns:c="http://schemas.openxmlformats.org/drawingml/2006/chart" xmlns:dgm="http://schemas.openxmlformats.org/drawingml/2006/diagram" xmlns:o="urn:schemas-microsoft-com:office:office" xmlns:v="urn:schemas-microsoft-com:vml" xmlns:pvml="urn:schemas-microsoft-com:office:powerpoint" xmlns:com="http://schemas.openxmlformats.org/drawingml/2006/compatibility" xmlns:p14="http://schemas.microsoft.com/office/powerpoint/2010/main" xmlns:p15="http://schemas.microsoft.com/office/powerpoint/2012/main" xmlns:ahyp="http://schemas.microsoft.com/office/drawing/2018/hyperlinkcolor">
-  <p:cSld>
-    <p:spTree>
-      <p:nvGrpSpPr>
-        <p:cNvPr id="153" name="Shape 153"/>
-        <p:cNvGrpSpPr/>
-        <p:nvPr/>
-      </p:nvGrpSpPr>
-      <p:grpSpPr>
-        <a:xfrm>
-          <a:off x="0" y="0"/>
-          <a:ext cx="0" cy="0"/>
-          <a:chOff x="0" y="0"/>
-          <a:chExt cx="0" cy="0"/>
-        </a:xfrm>
-      </p:grpSpPr>
-      <p:sp>
-        <p:nvSpPr>
-          <p:cNvPr id="154" name="Google Shape;154;p18"/>
+          <p:cNvPr id="195" name="Google Shape;195;p20"/>
           <p:cNvSpPr/>
           <p:nvPr/>
         </p:nvSpPr>
         <p:spPr>
           <a:xfrm>
-            <a:off x="6477825" y="4334700"/>
-            <a:ext cx="887100" cy="46200"/>
+            <a:off x="4991100" y="3398213"/>
+            <a:ext cx="186300" cy="276900"/>
           </a:xfrm>
-          <a:prstGeom prst="rect">
-            <a:avLst/>
+          <a:prstGeom prst="upArrow">
+            <a:avLst>
+              <a:gd fmla="val 50000" name="adj1"/>
+              <a:gd fmla="val 50000" name="adj2"/>
+            </a:avLst>
           </a:prstGeom>
           <a:solidFill>
             <a:schemeClr val="lt2"/>
@@ -12120,403 +16194,13 @@
       </p:sp>
       <p:sp>
         <p:nvSpPr>
-          <p:cNvPr id="155" name="Google Shape;155;p18"/>
+          <p:cNvPr id="196" name="Google Shape;196;p20"/>
           <p:cNvSpPr/>
           <p:nvPr/>
         </p:nvSpPr>
         <p:spPr>
           <a:xfrm>
-            <a:off x="5303350" y="4334700"/>
-            <a:ext cx="839100" cy="46200"/>
-          </a:xfrm>
-          <a:prstGeom prst="rect">
-            <a:avLst/>
-          </a:prstGeom>
-          <a:solidFill>
-            <a:schemeClr val="lt2"/>
-          </a:solidFill>
-          <a:ln cap="flat" cmpd="sng" w="9525">
-            <a:solidFill>
-              <a:schemeClr val="dk2"/>
-            </a:solidFill>
-            <a:prstDash val="solid"/>
-            <a:round/>
-            <a:headEnd len="sm" w="sm" type="none"/>
-            <a:tailEnd len="sm" w="sm" type="none"/>
-          </a:ln>
-        </p:spPr>
-        <p:txBody>
-          <a:bodyPr anchorCtr="0" anchor="ctr" bIns="91425" lIns="91425" spcFirstLastPara="1" rIns="91425" wrap="square" tIns="91425">
-            <a:noAutofit/>
-          </a:bodyPr>
-          <a:lstStyle/>
-          <a:p>
-            <a:pPr indent="0" lvl="0" marL="0" rtl="0" algn="l">
-              <a:spcBef>
-                <a:spcPts val="0"/>
-              </a:spcBef>
-              <a:spcAft>
-                <a:spcPts val="0"/>
-              </a:spcAft>
-              <a:buNone/>
-            </a:pPr>
-            <a:r>
-              <a:t/>
-            </a:r>
-            <a:endParaRPr/>
-          </a:p>
-        </p:txBody>
-      </p:sp>
-      <p:sp>
-        <p:nvSpPr>
-          <p:cNvPr id="156" name="Google Shape;156;p18"/>
-          <p:cNvSpPr/>
-          <p:nvPr/>
-        </p:nvSpPr>
-        <p:spPr>
-          <a:xfrm>
-            <a:off x="5758050" y="3073200"/>
-            <a:ext cx="1636800" cy="46200"/>
-          </a:xfrm>
-          <a:prstGeom prst="rect">
-            <a:avLst/>
-          </a:prstGeom>
-          <a:solidFill>
-            <a:schemeClr val="lt2"/>
-          </a:solidFill>
-          <a:ln cap="flat" cmpd="sng" w="9525">
-            <a:solidFill>
-              <a:schemeClr val="dk2"/>
-            </a:solidFill>
-            <a:prstDash val="solid"/>
-            <a:round/>
-            <a:headEnd len="sm" w="sm" type="none"/>
-            <a:tailEnd len="sm" w="sm" type="none"/>
-          </a:ln>
-        </p:spPr>
-        <p:txBody>
-          <a:bodyPr anchorCtr="0" anchor="ctr" bIns="91425" lIns="91425" spcFirstLastPara="1" rIns="91425" wrap="square" tIns="91425">
-            <a:noAutofit/>
-          </a:bodyPr>
-          <a:lstStyle/>
-          <a:p>
-            <a:pPr indent="0" lvl="0" marL="0" rtl="0" algn="l">
-              <a:spcBef>
-                <a:spcPts val="0"/>
-              </a:spcBef>
-              <a:spcAft>
-                <a:spcPts val="0"/>
-              </a:spcAft>
-              <a:buNone/>
-            </a:pPr>
-            <a:r>
-              <a:t/>
-            </a:r>
-            <a:endParaRPr/>
-          </a:p>
-        </p:txBody>
-      </p:sp>
-      <p:sp>
-        <p:nvSpPr>
-          <p:cNvPr id="157" name="Google Shape;157;p18"/>
-          <p:cNvSpPr txBox="1"/>
-          <p:nvPr>
-            <p:ph type="title"/>
-          </p:nvPr>
-        </p:nvSpPr>
-        <p:spPr>
-          <a:xfrm>
-            <a:off x="729450" y="1318650"/>
-            <a:ext cx="7688700" cy="535200"/>
-          </a:xfrm>
-          <a:prstGeom prst="rect">
-            <a:avLst/>
-          </a:prstGeom>
-        </p:spPr>
-        <p:txBody>
-          <a:bodyPr anchorCtr="0" anchor="t" bIns="91425" lIns="91425" spcFirstLastPara="1" rIns="91425" wrap="square" tIns="91425">
-            <a:normAutofit fontScale="90000"/>
-          </a:bodyPr>
-          <a:lstStyle/>
-          <a:p>
-            <a:pPr indent="0" lvl="0" marL="0" rtl="0" algn="l">
-              <a:spcBef>
-                <a:spcPts val="0"/>
-              </a:spcBef>
-              <a:spcAft>
-                <a:spcPts val="0"/>
-              </a:spcAft>
-              <a:buNone/>
-            </a:pPr>
-            <a:r>
-              <a:rPr lang="pt-BR"/>
-              <a:t>Observações</a:t>
-            </a:r>
-            <a:endParaRPr/>
-          </a:p>
-        </p:txBody>
-      </p:sp>
-      <p:sp>
-        <p:nvSpPr>
-          <p:cNvPr id="158" name="Google Shape;158;p18"/>
-          <p:cNvSpPr txBox="1"/>
-          <p:nvPr>
-            <p:ph idx="1" type="body"/>
-          </p:nvPr>
-        </p:nvSpPr>
-        <p:spPr>
-          <a:xfrm>
-            <a:off x="729450" y="2078875"/>
-            <a:ext cx="4238400" cy="2669700"/>
-          </a:xfrm>
-          <a:prstGeom prst="rect">
-            <a:avLst/>
-          </a:prstGeom>
-        </p:spPr>
-        <p:txBody>
-          <a:bodyPr anchorCtr="0" anchor="t" bIns="91425" lIns="91425" spcFirstLastPara="1" rIns="91425" wrap="square" tIns="91425">
-            <a:normAutofit/>
-          </a:bodyPr>
-          <a:lstStyle/>
-          <a:p>
-            <a:pPr indent="-311150" lvl="0" marL="457200" rtl="0" algn="just">
-              <a:spcBef>
-                <a:spcPts val="0"/>
-              </a:spcBef>
-              <a:spcAft>
-                <a:spcPts val="0"/>
-              </a:spcAft>
-              <a:buSzPts val="1300"/>
-              <a:buChar char="●"/>
-            </a:pPr>
-            <a:r>
-              <a:rPr lang="pt-BR"/>
-              <a:t>Nas duas maneiras apontadas foram utilizados ponteiros para percorrer o vetor.</a:t>
-            </a:r>
-            <a:endParaRPr/>
-          </a:p>
-          <a:p>
-            <a:pPr indent="-311150" lvl="0" marL="457200" rtl="0" algn="just">
-              <a:spcBef>
-                <a:spcPts val="0"/>
-              </a:spcBef>
-              <a:spcAft>
-                <a:spcPts val="0"/>
-              </a:spcAft>
-              <a:buSzPts val="1300"/>
-              <a:buChar char="●"/>
-            </a:pPr>
-            <a:r>
-              <a:rPr lang="pt-BR"/>
-              <a:t>A ordenação do vetor permitiu a diminuição da complexidade da resolução do problema, visto que mais observações a respeito do problema puderam ser feitas.</a:t>
-            </a:r>
-            <a:endParaRPr/>
-          </a:p>
-          <a:p>
-            <a:pPr indent="-311150" lvl="0" marL="457200" rtl="0" algn="just">
-              <a:spcBef>
-                <a:spcPts val="0"/>
-              </a:spcBef>
-              <a:spcAft>
-                <a:spcPts val="0"/>
-              </a:spcAft>
-              <a:buSzPts val="1300"/>
-              <a:buChar char="●"/>
-            </a:pPr>
-            <a:r>
-              <a:rPr lang="pt-BR"/>
-              <a:t>A ordenação do vetor em conjunto a </a:t>
-            </a:r>
-            <a:r>
-              <a:rPr lang="pt-BR"/>
-              <a:t>técnica</a:t>
-            </a:r>
-            <a:r>
-              <a:rPr lang="pt-BR"/>
-              <a:t> de ponteiros para percorrer o vetor é uma ferramenta poderosa para formar pares de elementos</a:t>
-            </a:r>
-            <a:endParaRPr/>
-          </a:p>
-        </p:txBody>
-      </p:sp>
-      <p:graphicFrame>
-        <p:nvGraphicFramePr>
-          <p:cNvPr id="159" name="Google Shape;159;p18"/>
-          <p:cNvGraphicFramePr/>
-          <p:nvPr/>
-        </p:nvGraphicFramePr>
-        <p:xfrm>
-          <a:off x="5212500" y="3717425"/>
-          <a:ext cx="3000000" cy="3000000"/>
-        </p:xfrm>
-        <a:graphic>
-          <a:graphicData uri="http://schemas.openxmlformats.org/drawingml/2006/table">
-            <a:tbl>
-              <a:tblPr>
-                <a:noFill/>
-                <a:tableStyleId>{AC5D93D5-D9EF-4F30-BE87-26858EDDAA10}</a:tableStyleId>
-              </a:tblPr>
-              <a:tblGrid>
-                <a:gridCol w="382850"/>
-                <a:gridCol w="382850"/>
-                <a:gridCol w="382850"/>
-                <a:gridCol w="382850"/>
-                <a:gridCol w="382850"/>
-                <a:gridCol w="382850"/>
-              </a:tblGrid>
-              <a:tr h="381000">
-                <a:tc>
-                  <a:txBody>
-                    <a:bodyPr/>
-                    <a:lstStyle/>
-                    <a:p>
-                      <a:pPr indent="0" lvl="0" marL="0" rtl="0" algn="l">
-                        <a:spcBef>
-                          <a:spcPts val="0"/>
-                        </a:spcBef>
-                        <a:spcAft>
-                          <a:spcPts val="0"/>
-                        </a:spcAft>
-                        <a:buNone/>
-                      </a:pPr>
-                      <a:r>
-                        <a:rPr lang="pt-BR"/>
-                        <a:t>1</a:t>
-                      </a:r>
-                      <a:endParaRPr/>
-                    </a:p>
-                  </a:txBody>
-                  <a:tcPr marT="91425" marB="91425" marR="91425" marL="91425"/>
-                </a:tc>
-                <a:tc>
-                  <a:txBody>
-                    <a:bodyPr/>
-                    <a:lstStyle/>
-                    <a:p>
-                      <a:pPr indent="0" lvl="0" marL="0" rtl="0" algn="l">
-                        <a:spcBef>
-                          <a:spcPts val="0"/>
-                        </a:spcBef>
-                        <a:spcAft>
-                          <a:spcPts val="0"/>
-                        </a:spcAft>
-                        <a:buNone/>
-                      </a:pPr>
-                      <a:r>
-                        <a:rPr lang="pt-BR"/>
-                        <a:t>3</a:t>
-                      </a:r>
-                      <a:endParaRPr/>
-                    </a:p>
-                  </a:txBody>
-                  <a:tcPr marT="91425" marB="91425" marR="91425" marL="91425"/>
-                </a:tc>
-                <a:tc>
-                  <a:txBody>
-                    <a:bodyPr/>
-                    <a:lstStyle/>
-                    <a:p>
-                      <a:pPr indent="0" lvl="0" marL="0" rtl="0" algn="l">
-                        <a:spcBef>
-                          <a:spcPts val="0"/>
-                        </a:spcBef>
-                        <a:spcAft>
-                          <a:spcPts val="0"/>
-                        </a:spcAft>
-                        <a:buNone/>
-                      </a:pPr>
-                      <a:r>
-                        <a:rPr lang="pt-BR"/>
-                        <a:t>4</a:t>
-                      </a:r>
-                      <a:endParaRPr/>
-                    </a:p>
-                  </a:txBody>
-                  <a:tcPr marT="91425" marB="91425" marR="91425" marL="91425"/>
-                </a:tc>
-                <a:tc>
-                  <a:txBody>
-                    <a:bodyPr/>
-                    <a:lstStyle/>
-                    <a:p>
-                      <a:pPr indent="0" lvl="0" marL="0" rtl="0" algn="l">
-                        <a:spcBef>
-                          <a:spcPts val="0"/>
-                        </a:spcBef>
-                        <a:spcAft>
-                          <a:spcPts val="0"/>
-                        </a:spcAft>
-                        <a:buNone/>
-                      </a:pPr>
-                      <a:r>
-                        <a:rPr lang="pt-BR"/>
-                        <a:t>7</a:t>
-                      </a:r>
-                      <a:endParaRPr/>
-                    </a:p>
-                  </a:txBody>
-                  <a:tcPr marT="91425" marB="91425" marR="91425" marL="91425"/>
-                </a:tc>
-                <a:tc>
-                  <a:txBody>
-                    <a:bodyPr/>
-                    <a:lstStyle/>
-                    <a:p>
-                      <a:pPr indent="0" lvl="0" marL="0" rtl="0" algn="l">
-                        <a:spcBef>
-                          <a:spcPts val="0"/>
-                        </a:spcBef>
-                        <a:spcAft>
-                          <a:spcPts val="0"/>
-                        </a:spcAft>
-                        <a:buNone/>
-                      </a:pPr>
-                      <a:r>
-                        <a:rPr lang="pt-BR"/>
-                        <a:t>8</a:t>
-                      </a:r>
-                      <a:endParaRPr/>
-                    </a:p>
-                  </a:txBody>
-                  <a:tcPr marT="91425" marB="91425" marR="91425" marL="91425"/>
-                </a:tc>
-                <a:tc>
-                  <a:txBody>
-                    <a:bodyPr/>
-                    <a:lstStyle/>
-                    <a:p>
-                      <a:pPr indent="0" lvl="0" marL="0" rtl="0" algn="l">
-                        <a:spcBef>
-                          <a:spcPts val="0"/>
-                        </a:spcBef>
-                        <a:spcAft>
-                          <a:spcPts val="0"/>
-                        </a:spcAft>
-                        <a:buNone/>
-                      </a:pPr>
-                      <a:r>
-                        <a:rPr lang="pt-BR"/>
-                        <a:t>10</a:t>
-                      </a:r>
-                      <a:endParaRPr/>
-                    </a:p>
-                  </a:txBody>
-                  <a:tcPr marT="91425" marB="91425" marR="91425" marL="91425"/>
-                </a:tc>
-              </a:tr>
-            </a:tbl>
-          </a:graphicData>
-        </a:graphic>
-      </p:graphicFrame>
-      <p:sp>
-        <p:nvSpPr>
-          <p:cNvPr id="160" name="Google Shape;160;p18"/>
-          <p:cNvSpPr/>
-          <p:nvPr/>
-        </p:nvSpPr>
-        <p:spPr>
-          <a:xfrm>
-            <a:off x="5253525" y="4164600"/>
+            <a:off x="5392050" y="3418888"/>
             <a:ext cx="186300" cy="216300"/>
           </a:xfrm>
           <a:prstGeom prst="upArrow">
@@ -12562,13 +16246,809 @@
       </p:sp>
       <p:sp>
         <p:nvSpPr>
-          <p:cNvPr id="161" name="Google Shape;161;p18"/>
+          <p:cNvPr id="197" name="Google Shape;197;p20"/>
           <p:cNvSpPr/>
           <p:nvPr/>
         </p:nvSpPr>
         <p:spPr>
           <a:xfrm>
-            <a:off x="7245725" y="4164600"/>
+            <a:off x="5035825" y="3675088"/>
+            <a:ext cx="1636800" cy="46200"/>
+          </a:xfrm>
+          <a:prstGeom prst="rect">
+            <a:avLst/>
+          </a:prstGeom>
+          <a:solidFill>
+            <a:schemeClr val="lt2"/>
+          </a:solidFill>
+          <a:ln cap="flat" cmpd="sng" w="9525">
+            <a:solidFill>
+              <a:schemeClr val="dk2"/>
+            </a:solidFill>
+            <a:prstDash val="solid"/>
+            <a:round/>
+            <a:headEnd len="sm" w="sm" type="none"/>
+            <a:tailEnd len="sm" w="sm" type="none"/>
+          </a:ln>
+        </p:spPr>
+        <p:txBody>
+          <a:bodyPr anchorCtr="0" anchor="ctr" bIns="91425" lIns="91425" spcFirstLastPara="1" rIns="91425" wrap="square" tIns="91425">
+            <a:noAutofit/>
+          </a:bodyPr>
+          <a:lstStyle/>
+          <a:p>
+            <a:pPr indent="0" lvl="0" marL="0" rtl="0" algn="l">
+              <a:spcBef>
+                <a:spcPts val="0"/>
+              </a:spcBef>
+              <a:spcAft>
+                <a:spcPts val="0"/>
+              </a:spcAft>
+              <a:buNone/>
+            </a:pPr>
+            <a:r>
+              <a:t/>
+            </a:r>
+            <a:endParaRPr/>
+          </a:p>
+        </p:txBody>
+      </p:sp>
+      <p:sp>
+        <p:nvSpPr>
+          <p:cNvPr id="198" name="Google Shape;198;p20"/>
+          <p:cNvSpPr txBox="1"/>
+          <p:nvPr>
+            <p:ph idx="1" type="body"/>
+          </p:nvPr>
+        </p:nvSpPr>
+        <p:spPr>
+          <a:xfrm>
+            <a:off x="5528150" y="2594663"/>
+            <a:ext cx="1041300" cy="396300"/>
+          </a:xfrm>
+          <a:prstGeom prst="rect">
+            <a:avLst/>
+          </a:prstGeom>
+        </p:spPr>
+        <p:txBody>
+          <a:bodyPr anchorCtr="0" anchor="t" bIns="91425" lIns="91425" spcFirstLastPara="1" rIns="91425" wrap="square" tIns="91425">
+            <a:normAutofit/>
+          </a:bodyPr>
+          <a:lstStyle/>
+          <a:p>
+            <a:pPr indent="0" lvl="0" marL="0" rtl="0" algn="just">
+              <a:spcBef>
+                <a:spcPts val="0"/>
+              </a:spcBef>
+              <a:spcAft>
+                <a:spcPts val="1200"/>
+              </a:spcAft>
+              <a:buNone/>
+            </a:pPr>
+            <a:r>
+              <a:rPr lang="pt-BR"/>
+              <a:t>Maneira 2</a:t>
+            </a:r>
+            <a:endParaRPr/>
+          </a:p>
+        </p:txBody>
+      </p:sp>
+      <p:sp>
+        <p:nvSpPr>
+          <p:cNvPr id="199" name="Google Shape;199;p20"/>
+          <p:cNvSpPr txBox="1"/>
+          <p:nvPr>
+            <p:ph idx="1" type="body"/>
+          </p:nvPr>
+        </p:nvSpPr>
+        <p:spPr>
+          <a:xfrm>
+            <a:off x="7351000" y="2667328"/>
+            <a:ext cx="1410900" cy="1124700"/>
+          </a:xfrm>
+          <a:prstGeom prst="rect">
+            <a:avLst/>
+          </a:prstGeom>
+        </p:spPr>
+        <p:txBody>
+          <a:bodyPr anchorCtr="0" anchor="t" bIns="91425" lIns="91425" spcFirstLastPara="1" rIns="91425" wrap="square" tIns="91425">
+            <a:normAutofit lnSpcReduction="10000"/>
+          </a:bodyPr>
+          <a:lstStyle/>
+          <a:p>
+            <a:pPr indent="0" lvl="0" marL="0" rtl="0" algn="ctr">
+              <a:spcBef>
+                <a:spcPts val="0"/>
+              </a:spcBef>
+              <a:spcAft>
+                <a:spcPts val="0"/>
+              </a:spcAft>
+              <a:buNone/>
+            </a:pPr>
+            <a:r>
+              <a:rPr lang="pt-BR"/>
+              <a:t>Complexidade:</a:t>
+            </a:r>
+            <a:endParaRPr/>
+          </a:p>
+          <a:p>
+            <a:pPr indent="0" lvl="0" marL="0" rtl="0" algn="ctr">
+              <a:spcBef>
+                <a:spcPts val="1200"/>
+              </a:spcBef>
+              <a:spcAft>
+                <a:spcPts val="0"/>
+              </a:spcAft>
+              <a:buNone/>
+            </a:pPr>
+            <a:r>
+              <a:rPr lang="pt-BR"/>
+              <a:t>O(N(N-1)/2) </a:t>
+            </a:r>
+            <a:endParaRPr/>
+          </a:p>
+          <a:p>
+            <a:pPr indent="0" lvl="0" marL="0" rtl="0" algn="ctr">
+              <a:spcBef>
+                <a:spcPts val="1200"/>
+              </a:spcBef>
+              <a:spcAft>
+                <a:spcPts val="1200"/>
+              </a:spcAft>
+              <a:buNone/>
+            </a:pPr>
+            <a:r>
+              <a:rPr lang="pt-BR"/>
+              <a:t>O(N²)</a:t>
+            </a:r>
+            <a:endParaRPr/>
+          </a:p>
+        </p:txBody>
+      </p:sp>
+      <p:sp>
+        <p:nvSpPr>
+          <p:cNvPr id="200" name="Google Shape;200;p20"/>
+          <p:cNvSpPr/>
+          <p:nvPr/>
+        </p:nvSpPr>
+        <p:spPr>
+          <a:xfrm>
+            <a:off x="1496950" y="4237375"/>
+            <a:ext cx="379800" cy="387900"/>
+          </a:xfrm>
+          <a:prstGeom prst="roundRect">
+            <a:avLst>
+              <a:gd fmla="val 16667" name="adj"/>
+            </a:avLst>
+          </a:prstGeom>
+          <a:solidFill>
+            <a:schemeClr val="lt2"/>
+          </a:solidFill>
+          <a:ln cap="flat" cmpd="sng" w="9525">
+            <a:solidFill>
+              <a:schemeClr val="dk2"/>
+            </a:solidFill>
+            <a:prstDash val="solid"/>
+            <a:round/>
+            <a:headEnd len="sm" w="sm" type="none"/>
+            <a:tailEnd len="sm" w="sm" type="none"/>
+          </a:ln>
+        </p:spPr>
+        <p:txBody>
+          <a:bodyPr anchorCtr="0" anchor="ctr" bIns="91425" lIns="91425" spcFirstLastPara="1" rIns="91425" wrap="square" tIns="91425">
+            <a:noAutofit/>
+          </a:bodyPr>
+          <a:lstStyle/>
+          <a:p>
+            <a:pPr indent="0" lvl="0" marL="0" rtl="0" algn="l">
+              <a:spcBef>
+                <a:spcPts val="0"/>
+              </a:spcBef>
+              <a:spcAft>
+                <a:spcPts val="0"/>
+              </a:spcAft>
+              <a:buNone/>
+            </a:pPr>
+            <a:r>
+              <a:t/>
+            </a:r>
+            <a:endParaRPr/>
+          </a:p>
+        </p:txBody>
+      </p:sp>
+      <p:graphicFrame>
+        <p:nvGraphicFramePr>
+          <p:cNvPr id="201" name="Google Shape;201;p20"/>
+          <p:cNvGraphicFramePr/>
+          <p:nvPr/>
+        </p:nvGraphicFramePr>
+        <p:xfrm>
+          <a:off x="731250" y="4233225"/>
+          <a:ext cx="3000000" cy="3000000"/>
+        </p:xfrm>
+        <a:graphic>
+          <a:graphicData uri="http://schemas.openxmlformats.org/drawingml/2006/table">
+            <a:tbl>
+              <a:tblPr>
+                <a:noFill/>
+                <a:tableStyleId>{AA37B769-EBB0-46AA-AC90-2418E12BA53B}</a:tableStyleId>
+              </a:tblPr>
+              <a:tblGrid>
+                <a:gridCol w="382850"/>
+                <a:gridCol w="382850"/>
+                <a:gridCol w="382850"/>
+                <a:gridCol w="382850"/>
+                <a:gridCol w="382850"/>
+                <a:gridCol w="382850"/>
+              </a:tblGrid>
+              <a:tr h="381000">
+                <a:tc>
+                  <a:txBody>
+                    <a:bodyPr/>
+                    <a:lstStyle/>
+                    <a:p>
+                      <a:pPr indent="0" lvl="0" marL="0" rtl="0" algn="l">
+                        <a:spcBef>
+                          <a:spcPts val="0"/>
+                        </a:spcBef>
+                        <a:spcAft>
+                          <a:spcPts val="0"/>
+                        </a:spcAft>
+                        <a:buNone/>
+                      </a:pPr>
+                      <a:r>
+                        <a:rPr lang="pt-BR"/>
+                        <a:t>1</a:t>
+                      </a:r>
+                      <a:endParaRPr/>
+                    </a:p>
+                  </a:txBody>
+                  <a:tcPr marT="91425" marB="91425" marR="91425" marL="91425"/>
+                </a:tc>
+                <a:tc>
+                  <a:txBody>
+                    <a:bodyPr/>
+                    <a:lstStyle/>
+                    <a:p>
+                      <a:pPr indent="0" lvl="0" marL="0" rtl="0" algn="l">
+                        <a:spcBef>
+                          <a:spcPts val="0"/>
+                        </a:spcBef>
+                        <a:spcAft>
+                          <a:spcPts val="0"/>
+                        </a:spcAft>
+                        <a:buNone/>
+                      </a:pPr>
+                      <a:r>
+                        <a:rPr lang="pt-BR"/>
+                        <a:t>3</a:t>
+                      </a:r>
+                      <a:endParaRPr/>
+                    </a:p>
+                  </a:txBody>
+                  <a:tcPr marT="91425" marB="91425" marR="91425" marL="91425"/>
+                </a:tc>
+                <a:tc>
+                  <a:txBody>
+                    <a:bodyPr/>
+                    <a:lstStyle/>
+                    <a:p>
+                      <a:pPr indent="0" lvl="0" marL="0" rtl="0" algn="l">
+                        <a:spcBef>
+                          <a:spcPts val="0"/>
+                        </a:spcBef>
+                        <a:spcAft>
+                          <a:spcPts val="0"/>
+                        </a:spcAft>
+                        <a:buNone/>
+                      </a:pPr>
+                      <a:r>
+                        <a:rPr lang="pt-BR"/>
+                        <a:t>4</a:t>
+                      </a:r>
+                      <a:endParaRPr/>
+                    </a:p>
+                  </a:txBody>
+                  <a:tcPr marT="91425" marB="91425" marR="91425" marL="91425"/>
+                </a:tc>
+                <a:tc>
+                  <a:txBody>
+                    <a:bodyPr/>
+                    <a:lstStyle/>
+                    <a:p>
+                      <a:pPr indent="0" lvl="0" marL="0" rtl="0" algn="l">
+                        <a:spcBef>
+                          <a:spcPts val="0"/>
+                        </a:spcBef>
+                        <a:spcAft>
+                          <a:spcPts val="0"/>
+                        </a:spcAft>
+                        <a:buNone/>
+                      </a:pPr>
+                      <a:r>
+                        <a:rPr lang="pt-BR"/>
+                        <a:t>7</a:t>
+                      </a:r>
+                      <a:endParaRPr/>
+                    </a:p>
+                  </a:txBody>
+                  <a:tcPr marT="91425" marB="91425" marR="91425" marL="91425"/>
+                </a:tc>
+                <a:tc>
+                  <a:txBody>
+                    <a:bodyPr/>
+                    <a:lstStyle/>
+                    <a:p>
+                      <a:pPr indent="0" lvl="0" marL="0" rtl="0" algn="l">
+                        <a:spcBef>
+                          <a:spcPts val="0"/>
+                        </a:spcBef>
+                        <a:spcAft>
+                          <a:spcPts val="0"/>
+                        </a:spcAft>
+                        <a:buNone/>
+                      </a:pPr>
+                      <a:r>
+                        <a:rPr lang="pt-BR"/>
+                        <a:t>8</a:t>
+                      </a:r>
+                      <a:endParaRPr/>
+                    </a:p>
+                  </a:txBody>
+                  <a:tcPr marT="91425" marB="91425" marR="91425" marL="91425"/>
+                </a:tc>
+                <a:tc>
+                  <a:txBody>
+                    <a:bodyPr/>
+                    <a:lstStyle/>
+                    <a:p>
+                      <a:pPr indent="0" lvl="0" marL="0" rtl="0" algn="l">
+                        <a:spcBef>
+                          <a:spcPts val="0"/>
+                        </a:spcBef>
+                        <a:spcAft>
+                          <a:spcPts val="0"/>
+                        </a:spcAft>
+                        <a:buNone/>
+                      </a:pPr>
+                      <a:r>
+                        <a:rPr lang="pt-BR"/>
+                        <a:t>10</a:t>
+                      </a:r>
+                      <a:endParaRPr/>
+                    </a:p>
+                  </a:txBody>
+                  <a:tcPr marT="91425" marB="91425" marR="91425" marL="91425"/>
+                </a:tc>
+              </a:tr>
+            </a:tbl>
+          </a:graphicData>
+        </a:graphic>
+      </p:graphicFrame>
+      <p:sp>
+        <p:nvSpPr>
+          <p:cNvPr id="202" name="Google Shape;202;p20"/>
+          <p:cNvSpPr/>
+          <p:nvPr/>
+        </p:nvSpPr>
+        <p:spPr>
+          <a:xfrm>
+            <a:off x="731250" y="4667913"/>
+            <a:ext cx="186300" cy="276900"/>
+          </a:xfrm>
+          <a:prstGeom prst="upArrow">
+            <a:avLst>
+              <a:gd fmla="val 50000" name="adj1"/>
+              <a:gd fmla="val 50000" name="adj2"/>
+            </a:avLst>
+          </a:prstGeom>
+          <a:solidFill>
+            <a:schemeClr val="accent3"/>
+          </a:solidFill>
+          <a:ln cap="flat" cmpd="sng" w="9525">
+            <a:solidFill>
+              <a:schemeClr val="dk2"/>
+            </a:solidFill>
+            <a:prstDash val="solid"/>
+            <a:round/>
+            <a:headEnd len="sm" w="sm" type="none"/>
+            <a:tailEnd len="sm" w="sm" type="none"/>
+          </a:ln>
+        </p:spPr>
+        <p:txBody>
+          <a:bodyPr anchorCtr="0" anchor="ctr" bIns="91425" lIns="91425" spcFirstLastPara="1" rIns="91425" wrap="square" tIns="91425">
+            <a:noAutofit/>
+          </a:bodyPr>
+          <a:lstStyle/>
+          <a:p>
+            <a:pPr indent="0" lvl="0" marL="0" rtl="0" algn="l">
+              <a:spcBef>
+                <a:spcPts val="0"/>
+              </a:spcBef>
+              <a:spcAft>
+                <a:spcPts val="0"/>
+              </a:spcAft>
+              <a:buNone/>
+            </a:pPr>
+            <a:r>
+              <a:t/>
+            </a:r>
+            <a:endParaRPr/>
+          </a:p>
+        </p:txBody>
+      </p:sp>
+      <p:sp>
+        <p:nvSpPr>
+          <p:cNvPr id="203" name="Google Shape;203;p20"/>
+          <p:cNvSpPr txBox="1"/>
+          <p:nvPr>
+            <p:ph idx="1" type="body"/>
+          </p:nvPr>
+        </p:nvSpPr>
+        <p:spPr>
+          <a:xfrm>
+            <a:off x="1209550" y="3790674"/>
+            <a:ext cx="1350300" cy="396300"/>
+          </a:xfrm>
+          <a:prstGeom prst="rect">
+            <a:avLst/>
+          </a:prstGeom>
+        </p:spPr>
+        <p:txBody>
+          <a:bodyPr anchorCtr="0" anchor="t" bIns="91425" lIns="91425" spcFirstLastPara="1" rIns="91425" wrap="square" tIns="91425">
+            <a:normAutofit/>
+          </a:bodyPr>
+          <a:lstStyle/>
+          <a:p>
+            <a:pPr indent="0" lvl="0" marL="0" rtl="0" algn="just">
+              <a:spcBef>
+                <a:spcPts val="0"/>
+              </a:spcBef>
+              <a:spcAft>
+                <a:spcPts val="1200"/>
+              </a:spcAft>
+              <a:buNone/>
+            </a:pPr>
+            <a:r>
+              <a:rPr lang="pt-BR"/>
+              <a:t>Busca binária</a:t>
+            </a:r>
+            <a:endParaRPr/>
+          </a:p>
+        </p:txBody>
+      </p:sp>
+      <p:sp>
+        <p:nvSpPr>
+          <p:cNvPr id="204" name="Google Shape;204;p20"/>
+          <p:cNvSpPr txBox="1"/>
+          <p:nvPr>
+            <p:ph idx="1" type="body"/>
+          </p:nvPr>
+        </p:nvSpPr>
+        <p:spPr>
+          <a:xfrm>
+            <a:off x="3201475" y="3965425"/>
+            <a:ext cx="1410900" cy="931800"/>
+          </a:xfrm>
+          <a:prstGeom prst="rect">
+            <a:avLst/>
+          </a:prstGeom>
+        </p:spPr>
+        <p:txBody>
+          <a:bodyPr anchorCtr="0" anchor="t" bIns="91425" lIns="91425" spcFirstLastPara="1" rIns="91425" wrap="square" tIns="91425">
+            <a:normAutofit/>
+          </a:bodyPr>
+          <a:lstStyle/>
+          <a:p>
+            <a:pPr indent="0" lvl="0" marL="0" rtl="0" algn="ctr">
+              <a:spcBef>
+                <a:spcPts val="0"/>
+              </a:spcBef>
+              <a:spcAft>
+                <a:spcPts val="0"/>
+              </a:spcAft>
+              <a:buNone/>
+            </a:pPr>
+            <a:r>
+              <a:rPr lang="pt-BR"/>
+              <a:t>Complexidade:</a:t>
+            </a:r>
+            <a:endParaRPr/>
+          </a:p>
+          <a:p>
+            <a:pPr indent="0" lvl="0" marL="0" rtl="0" algn="ctr">
+              <a:spcBef>
+                <a:spcPts val="1200"/>
+              </a:spcBef>
+              <a:spcAft>
+                <a:spcPts val="1200"/>
+              </a:spcAft>
+              <a:buNone/>
+            </a:pPr>
+            <a:r>
+              <a:rPr lang="pt-BR"/>
+              <a:t>O(Nlog(N))</a:t>
+            </a:r>
+            <a:endParaRPr/>
+          </a:p>
+        </p:txBody>
+      </p:sp>
+      <p:sp>
+        <p:nvSpPr>
+          <p:cNvPr id="205" name="Google Shape;205;p20"/>
+          <p:cNvSpPr/>
+          <p:nvPr/>
+        </p:nvSpPr>
+        <p:spPr>
+          <a:xfrm>
+            <a:off x="6167375" y="4874375"/>
+            <a:ext cx="887100" cy="46200"/>
+          </a:xfrm>
+          <a:prstGeom prst="rect">
+            <a:avLst/>
+          </a:prstGeom>
+          <a:solidFill>
+            <a:schemeClr val="lt2"/>
+          </a:solidFill>
+          <a:ln cap="flat" cmpd="sng" w="9525">
+            <a:solidFill>
+              <a:schemeClr val="dk2"/>
+            </a:solidFill>
+            <a:prstDash val="solid"/>
+            <a:round/>
+            <a:headEnd len="sm" w="sm" type="none"/>
+            <a:tailEnd len="sm" w="sm" type="none"/>
+          </a:ln>
+        </p:spPr>
+        <p:txBody>
+          <a:bodyPr anchorCtr="0" anchor="ctr" bIns="91425" lIns="91425" spcFirstLastPara="1" rIns="91425" wrap="square" tIns="91425">
+            <a:noAutofit/>
+          </a:bodyPr>
+          <a:lstStyle/>
+          <a:p>
+            <a:pPr indent="0" lvl="0" marL="0" rtl="0" algn="l">
+              <a:spcBef>
+                <a:spcPts val="0"/>
+              </a:spcBef>
+              <a:spcAft>
+                <a:spcPts val="0"/>
+              </a:spcAft>
+              <a:buNone/>
+            </a:pPr>
+            <a:r>
+              <a:t/>
+            </a:r>
+            <a:endParaRPr/>
+          </a:p>
+        </p:txBody>
+      </p:sp>
+      <p:sp>
+        <p:nvSpPr>
+          <p:cNvPr id="206" name="Google Shape;206;p20"/>
+          <p:cNvSpPr/>
+          <p:nvPr/>
+        </p:nvSpPr>
+        <p:spPr>
+          <a:xfrm>
+            <a:off x="4992900" y="4874375"/>
+            <a:ext cx="839100" cy="46200"/>
+          </a:xfrm>
+          <a:prstGeom prst="rect">
+            <a:avLst/>
+          </a:prstGeom>
+          <a:solidFill>
+            <a:schemeClr val="lt2"/>
+          </a:solidFill>
+          <a:ln cap="flat" cmpd="sng" w="9525">
+            <a:solidFill>
+              <a:schemeClr val="dk2"/>
+            </a:solidFill>
+            <a:prstDash val="solid"/>
+            <a:round/>
+            <a:headEnd len="sm" w="sm" type="none"/>
+            <a:tailEnd len="sm" w="sm" type="none"/>
+          </a:ln>
+        </p:spPr>
+        <p:txBody>
+          <a:bodyPr anchorCtr="0" anchor="ctr" bIns="91425" lIns="91425" spcFirstLastPara="1" rIns="91425" wrap="square" tIns="91425">
+            <a:noAutofit/>
+          </a:bodyPr>
+          <a:lstStyle/>
+          <a:p>
+            <a:pPr indent="0" lvl="0" marL="0" rtl="0" algn="l">
+              <a:spcBef>
+                <a:spcPts val="0"/>
+              </a:spcBef>
+              <a:spcAft>
+                <a:spcPts val="0"/>
+              </a:spcAft>
+              <a:buNone/>
+            </a:pPr>
+            <a:r>
+              <a:t/>
+            </a:r>
+            <a:endParaRPr/>
+          </a:p>
+        </p:txBody>
+      </p:sp>
+      <p:graphicFrame>
+        <p:nvGraphicFramePr>
+          <p:cNvPr id="207" name="Google Shape;207;p20"/>
+          <p:cNvGraphicFramePr/>
+          <p:nvPr/>
+        </p:nvGraphicFramePr>
+        <p:xfrm>
+          <a:off x="4902050" y="4257100"/>
+          <a:ext cx="3000000" cy="3000000"/>
+        </p:xfrm>
+        <a:graphic>
+          <a:graphicData uri="http://schemas.openxmlformats.org/drawingml/2006/table">
+            <a:tbl>
+              <a:tblPr>
+                <a:noFill/>
+                <a:tableStyleId>{AA37B769-EBB0-46AA-AC90-2418E12BA53B}</a:tableStyleId>
+              </a:tblPr>
+              <a:tblGrid>
+                <a:gridCol w="382850"/>
+                <a:gridCol w="382850"/>
+                <a:gridCol w="382850"/>
+                <a:gridCol w="382850"/>
+                <a:gridCol w="382850"/>
+                <a:gridCol w="382850"/>
+              </a:tblGrid>
+              <a:tr h="381000">
+                <a:tc>
+                  <a:txBody>
+                    <a:bodyPr/>
+                    <a:lstStyle/>
+                    <a:p>
+                      <a:pPr indent="0" lvl="0" marL="0" rtl="0" algn="l">
+                        <a:spcBef>
+                          <a:spcPts val="0"/>
+                        </a:spcBef>
+                        <a:spcAft>
+                          <a:spcPts val="0"/>
+                        </a:spcAft>
+                        <a:buNone/>
+                      </a:pPr>
+                      <a:r>
+                        <a:rPr lang="pt-BR"/>
+                        <a:t>1</a:t>
+                      </a:r>
+                      <a:endParaRPr/>
+                    </a:p>
+                  </a:txBody>
+                  <a:tcPr marT="91425" marB="91425" marR="91425" marL="91425"/>
+                </a:tc>
+                <a:tc>
+                  <a:txBody>
+                    <a:bodyPr/>
+                    <a:lstStyle/>
+                    <a:p>
+                      <a:pPr indent="0" lvl="0" marL="0" rtl="0" algn="l">
+                        <a:spcBef>
+                          <a:spcPts val="0"/>
+                        </a:spcBef>
+                        <a:spcAft>
+                          <a:spcPts val="0"/>
+                        </a:spcAft>
+                        <a:buNone/>
+                      </a:pPr>
+                      <a:r>
+                        <a:rPr lang="pt-BR"/>
+                        <a:t>3</a:t>
+                      </a:r>
+                      <a:endParaRPr/>
+                    </a:p>
+                  </a:txBody>
+                  <a:tcPr marT="91425" marB="91425" marR="91425" marL="91425"/>
+                </a:tc>
+                <a:tc>
+                  <a:txBody>
+                    <a:bodyPr/>
+                    <a:lstStyle/>
+                    <a:p>
+                      <a:pPr indent="0" lvl="0" marL="0" rtl="0" algn="l">
+                        <a:spcBef>
+                          <a:spcPts val="0"/>
+                        </a:spcBef>
+                        <a:spcAft>
+                          <a:spcPts val="0"/>
+                        </a:spcAft>
+                        <a:buNone/>
+                      </a:pPr>
+                      <a:r>
+                        <a:rPr lang="pt-BR"/>
+                        <a:t>4</a:t>
+                      </a:r>
+                      <a:endParaRPr/>
+                    </a:p>
+                  </a:txBody>
+                  <a:tcPr marT="91425" marB="91425" marR="91425" marL="91425"/>
+                </a:tc>
+                <a:tc>
+                  <a:txBody>
+                    <a:bodyPr/>
+                    <a:lstStyle/>
+                    <a:p>
+                      <a:pPr indent="0" lvl="0" marL="0" rtl="0" algn="l">
+                        <a:spcBef>
+                          <a:spcPts val="0"/>
+                        </a:spcBef>
+                        <a:spcAft>
+                          <a:spcPts val="0"/>
+                        </a:spcAft>
+                        <a:buNone/>
+                      </a:pPr>
+                      <a:r>
+                        <a:rPr lang="pt-BR"/>
+                        <a:t>7</a:t>
+                      </a:r>
+                      <a:endParaRPr/>
+                    </a:p>
+                  </a:txBody>
+                  <a:tcPr marT="91425" marB="91425" marR="91425" marL="91425"/>
+                </a:tc>
+                <a:tc>
+                  <a:txBody>
+                    <a:bodyPr/>
+                    <a:lstStyle/>
+                    <a:p>
+                      <a:pPr indent="0" lvl="0" marL="0" rtl="0" algn="l">
+                        <a:spcBef>
+                          <a:spcPts val="0"/>
+                        </a:spcBef>
+                        <a:spcAft>
+                          <a:spcPts val="0"/>
+                        </a:spcAft>
+                        <a:buNone/>
+                      </a:pPr>
+                      <a:r>
+                        <a:rPr lang="pt-BR"/>
+                        <a:t>8</a:t>
+                      </a:r>
+                      <a:endParaRPr/>
+                    </a:p>
+                  </a:txBody>
+                  <a:tcPr marT="91425" marB="91425" marR="91425" marL="91425"/>
+                </a:tc>
+                <a:tc>
+                  <a:txBody>
+                    <a:bodyPr/>
+                    <a:lstStyle/>
+                    <a:p>
+                      <a:pPr indent="0" lvl="0" marL="0" rtl="0" algn="l">
+                        <a:spcBef>
+                          <a:spcPts val="0"/>
+                        </a:spcBef>
+                        <a:spcAft>
+                          <a:spcPts val="0"/>
+                        </a:spcAft>
+                        <a:buNone/>
+                      </a:pPr>
+                      <a:r>
+                        <a:rPr lang="pt-BR"/>
+                        <a:t>10</a:t>
+                      </a:r>
+                      <a:endParaRPr/>
+                    </a:p>
+                  </a:txBody>
+                  <a:tcPr marT="91425" marB="91425" marR="91425" marL="91425"/>
+                </a:tc>
+              </a:tr>
+            </a:tbl>
+          </a:graphicData>
+        </a:graphic>
+      </p:graphicFrame>
+      <p:sp>
+        <p:nvSpPr>
+          <p:cNvPr id="208" name="Google Shape;208;p20"/>
+          <p:cNvSpPr/>
+          <p:nvPr/>
+        </p:nvSpPr>
+        <p:spPr>
+          <a:xfrm>
+            <a:off x="4943075" y="4704275"/>
             <a:ext cx="186300" cy="216300"/>
           </a:xfrm>
           <a:prstGeom prst="upArrow">
@@ -12612,236 +17092,15 @@
           </a:p>
         </p:txBody>
       </p:sp>
-      <p:graphicFrame>
-        <p:nvGraphicFramePr>
-          <p:cNvPr id="162" name="Google Shape;162;p18"/>
-          <p:cNvGraphicFramePr/>
-          <p:nvPr/>
-        </p:nvGraphicFramePr>
-        <p:xfrm>
-          <a:off x="5214300" y="2467000"/>
-          <a:ext cx="3000000" cy="3000000"/>
-        </p:xfrm>
-        <a:graphic>
-          <a:graphicData uri="http://schemas.openxmlformats.org/drawingml/2006/table">
-            <a:tbl>
-              <a:tblPr>
-                <a:noFill/>
-                <a:tableStyleId>{AC5D93D5-D9EF-4F30-BE87-26858EDDAA10}</a:tableStyleId>
-              </a:tblPr>
-              <a:tblGrid>
-                <a:gridCol w="382850"/>
-                <a:gridCol w="382850"/>
-                <a:gridCol w="382850"/>
-                <a:gridCol w="382850"/>
-                <a:gridCol w="382850"/>
-                <a:gridCol w="382850"/>
-              </a:tblGrid>
-              <a:tr h="381000">
-                <a:tc>
-                  <a:txBody>
-                    <a:bodyPr/>
-                    <a:lstStyle/>
-                    <a:p>
-                      <a:pPr indent="0" lvl="0" marL="0" rtl="0" algn="l">
-                        <a:spcBef>
-                          <a:spcPts val="0"/>
-                        </a:spcBef>
-                        <a:spcAft>
-                          <a:spcPts val="0"/>
-                        </a:spcAft>
-                        <a:buNone/>
-                      </a:pPr>
-                      <a:r>
-                        <a:rPr lang="pt-BR"/>
-                        <a:t>10</a:t>
-                      </a:r>
-                      <a:endParaRPr/>
-                    </a:p>
-                  </a:txBody>
-                  <a:tcPr marT="91425" marB="91425" marR="91425" marL="91425"/>
-                </a:tc>
-                <a:tc>
-                  <a:txBody>
-                    <a:bodyPr/>
-                    <a:lstStyle/>
-                    <a:p>
-                      <a:pPr indent="0" lvl="0" marL="0" rtl="0" algn="l">
-                        <a:spcBef>
-                          <a:spcPts val="0"/>
-                        </a:spcBef>
-                        <a:spcAft>
-                          <a:spcPts val="0"/>
-                        </a:spcAft>
-                        <a:buNone/>
-                      </a:pPr>
-                      <a:r>
-                        <a:rPr lang="pt-BR"/>
-                        <a:t>3</a:t>
-                      </a:r>
-                      <a:endParaRPr/>
-                    </a:p>
-                  </a:txBody>
-                  <a:tcPr marT="91425" marB="91425" marR="91425" marL="91425"/>
-                </a:tc>
-                <a:tc>
-                  <a:txBody>
-                    <a:bodyPr/>
-                    <a:lstStyle/>
-                    <a:p>
-                      <a:pPr indent="0" lvl="0" marL="0" rtl="0" algn="l">
-                        <a:spcBef>
-                          <a:spcPts val="0"/>
-                        </a:spcBef>
-                        <a:spcAft>
-                          <a:spcPts val="0"/>
-                        </a:spcAft>
-                        <a:buNone/>
-                      </a:pPr>
-                      <a:r>
-                        <a:rPr lang="pt-BR"/>
-                        <a:t>1</a:t>
-                      </a:r>
-                      <a:endParaRPr/>
-                    </a:p>
-                  </a:txBody>
-                  <a:tcPr marT="91425" marB="91425" marR="91425" marL="91425"/>
-                </a:tc>
-                <a:tc>
-                  <a:txBody>
-                    <a:bodyPr/>
-                    <a:lstStyle/>
-                    <a:p>
-                      <a:pPr indent="0" lvl="0" marL="0" rtl="0" algn="l">
-                        <a:spcBef>
-                          <a:spcPts val="0"/>
-                        </a:spcBef>
-                        <a:spcAft>
-                          <a:spcPts val="0"/>
-                        </a:spcAft>
-                        <a:buNone/>
-                      </a:pPr>
-                      <a:r>
-                        <a:rPr lang="pt-BR"/>
-                        <a:t>4</a:t>
-                      </a:r>
-                      <a:endParaRPr/>
-                    </a:p>
-                  </a:txBody>
-                  <a:tcPr marT="91425" marB="91425" marR="91425" marL="91425"/>
-                </a:tc>
-                <a:tc>
-                  <a:txBody>
-                    <a:bodyPr/>
-                    <a:lstStyle/>
-                    <a:p>
-                      <a:pPr indent="0" lvl="0" marL="0" rtl="0" algn="l">
-                        <a:spcBef>
-                          <a:spcPts val="0"/>
-                        </a:spcBef>
-                        <a:spcAft>
-                          <a:spcPts val="0"/>
-                        </a:spcAft>
-                        <a:buNone/>
-                      </a:pPr>
-                      <a:r>
-                        <a:rPr lang="pt-BR"/>
-                        <a:t>8</a:t>
-                      </a:r>
-                      <a:endParaRPr/>
-                    </a:p>
-                  </a:txBody>
-                  <a:tcPr marT="91425" marB="91425" marR="91425" marL="91425"/>
-                </a:tc>
-                <a:tc>
-                  <a:txBody>
-                    <a:bodyPr/>
-                    <a:lstStyle/>
-                    <a:p>
-                      <a:pPr indent="0" lvl="0" marL="0" rtl="0" algn="l">
-                        <a:spcBef>
-                          <a:spcPts val="0"/>
-                        </a:spcBef>
-                        <a:spcAft>
-                          <a:spcPts val="0"/>
-                        </a:spcAft>
-                        <a:buNone/>
-                      </a:pPr>
-                      <a:r>
-                        <a:rPr lang="pt-BR"/>
-                        <a:t>7</a:t>
-                      </a:r>
-                      <a:endParaRPr/>
-                    </a:p>
-                  </a:txBody>
-                  <a:tcPr marT="91425" marB="91425" marR="91425" marL="91425"/>
-                </a:tc>
-              </a:tr>
-            </a:tbl>
-          </a:graphicData>
-        </a:graphic>
-      </p:graphicFrame>
       <p:sp>
         <p:nvSpPr>
-          <p:cNvPr id="163" name="Google Shape;163;p18"/>
+          <p:cNvPr id="209" name="Google Shape;209;p20"/>
           <p:cNvSpPr/>
           <p:nvPr/>
         </p:nvSpPr>
         <p:spPr>
           <a:xfrm>
-            <a:off x="5303350" y="2882425"/>
-            <a:ext cx="186300" cy="276900"/>
-          </a:xfrm>
-          <a:prstGeom prst="upArrow">
-            <a:avLst>
-              <a:gd fmla="val 50000" name="adj1"/>
-              <a:gd fmla="val 50000" name="adj2"/>
-            </a:avLst>
-          </a:prstGeom>
-          <a:solidFill>
-            <a:schemeClr val="lt2"/>
-          </a:solidFill>
-          <a:ln cap="flat" cmpd="sng" w="9525">
-            <a:solidFill>
-              <a:schemeClr val="dk2"/>
-            </a:solidFill>
-            <a:prstDash val="solid"/>
-            <a:round/>
-            <a:headEnd len="sm" w="sm" type="none"/>
-            <a:tailEnd len="sm" w="sm" type="none"/>
-          </a:ln>
-        </p:spPr>
-        <p:txBody>
-          <a:bodyPr anchorCtr="0" anchor="ctr" bIns="91425" lIns="91425" spcFirstLastPara="1" rIns="91425" wrap="square" tIns="91425">
-            <a:noAutofit/>
-          </a:bodyPr>
-          <a:lstStyle/>
-          <a:p>
-            <a:pPr indent="0" lvl="0" marL="0" rtl="0" algn="l">
-              <a:spcBef>
-                <a:spcPts val="0"/>
-              </a:spcBef>
-              <a:spcAft>
-                <a:spcPts val="0"/>
-              </a:spcAft>
-              <a:buNone/>
-            </a:pPr>
-            <a:r>
-              <a:t/>
-            </a:r>
-            <a:endParaRPr/>
-          </a:p>
-        </p:txBody>
-      </p:sp>
-      <p:sp>
-        <p:nvSpPr>
-          <p:cNvPr id="164" name="Google Shape;164;p18"/>
-          <p:cNvSpPr/>
-          <p:nvPr/>
-        </p:nvSpPr>
-        <p:spPr>
-          <a:xfrm>
-            <a:off x="5704300" y="2903100"/>
+            <a:off x="6935275" y="4704275"/>
             <a:ext cx="186300" cy="216300"/>
           </a:xfrm>
           <a:prstGeom prst="upArrow">
@@ -12887,7 +17146,7 @@
       </p:sp>
       <p:sp>
         <p:nvSpPr>
-          <p:cNvPr id="165" name="Google Shape;165;p18"/>
+          <p:cNvPr id="210" name="Google Shape;210;p20"/>
           <p:cNvSpPr txBox="1"/>
           <p:nvPr>
             <p:ph idx="1" type="body"/>
@@ -12895,8 +17154,8 @@
         </p:nvSpPr>
         <p:spPr>
           <a:xfrm>
-            <a:off x="5840400" y="3293500"/>
-            <a:ext cx="1041300" cy="471900"/>
+            <a:off x="7351000" y="3866725"/>
+            <a:ext cx="1410900" cy="1129200"/>
           </a:xfrm>
           <a:prstGeom prst="rect">
             <a:avLst/>
@@ -12904,22 +17163,54 @@
         </p:spPr>
         <p:txBody>
           <a:bodyPr anchorCtr="0" anchor="t" bIns="91425" lIns="91425" spcFirstLastPara="1" rIns="91425" wrap="square" tIns="91425">
-            <a:normAutofit/>
+            <a:normAutofit lnSpcReduction="10000"/>
           </a:bodyPr>
           <a:lstStyle/>
           <a:p>
-            <a:pPr indent="0" lvl="0" marL="0" rtl="0" algn="just">
-              <a:spcBef>
-                <a:spcPts val="0"/>
-              </a:spcBef>
-              <a:spcAft>
-                <a:spcPts val="1200"/>
+            <a:pPr indent="0" lvl="0" marL="0" rtl="0" algn="ctr">
+              <a:spcBef>
+                <a:spcPts val="0"/>
+              </a:spcBef>
+              <a:spcAft>
+                <a:spcPts val="0"/>
               </a:spcAft>
               <a:buNone/>
             </a:pPr>
             <a:r>
               <a:rPr lang="pt-BR"/>
-              <a:t>Maneira 2</a:t>
+              <a:t>Complexidade:</a:t>
+            </a:r>
+            <a:endParaRPr/>
+          </a:p>
+          <a:p>
+            <a:pPr indent="0" lvl="0" marL="0" rtl="0" algn="ctr">
+              <a:spcBef>
+                <a:spcPts val="1200"/>
+              </a:spcBef>
+              <a:spcAft>
+                <a:spcPts val="0"/>
+              </a:spcAft>
+              <a:buNone/>
+            </a:pPr>
+            <a:r>
+              <a:rPr lang="pt-BR"/>
+              <a:t>O(log(N)+N)</a:t>
+            </a:r>
+            <a:endParaRPr/>
+          </a:p>
+          <a:p>
+            <a:pPr indent="0" lvl="0" marL="0" rtl="0" algn="ctr">
+              <a:spcBef>
+                <a:spcPts val="1200"/>
+              </a:spcBef>
+              <a:spcAft>
+                <a:spcPts val="1200"/>
+              </a:spcAft>
+              <a:buNone/>
+            </a:pPr>
+            <a:r>
+              <a:rPr lang="pt-BR"/>
+              <a:t>O(N)</a:t>
             </a:r>
             <a:endParaRPr/>
           </a:p>
@@ -12927,56 +17218,7 @@
       </p:sp>
       <p:sp>
         <p:nvSpPr>
-          <p:cNvPr id="166" name="Google Shape;166;p18"/>
-          <p:cNvSpPr/>
-          <p:nvPr/>
-        </p:nvSpPr>
-        <p:spPr>
-          <a:xfrm>
-            <a:off x="5348075" y="3159300"/>
-            <a:ext cx="1636800" cy="46200"/>
-          </a:xfrm>
-          <a:prstGeom prst="rect">
-            <a:avLst/>
-          </a:prstGeom>
-          <a:solidFill>
-            <a:schemeClr val="lt2"/>
-          </a:solidFill>
-          <a:ln cap="flat" cmpd="sng" w="9525">
-            <a:solidFill>
-              <a:schemeClr val="dk2"/>
-            </a:solidFill>
-            <a:prstDash val="solid"/>
-            <a:round/>
-            <a:headEnd len="sm" w="sm" type="none"/>
-            <a:tailEnd len="sm" w="sm" type="none"/>
-          </a:ln>
-        </p:spPr>
-        <p:txBody>
-          <a:bodyPr anchorCtr="0" anchor="ctr" bIns="91425" lIns="91425" spcFirstLastPara="1" rIns="91425" wrap="square" tIns="91425">
-            <a:noAutofit/>
-          </a:bodyPr>
-          <a:lstStyle/>
-          <a:p>
-            <a:pPr indent="0" lvl="0" marL="0" rtl="0" algn="l">
-              <a:spcBef>
-                <a:spcPts val="0"/>
-              </a:spcBef>
-              <a:spcAft>
-                <a:spcPts val="0"/>
-              </a:spcAft>
-              <a:buNone/>
-            </a:pPr>
-            <a:r>
-              <a:t/>
-            </a:r>
-            <a:endParaRPr/>
-          </a:p>
-        </p:txBody>
-      </p:sp>
-      <p:sp>
-        <p:nvSpPr>
-          <p:cNvPr id="167" name="Google Shape;167;p18"/>
+          <p:cNvPr id="211" name="Google Shape;211;p20"/>
           <p:cNvSpPr txBox="1"/>
           <p:nvPr>
             <p:ph idx="1" type="body"/>
@@ -12984,48 +17226,8 @@
         </p:nvSpPr>
         <p:spPr>
           <a:xfrm>
-            <a:off x="5840400" y="2078875"/>
-            <a:ext cx="1041300" cy="396300"/>
-          </a:xfrm>
-          <a:prstGeom prst="rect">
-            <a:avLst/>
-          </a:prstGeom>
-        </p:spPr>
-        <p:txBody>
-          <a:bodyPr anchorCtr="0" anchor="t" bIns="91425" lIns="91425" spcFirstLastPara="1" rIns="91425" wrap="square" tIns="91425">
-            <a:normAutofit/>
-          </a:bodyPr>
-          <a:lstStyle/>
-          <a:p>
-            <a:pPr indent="0" lvl="0" marL="0" rtl="0" algn="just">
-              <a:spcBef>
-                <a:spcPts val="0"/>
-              </a:spcBef>
-              <a:spcAft>
-                <a:spcPts val="1200"/>
-              </a:spcAft>
-              <a:buNone/>
-            </a:pPr>
-            <a:r>
-              <a:rPr lang="pt-BR"/>
-              <a:t>Maneira 1</a:t>
-            </a:r>
-            <a:endParaRPr/>
-          </a:p>
-        </p:txBody>
-      </p:sp>
-      <p:sp>
-        <p:nvSpPr>
-          <p:cNvPr id="168" name="Google Shape;168;p18"/>
-          <p:cNvSpPr txBox="1"/>
-          <p:nvPr>
-            <p:ph idx="1" type="body"/>
-          </p:nvPr>
-        </p:nvSpPr>
-        <p:spPr>
-          <a:xfrm>
-            <a:off x="7515100" y="2264800"/>
-            <a:ext cx="1410900" cy="931800"/>
+            <a:off x="5194100" y="3795250"/>
+            <a:ext cx="1709400" cy="387900"/>
           </a:xfrm>
           <a:prstGeom prst="rect">
             <a:avLst/>
@@ -13042,126 +17244,14 @@
                 <a:spcPts val="0"/>
               </a:spcBef>
               <a:spcAft>
-                <a:spcPts val="0"/>
+                <a:spcPts val="1200"/>
               </a:spcAft>
               <a:buNone/>
             </a:pPr>
             <a:r>
               <a:rPr lang="pt-BR"/>
-              <a:t>Complexidade:</a:t>
+              <a:t>Monotonic pointers</a:t>
             </a:r>
-            <a:endParaRPr/>
-          </a:p>
-          <a:p>
-            <a:pPr indent="0" lvl="0" marL="0" rtl="0" algn="ctr">
-              <a:spcBef>
-                <a:spcPts val="1200"/>
-              </a:spcBef>
-              <a:spcAft>
-                <a:spcPts val="1200"/>
-              </a:spcAft>
-              <a:buNone/>
-            </a:pPr>
-            <a:r>
-              <a:rPr lang="pt-BR"/>
-              <a:t>O(N(N-1)/2)</a:t>
-            </a:r>
-            <a:endParaRPr/>
-          </a:p>
-        </p:txBody>
-      </p:sp>
-      <p:sp>
-        <p:nvSpPr>
-          <p:cNvPr id="169" name="Google Shape;169;p18"/>
-          <p:cNvSpPr txBox="1"/>
-          <p:nvPr>
-            <p:ph idx="1" type="body"/>
-          </p:nvPr>
-        </p:nvSpPr>
-        <p:spPr>
-          <a:xfrm>
-            <a:off x="7511400" y="3520450"/>
-            <a:ext cx="1410900" cy="931800"/>
-          </a:xfrm>
-          <a:prstGeom prst="rect">
-            <a:avLst/>
-          </a:prstGeom>
-        </p:spPr>
-        <p:txBody>
-          <a:bodyPr anchorCtr="0" anchor="t" bIns="91425" lIns="91425" spcFirstLastPara="1" rIns="91425" wrap="square" tIns="91425">
-            <a:normAutofit/>
-          </a:bodyPr>
-          <a:lstStyle/>
-          <a:p>
-            <a:pPr indent="0" lvl="0" marL="0" rtl="0" algn="ctr">
-              <a:spcBef>
-                <a:spcPts val="0"/>
-              </a:spcBef>
-              <a:spcAft>
-                <a:spcPts val="0"/>
-              </a:spcAft>
-              <a:buNone/>
-            </a:pPr>
-            <a:r>
-              <a:rPr lang="pt-BR"/>
-              <a:t>Complexidade:</a:t>
-            </a:r>
-            <a:endParaRPr/>
-          </a:p>
-          <a:p>
-            <a:pPr indent="0" lvl="0" marL="0" rtl="0" algn="ctr">
-              <a:spcBef>
-                <a:spcPts val="1200"/>
-              </a:spcBef>
-              <a:spcAft>
-                <a:spcPts val="1200"/>
-              </a:spcAft>
-              <a:buNone/>
-            </a:pPr>
-            <a:r>
-              <a:rPr lang="pt-BR"/>
-              <a:t>O(N)</a:t>
-            </a:r>
-            <a:endParaRPr/>
-          </a:p>
-        </p:txBody>
-      </p:sp>
-      <p:sp>
-        <p:nvSpPr>
-          <p:cNvPr id="170" name="Google Shape;170;p18"/>
-          <p:cNvSpPr txBox="1"/>
-          <p:nvPr>
-            <p:ph idx="12" type="sldNum"/>
-          </p:nvPr>
-        </p:nvSpPr>
-        <p:spPr>
-          <a:xfrm>
-            <a:off x="8536302" y="4749851"/>
-            <a:ext cx="548700" cy="393600"/>
-          </a:xfrm>
-          <a:prstGeom prst="rect">
-            <a:avLst/>
-          </a:prstGeom>
-        </p:spPr>
-        <p:txBody>
-          <a:bodyPr anchorCtr="0" anchor="ctr" bIns="91425" lIns="91425" spcFirstLastPara="1" rIns="91425" wrap="square" tIns="91425">
-            <a:normAutofit/>
-          </a:bodyPr>
-          <a:lstStyle/>
-          <a:p>
-            <a:pPr indent="0" lvl="0" marL="0" rtl="0" algn="r">
-              <a:spcBef>
-                <a:spcPts val="0"/>
-              </a:spcBef>
-              <a:spcAft>
-                <a:spcPts val="0"/>
-              </a:spcAft>
-              <a:buNone/>
-            </a:pPr>
-            <a:fld id="{00000000-1234-1234-1234-123412341234}" type="slidenum">
-              <a:rPr lang="pt-BR"/>
-              <a:t>‹#›</a:t>
-            </a:fld>
             <a:endParaRPr/>
           </a:p>
         </p:txBody>
@@ -13174,12 +17264,12 @@
 </p:sld>
 </file>
 
-<file path=ppt/slides/slide7.xml><?xml version="1.0" encoding="utf-8"?>
+<file path=ppt/slides/slide9.xml><?xml version="1.0" encoding="utf-8"?>
 <p:sld xmlns:a="http://schemas.openxmlformats.org/drawingml/2006/main" xmlns:r="http://schemas.openxmlformats.org/officeDocument/2006/relationships" xmlns:mc="http://schemas.openxmlformats.org/markup-compatibility/2006" xmlns:mv="urn:schemas-microsoft-com:mac:vml" xmlns:p="http://schemas.openxmlformats.org/presentationml/2006/main" xmlns:c="http://schemas.openxmlformats.org/drawingml/2006/chart" xmlns:dgm="http://schemas.openxmlformats.org/drawingml/2006/diagram" xmlns:o="urn:schemas-microsoft-com:office:office" xmlns:v="urn:schemas-microsoft-com:vml" xmlns:pvml="urn:schemas-microsoft-com:office:powerpoint" xmlns:com="http://schemas.openxmlformats.org/drawingml/2006/compatibility" xmlns:p14="http://schemas.microsoft.com/office/powerpoint/2010/main" xmlns:p15="http://schemas.microsoft.com/office/powerpoint/2012/main" xmlns:ahyp="http://schemas.microsoft.com/office/drawing/2018/hyperlinkcolor">
   <p:cSld>
     <p:spTree>
       <p:nvGrpSpPr>
-        <p:cNvPr id="174" name="Shape 174"/>
+        <p:cNvPr id="215" name="Shape 215"/>
         <p:cNvGrpSpPr/>
         <p:nvPr/>
       </p:nvGrpSpPr>
@@ -13193,156 +17283,7 @@
       </p:grpSpPr>
       <p:sp>
         <p:nvSpPr>
-          <p:cNvPr id="175" name="Google Shape;175;p19"/>
-          <p:cNvSpPr/>
-          <p:nvPr/>
-        </p:nvSpPr>
-        <p:spPr>
-          <a:xfrm>
-            <a:off x="4573800" y="2750750"/>
-            <a:ext cx="379800" cy="387900"/>
-          </a:xfrm>
-          <a:prstGeom prst="roundRect">
-            <a:avLst>
-              <a:gd fmla="val 16667" name="adj"/>
-            </a:avLst>
-          </a:prstGeom>
-          <a:solidFill>
-            <a:schemeClr val="lt2"/>
-          </a:solidFill>
-          <a:ln cap="flat" cmpd="sng" w="9525">
-            <a:solidFill>
-              <a:schemeClr val="dk2"/>
-            </a:solidFill>
-            <a:prstDash val="solid"/>
-            <a:round/>
-            <a:headEnd len="sm" w="sm" type="none"/>
-            <a:tailEnd len="sm" w="sm" type="none"/>
-          </a:ln>
-        </p:spPr>
-        <p:txBody>
-          <a:bodyPr anchorCtr="0" anchor="ctr" bIns="91425" lIns="91425" spcFirstLastPara="1" rIns="91425" wrap="square" tIns="91425">
-            <a:noAutofit/>
-          </a:bodyPr>
-          <a:lstStyle/>
-          <a:p>
-            <a:pPr indent="0" lvl="0" marL="0" rtl="0" algn="l">
-              <a:spcBef>
-                <a:spcPts val="0"/>
-              </a:spcBef>
-              <a:spcAft>
-                <a:spcPts val="0"/>
-              </a:spcAft>
-              <a:buNone/>
-            </a:pPr>
-            <a:r>
-              <a:t/>
-            </a:r>
-            <a:endParaRPr/>
-          </a:p>
-        </p:txBody>
-      </p:sp>
-      <p:sp>
-        <p:nvSpPr>
-          <p:cNvPr id="176" name="Google Shape;176;p19"/>
-          <p:cNvSpPr/>
-          <p:nvPr/>
-        </p:nvSpPr>
-        <p:spPr>
-          <a:xfrm>
-            <a:off x="4688775" y="4614300"/>
-            <a:ext cx="887100" cy="46200"/>
-          </a:xfrm>
-          <a:prstGeom prst="rect">
-            <a:avLst/>
-          </a:prstGeom>
-          <a:solidFill>
-            <a:schemeClr val="lt2"/>
-          </a:solidFill>
-          <a:ln cap="flat" cmpd="sng" w="9525">
-            <a:solidFill>
-              <a:schemeClr val="dk2"/>
-            </a:solidFill>
-            <a:prstDash val="solid"/>
-            <a:round/>
-            <a:headEnd len="sm" w="sm" type="none"/>
-            <a:tailEnd len="sm" w="sm" type="none"/>
-          </a:ln>
-        </p:spPr>
-        <p:txBody>
-          <a:bodyPr anchorCtr="0" anchor="ctr" bIns="91425" lIns="91425" spcFirstLastPara="1" rIns="91425" wrap="square" tIns="91425">
-            <a:noAutofit/>
-          </a:bodyPr>
-          <a:lstStyle/>
-          <a:p>
-            <a:pPr indent="0" lvl="0" marL="0" rtl="0" algn="l">
-              <a:spcBef>
-                <a:spcPts val="0"/>
-              </a:spcBef>
-              <a:spcAft>
-                <a:spcPts val="0"/>
-              </a:spcAft>
-              <a:buNone/>
-            </a:pPr>
-            <a:r>
-              <a:t/>
-            </a:r>
-            <a:endParaRPr/>
-          </a:p>
-        </p:txBody>
-      </p:sp>
-      <p:sp>
-        <p:nvSpPr>
-          <p:cNvPr id="177" name="Google Shape;177;p19"/>
-          <p:cNvSpPr/>
-          <p:nvPr/>
-        </p:nvSpPr>
-        <p:spPr>
-          <a:xfrm>
-            <a:off x="3514300" y="4614300"/>
-            <a:ext cx="839100" cy="46200"/>
-          </a:xfrm>
-          <a:prstGeom prst="rect">
-            <a:avLst/>
-          </a:prstGeom>
-          <a:solidFill>
-            <a:schemeClr val="lt2"/>
-          </a:solidFill>
-          <a:ln cap="flat" cmpd="sng" w="9525">
-            <a:solidFill>
-              <a:schemeClr val="dk2"/>
-            </a:solidFill>
-            <a:prstDash val="solid"/>
-            <a:round/>
-            <a:headEnd len="sm" w="sm" type="none"/>
-            <a:tailEnd len="sm" w="sm" type="none"/>
-          </a:ln>
-        </p:spPr>
-        <p:txBody>
-          <a:bodyPr anchorCtr="0" anchor="ctr" bIns="91425" lIns="91425" spcFirstLastPara="1" rIns="91425" wrap="square" tIns="91425">
-            <a:noAutofit/>
-          </a:bodyPr>
-          <a:lstStyle/>
-          <a:p>
-            <a:pPr indent="0" lvl="0" marL="0" rtl="0" algn="l">
-              <a:spcBef>
-                <a:spcPts val="0"/>
-              </a:spcBef>
-              <a:spcAft>
-                <a:spcPts val="0"/>
-              </a:spcAft>
-              <a:buNone/>
-            </a:pPr>
-            <a:r>
-              <a:t/>
-            </a:r>
-            <a:endParaRPr/>
-          </a:p>
-        </p:txBody>
-      </p:sp>
-      <p:sp>
-        <p:nvSpPr>
-          <p:cNvPr id="178" name="Google Shape;178;p19"/>
+          <p:cNvPr id="216" name="Google Shape;216;p21"/>
           <p:cNvSpPr txBox="1"/>
           <p:nvPr>
             <p:ph type="title"/>
@@ -13374,7 +17315,7 @@
             </a:pPr>
             <a:r>
               <a:rPr lang="pt-BR"/>
-              <a:t>Comparando com busca binária</a:t>
+              <a:t>Observações</a:t>
             </a:r>
             <a:endParaRPr/>
           </a:p>
@@ -13382,7 +17323,7 @@
       </p:sp>
       <p:sp>
         <p:nvSpPr>
-          <p:cNvPr id="179" name="Google Shape;179;p19"/>
+          <p:cNvPr id="217" name="Google Shape;217;p21"/>
           <p:cNvSpPr txBox="1"/>
           <p:nvPr>
             <p:ph idx="1" type="body"/>
@@ -13391,7 +17332,7 @@
         <p:spPr>
           <a:xfrm>
             <a:off x="729450" y="2078875"/>
-            <a:ext cx="7688700" cy="634500"/>
+            <a:ext cx="7806900" cy="2669700"/>
           </a:xfrm>
           <a:prstGeom prst="rect">
             <a:avLst/>
@@ -13403,243 +17344,78 @@
           </a:bodyPr>
           <a:lstStyle/>
           <a:p>
-            <a:pPr indent="457200" lvl="0" marL="0" rtl="0" algn="just">
-              <a:spcBef>
-                <a:spcPts val="0"/>
-              </a:spcBef>
-              <a:spcAft>
-                <a:spcPts val="1200"/>
-              </a:spcAft>
-              <a:buNone/>
+            <a:pPr indent="-311150" lvl="0" marL="457200" rtl="0" algn="just">
+              <a:spcBef>
+                <a:spcPts val="0"/>
+              </a:spcBef>
+              <a:spcAft>
+                <a:spcPts val="0"/>
+              </a:spcAft>
+              <a:buSzPts val="1300"/>
+              <a:buChar char="●"/>
             </a:pPr>
             <a:r>
               <a:rPr lang="pt-BR"/>
-              <a:t>Se o array já está ordenado e compararmos com a busca binária para cada elemento.</a:t>
+              <a:t>A ordenação do vetor permitiu a diminuição na complexidade da resolução do problema, visto que mais observações a respeito do problema puderam ser feitas. Perceber a </a:t>
             </a:r>
             <a:r>
               <a:rPr lang="pt-BR"/>
-              <a:t>			</a:t>
+              <a:t>monotonicidade</a:t>
+            </a:r>
+            <a:r>
+              <a:rPr lang="pt-BR"/>
+              <a:t> permitiu o uso de busca binária e de monotonic pointers. </a:t>
             </a:r>
             <a:endParaRPr/>
           </a:p>
-        </p:txBody>
-      </p:sp>
-      <p:graphicFrame>
-        <p:nvGraphicFramePr>
-          <p:cNvPr id="180" name="Google Shape;180;p19"/>
-          <p:cNvGraphicFramePr/>
-          <p:nvPr/>
-        </p:nvGraphicFramePr>
-        <p:xfrm>
-          <a:off x="3423450" y="3997025"/>
-          <a:ext cx="3000000" cy="3000000"/>
-        </p:xfrm>
-        <a:graphic>
-          <a:graphicData uri="http://schemas.openxmlformats.org/drawingml/2006/table">
-            <a:tbl>
-              <a:tblPr>
-                <a:noFill/>
-                <a:tableStyleId>{AC5D93D5-D9EF-4F30-BE87-26858EDDAA10}</a:tableStyleId>
-              </a:tblPr>
-              <a:tblGrid>
-                <a:gridCol w="382850"/>
-                <a:gridCol w="382850"/>
-                <a:gridCol w="382850"/>
-                <a:gridCol w="382850"/>
-                <a:gridCol w="382850"/>
-                <a:gridCol w="382850"/>
-              </a:tblGrid>
-              <a:tr h="381000">
-                <a:tc>
-                  <a:txBody>
-                    <a:bodyPr/>
-                    <a:lstStyle/>
-                    <a:p>
-                      <a:pPr indent="0" lvl="0" marL="0" rtl="0" algn="l">
-                        <a:spcBef>
-                          <a:spcPts val="0"/>
-                        </a:spcBef>
-                        <a:spcAft>
-                          <a:spcPts val="0"/>
-                        </a:spcAft>
-                        <a:buNone/>
-                      </a:pPr>
-                      <a:r>
-                        <a:rPr lang="pt-BR"/>
-                        <a:t>1</a:t>
-                      </a:r>
-                      <a:endParaRPr/>
-                    </a:p>
-                  </a:txBody>
-                  <a:tcPr marT="91425" marB="91425" marR="91425" marL="91425"/>
-                </a:tc>
-                <a:tc>
-                  <a:txBody>
-                    <a:bodyPr/>
-                    <a:lstStyle/>
-                    <a:p>
-                      <a:pPr indent="0" lvl="0" marL="0" rtl="0" algn="l">
-                        <a:spcBef>
-                          <a:spcPts val="0"/>
-                        </a:spcBef>
-                        <a:spcAft>
-                          <a:spcPts val="0"/>
-                        </a:spcAft>
-                        <a:buNone/>
-                      </a:pPr>
-                      <a:r>
-                        <a:rPr lang="pt-BR"/>
-                        <a:t>3</a:t>
-                      </a:r>
-                      <a:endParaRPr/>
-                    </a:p>
-                  </a:txBody>
-                  <a:tcPr marT="91425" marB="91425" marR="91425" marL="91425"/>
-                </a:tc>
-                <a:tc>
-                  <a:txBody>
-                    <a:bodyPr/>
-                    <a:lstStyle/>
-                    <a:p>
-                      <a:pPr indent="0" lvl="0" marL="0" rtl="0" algn="l">
-                        <a:spcBef>
-                          <a:spcPts val="0"/>
-                        </a:spcBef>
-                        <a:spcAft>
-                          <a:spcPts val="0"/>
-                        </a:spcAft>
-                        <a:buNone/>
-                      </a:pPr>
-                      <a:r>
-                        <a:rPr lang="pt-BR"/>
-                        <a:t>4</a:t>
-                      </a:r>
-                      <a:endParaRPr/>
-                    </a:p>
-                  </a:txBody>
-                  <a:tcPr marT="91425" marB="91425" marR="91425" marL="91425"/>
-                </a:tc>
-                <a:tc>
-                  <a:txBody>
-                    <a:bodyPr/>
-                    <a:lstStyle/>
-                    <a:p>
-                      <a:pPr indent="0" lvl="0" marL="0" rtl="0" algn="l">
-                        <a:spcBef>
-                          <a:spcPts val="0"/>
-                        </a:spcBef>
-                        <a:spcAft>
-                          <a:spcPts val="0"/>
-                        </a:spcAft>
-                        <a:buNone/>
-                      </a:pPr>
-                      <a:r>
-                        <a:rPr lang="pt-BR"/>
-                        <a:t>7</a:t>
-                      </a:r>
-                      <a:endParaRPr/>
-                    </a:p>
-                  </a:txBody>
-                  <a:tcPr marT="91425" marB="91425" marR="91425" marL="91425"/>
-                </a:tc>
-                <a:tc>
-                  <a:txBody>
-                    <a:bodyPr/>
-                    <a:lstStyle/>
-                    <a:p>
-                      <a:pPr indent="0" lvl="0" marL="0" rtl="0" algn="l">
-                        <a:spcBef>
-                          <a:spcPts val="0"/>
-                        </a:spcBef>
-                        <a:spcAft>
-                          <a:spcPts val="0"/>
-                        </a:spcAft>
-                        <a:buNone/>
-                      </a:pPr>
-                      <a:r>
-                        <a:rPr lang="pt-BR"/>
-                        <a:t>8</a:t>
-                      </a:r>
-                      <a:endParaRPr/>
-                    </a:p>
-                  </a:txBody>
-                  <a:tcPr marT="91425" marB="91425" marR="91425" marL="91425"/>
-                </a:tc>
-                <a:tc>
-                  <a:txBody>
-                    <a:bodyPr/>
-                    <a:lstStyle/>
-                    <a:p>
-                      <a:pPr indent="0" lvl="0" marL="0" rtl="0" algn="l">
-                        <a:spcBef>
-                          <a:spcPts val="0"/>
-                        </a:spcBef>
-                        <a:spcAft>
-                          <a:spcPts val="0"/>
-                        </a:spcAft>
-                        <a:buNone/>
-                      </a:pPr>
-                      <a:r>
-                        <a:rPr lang="pt-BR"/>
-                        <a:t>10</a:t>
-                      </a:r>
-                      <a:endParaRPr/>
-                    </a:p>
-                  </a:txBody>
-                  <a:tcPr marT="91425" marB="91425" marR="91425" marL="91425"/>
-                </a:tc>
-              </a:tr>
-            </a:tbl>
-          </a:graphicData>
-        </a:graphic>
-      </p:graphicFrame>
-      <p:sp>
-        <p:nvSpPr>
-          <p:cNvPr id="181" name="Google Shape;181;p19"/>
-          <p:cNvSpPr/>
-          <p:nvPr/>
-        </p:nvSpPr>
-        <p:spPr>
-          <a:xfrm>
-            <a:off x="3464475" y="4444200"/>
-            <a:ext cx="186300" cy="216300"/>
-          </a:xfrm>
-          <a:prstGeom prst="upArrow">
-            <a:avLst>
-              <a:gd fmla="val 50000" name="adj1"/>
-              <a:gd fmla="val 50000" name="adj2"/>
-            </a:avLst>
-          </a:prstGeom>
-          <a:solidFill>
-            <a:schemeClr val="lt2"/>
-          </a:solidFill>
-          <a:ln cap="flat" cmpd="sng" w="9525">
-            <a:solidFill>
-              <a:schemeClr val="dk2"/>
-            </a:solidFill>
-            <a:prstDash val="solid"/>
-            <a:round/>
-            <a:headEnd len="sm" w="sm" type="none"/>
-            <a:tailEnd len="sm" w="sm" type="none"/>
-          </a:ln>
-        </p:spPr>
-        <p:txBody>
-          <a:bodyPr anchorCtr="0" anchor="ctr" bIns="91425" lIns="91425" spcFirstLastPara="1" rIns="91425" wrap="square" tIns="91425">
-            <a:noAutofit/>
-          </a:bodyPr>
-          <a:lstStyle/>
           <a:p>
-            <a:pPr indent="0" lvl="0" marL="0" rtl="0" algn="l">
-              <a:spcBef>
-                <a:spcPts val="0"/>
-              </a:spcBef>
-              <a:spcAft>
-                <a:spcPts val="0"/>
-              </a:spcAft>
-              <a:buNone/>
+            <a:pPr indent="-311150" lvl="0" marL="457200" rtl="0" algn="just">
+              <a:spcBef>
+                <a:spcPts val="0"/>
+              </a:spcBef>
+              <a:spcAft>
+                <a:spcPts val="0"/>
+              </a:spcAft>
+              <a:buSzPts val="1300"/>
+              <a:buChar char="●"/>
             </a:pPr>
             <a:r>
-              <a:t/>
+              <a:rPr lang="pt-BR"/>
+              <a:t>Ao fazer buscas, a monotonicidade em conjunto com as técnicas como busca binária ou monotonic pointers são ferramentas poderosas na resolução de problemas. </a:t>
+            </a:r>
+            <a:endParaRPr/>
+          </a:p>
+          <a:p>
+            <a:pPr indent="-311150" lvl="0" marL="457200" rtl="0" algn="just">
+              <a:spcBef>
+                <a:spcPts val="0"/>
+              </a:spcBef>
+              <a:spcAft>
+                <a:spcPts val="0"/>
+              </a:spcAft>
+              <a:buSzPts val="1300"/>
+              <a:buChar char="●"/>
+            </a:pPr>
+            <a:r>
+              <a:rPr lang="pt-BR"/>
+              <a:t>Monotonic pointers se destaca para a formação pares de elementos, apresentando menor complexidade que as demais apresentadas, incluindo a busca binária.</a:t>
+            </a:r>
+            <a:endParaRPr/>
+          </a:p>
+          <a:p>
+            <a:pPr indent="-311150" lvl="0" marL="457200" rtl="0" algn="just">
+              <a:spcBef>
+                <a:spcPts val="0"/>
+              </a:spcBef>
+              <a:spcAft>
+                <a:spcPts val="0"/>
+              </a:spcAft>
+              <a:buSzPts val="1300"/>
+              <a:buChar char="●"/>
+            </a:pPr>
+            <a:r>
+              <a:rPr lang="pt-BR"/>
+              <a:t>A técnica monotonic pointers também possui outro nome, two pointers, que na tradução literal é dois ponteiros. O nome um tanto genérico para a técnica pode gerar equívocos ao referenciá-la, visto que as demais técnicas aqui mostradas também utilizaram dois ponteiros, optamos aqui pela nomenclatura monotonic pointers.</a:t>
             </a:r>
             <a:endParaRPr/>
           </a:p>
@@ -13647,1073 +17423,7 @@
       </p:sp>
       <p:sp>
         <p:nvSpPr>
-          <p:cNvPr id="182" name="Google Shape;182;p19"/>
-          <p:cNvSpPr/>
-          <p:nvPr/>
-        </p:nvSpPr>
-        <p:spPr>
-          <a:xfrm>
-            <a:off x="5456675" y="4444200"/>
-            <a:ext cx="186300" cy="216300"/>
-          </a:xfrm>
-          <a:prstGeom prst="upArrow">
-            <a:avLst>
-              <a:gd fmla="val 50000" name="adj1"/>
-              <a:gd fmla="val 50000" name="adj2"/>
-            </a:avLst>
-          </a:prstGeom>
-          <a:solidFill>
-            <a:schemeClr val="lt2"/>
-          </a:solidFill>
-          <a:ln cap="flat" cmpd="sng" w="9525">
-            <a:solidFill>
-              <a:schemeClr val="dk2"/>
-            </a:solidFill>
-            <a:prstDash val="solid"/>
-            <a:round/>
-            <a:headEnd len="sm" w="sm" type="none"/>
-            <a:tailEnd len="sm" w="sm" type="none"/>
-          </a:ln>
-        </p:spPr>
-        <p:txBody>
-          <a:bodyPr anchorCtr="0" anchor="ctr" bIns="91425" lIns="91425" spcFirstLastPara="1" rIns="91425" wrap="square" tIns="91425">
-            <a:noAutofit/>
-          </a:bodyPr>
-          <a:lstStyle/>
-          <a:p>
-            <a:pPr indent="0" lvl="0" marL="0" rtl="0" algn="l">
-              <a:spcBef>
-                <a:spcPts val="0"/>
-              </a:spcBef>
-              <a:spcAft>
-                <a:spcPts val="0"/>
-              </a:spcAft>
-              <a:buNone/>
-            </a:pPr>
-            <a:r>
-              <a:t/>
-            </a:r>
-            <a:endParaRPr/>
-          </a:p>
-        </p:txBody>
-      </p:sp>
-      <p:graphicFrame>
-        <p:nvGraphicFramePr>
-          <p:cNvPr id="183" name="Google Shape;183;p19"/>
-          <p:cNvGraphicFramePr/>
-          <p:nvPr/>
-        </p:nvGraphicFramePr>
-        <p:xfrm>
-          <a:off x="3425250" y="2746600"/>
-          <a:ext cx="3000000" cy="3000000"/>
-        </p:xfrm>
-        <a:graphic>
-          <a:graphicData uri="http://schemas.openxmlformats.org/drawingml/2006/table">
-            <a:tbl>
-              <a:tblPr>
-                <a:noFill/>
-                <a:tableStyleId>{AC5D93D5-D9EF-4F30-BE87-26858EDDAA10}</a:tableStyleId>
-              </a:tblPr>
-              <a:tblGrid>
-                <a:gridCol w="382850"/>
-                <a:gridCol w="382850"/>
-                <a:gridCol w="382850"/>
-                <a:gridCol w="382850"/>
-                <a:gridCol w="382850"/>
-                <a:gridCol w="382850"/>
-              </a:tblGrid>
-              <a:tr h="381000">
-                <a:tc>
-                  <a:txBody>
-                    <a:bodyPr/>
-                    <a:lstStyle/>
-                    <a:p>
-                      <a:pPr indent="0" lvl="0" marL="0" rtl="0" algn="l">
-                        <a:spcBef>
-                          <a:spcPts val="0"/>
-                        </a:spcBef>
-                        <a:spcAft>
-                          <a:spcPts val="0"/>
-                        </a:spcAft>
-                        <a:buNone/>
-                      </a:pPr>
-                      <a:r>
-                        <a:rPr lang="pt-BR"/>
-                        <a:t>10</a:t>
-                      </a:r>
-                      <a:endParaRPr/>
-                    </a:p>
-                  </a:txBody>
-                  <a:tcPr marT="91425" marB="91425" marR="91425" marL="91425"/>
-                </a:tc>
-                <a:tc>
-                  <a:txBody>
-                    <a:bodyPr/>
-                    <a:lstStyle/>
-                    <a:p>
-                      <a:pPr indent="0" lvl="0" marL="0" rtl="0" algn="l">
-                        <a:spcBef>
-                          <a:spcPts val="0"/>
-                        </a:spcBef>
-                        <a:spcAft>
-                          <a:spcPts val="0"/>
-                        </a:spcAft>
-                        <a:buNone/>
-                      </a:pPr>
-                      <a:r>
-                        <a:rPr lang="pt-BR"/>
-                        <a:t>3</a:t>
-                      </a:r>
-                      <a:endParaRPr/>
-                    </a:p>
-                  </a:txBody>
-                  <a:tcPr marT="91425" marB="91425" marR="91425" marL="91425"/>
-                </a:tc>
-                <a:tc>
-                  <a:txBody>
-                    <a:bodyPr/>
-                    <a:lstStyle/>
-                    <a:p>
-                      <a:pPr indent="0" lvl="0" marL="0" rtl="0" algn="l">
-                        <a:spcBef>
-                          <a:spcPts val="0"/>
-                        </a:spcBef>
-                        <a:spcAft>
-                          <a:spcPts val="0"/>
-                        </a:spcAft>
-                        <a:buNone/>
-                      </a:pPr>
-                      <a:r>
-                        <a:rPr lang="pt-BR"/>
-                        <a:t>1</a:t>
-                      </a:r>
-                      <a:endParaRPr/>
-                    </a:p>
-                  </a:txBody>
-                  <a:tcPr marT="91425" marB="91425" marR="91425" marL="91425"/>
-                </a:tc>
-                <a:tc>
-                  <a:txBody>
-                    <a:bodyPr/>
-                    <a:lstStyle/>
-                    <a:p>
-                      <a:pPr indent="0" lvl="0" marL="0" rtl="0" algn="l">
-                        <a:spcBef>
-                          <a:spcPts val="0"/>
-                        </a:spcBef>
-                        <a:spcAft>
-                          <a:spcPts val="0"/>
-                        </a:spcAft>
-                        <a:buNone/>
-                      </a:pPr>
-                      <a:r>
-                        <a:rPr lang="pt-BR"/>
-                        <a:t>4</a:t>
-                      </a:r>
-                      <a:endParaRPr/>
-                    </a:p>
-                  </a:txBody>
-                  <a:tcPr marT="91425" marB="91425" marR="91425" marL="91425"/>
-                </a:tc>
-                <a:tc>
-                  <a:txBody>
-                    <a:bodyPr/>
-                    <a:lstStyle/>
-                    <a:p>
-                      <a:pPr indent="0" lvl="0" marL="0" rtl="0" algn="l">
-                        <a:spcBef>
-                          <a:spcPts val="0"/>
-                        </a:spcBef>
-                        <a:spcAft>
-                          <a:spcPts val="0"/>
-                        </a:spcAft>
-                        <a:buNone/>
-                      </a:pPr>
-                      <a:r>
-                        <a:rPr lang="pt-BR"/>
-                        <a:t>8</a:t>
-                      </a:r>
-                      <a:endParaRPr/>
-                    </a:p>
-                  </a:txBody>
-                  <a:tcPr marT="91425" marB="91425" marR="91425" marL="91425"/>
-                </a:tc>
-                <a:tc>
-                  <a:txBody>
-                    <a:bodyPr/>
-                    <a:lstStyle/>
-                    <a:p>
-                      <a:pPr indent="0" lvl="0" marL="0" rtl="0" algn="l">
-                        <a:spcBef>
-                          <a:spcPts val="0"/>
-                        </a:spcBef>
-                        <a:spcAft>
-                          <a:spcPts val="0"/>
-                        </a:spcAft>
-                        <a:buNone/>
-                      </a:pPr>
-                      <a:r>
-                        <a:rPr lang="pt-BR"/>
-                        <a:t>7</a:t>
-                      </a:r>
-                      <a:endParaRPr/>
-                    </a:p>
-                  </a:txBody>
-                  <a:tcPr marT="91425" marB="91425" marR="91425" marL="91425"/>
-                </a:tc>
-              </a:tr>
-            </a:tbl>
-          </a:graphicData>
-        </a:graphic>
-      </p:graphicFrame>
-      <p:sp>
-        <p:nvSpPr>
-          <p:cNvPr id="184" name="Google Shape;184;p19"/>
-          <p:cNvSpPr/>
-          <p:nvPr/>
-        </p:nvSpPr>
-        <p:spPr>
-          <a:xfrm>
-            <a:off x="3514300" y="3162025"/>
-            <a:ext cx="186300" cy="276900"/>
-          </a:xfrm>
-          <a:prstGeom prst="upArrow">
-            <a:avLst>
-              <a:gd fmla="val 50000" name="adj1"/>
-              <a:gd fmla="val 50000" name="adj2"/>
-            </a:avLst>
-          </a:prstGeom>
-          <a:solidFill>
-            <a:schemeClr val="lt2"/>
-          </a:solidFill>
-          <a:ln cap="flat" cmpd="sng" w="9525">
-            <a:solidFill>
-              <a:schemeClr val="dk2"/>
-            </a:solidFill>
-            <a:prstDash val="solid"/>
-            <a:round/>
-            <a:headEnd len="sm" w="sm" type="none"/>
-            <a:tailEnd len="sm" w="sm" type="none"/>
-          </a:ln>
-        </p:spPr>
-        <p:txBody>
-          <a:bodyPr anchorCtr="0" anchor="ctr" bIns="91425" lIns="91425" spcFirstLastPara="1" rIns="91425" wrap="square" tIns="91425">
-            <a:noAutofit/>
-          </a:bodyPr>
-          <a:lstStyle/>
-          <a:p>
-            <a:pPr indent="0" lvl="0" marL="0" rtl="0" algn="l">
-              <a:spcBef>
-                <a:spcPts val="0"/>
-              </a:spcBef>
-              <a:spcAft>
-                <a:spcPts val="0"/>
-              </a:spcAft>
-              <a:buNone/>
-            </a:pPr>
-            <a:r>
-              <a:t/>
-            </a:r>
-            <a:endParaRPr/>
-          </a:p>
-        </p:txBody>
-      </p:sp>
-      <p:sp>
-        <p:nvSpPr>
-          <p:cNvPr id="185" name="Google Shape;185;p19"/>
-          <p:cNvSpPr/>
-          <p:nvPr/>
-        </p:nvSpPr>
-        <p:spPr>
-          <a:xfrm>
-            <a:off x="3915250" y="3182700"/>
-            <a:ext cx="186300" cy="216300"/>
-          </a:xfrm>
-          <a:prstGeom prst="upArrow">
-            <a:avLst>
-              <a:gd fmla="val 50000" name="adj1"/>
-              <a:gd fmla="val 50000" name="adj2"/>
-            </a:avLst>
-          </a:prstGeom>
-          <a:solidFill>
-            <a:schemeClr val="lt2"/>
-          </a:solidFill>
-          <a:ln cap="flat" cmpd="sng" w="9525">
-            <a:solidFill>
-              <a:schemeClr val="dk2"/>
-            </a:solidFill>
-            <a:prstDash val="solid"/>
-            <a:round/>
-            <a:headEnd len="sm" w="sm" type="none"/>
-            <a:tailEnd len="sm" w="sm" type="none"/>
-          </a:ln>
-        </p:spPr>
-        <p:txBody>
-          <a:bodyPr anchorCtr="0" anchor="ctr" bIns="91425" lIns="91425" spcFirstLastPara="1" rIns="91425" wrap="square" tIns="91425">
-            <a:noAutofit/>
-          </a:bodyPr>
-          <a:lstStyle/>
-          <a:p>
-            <a:pPr indent="0" lvl="0" marL="0" rtl="0" algn="l">
-              <a:spcBef>
-                <a:spcPts val="0"/>
-              </a:spcBef>
-              <a:spcAft>
-                <a:spcPts val="0"/>
-              </a:spcAft>
-              <a:buNone/>
-            </a:pPr>
-            <a:r>
-              <a:t/>
-            </a:r>
-            <a:endParaRPr/>
-          </a:p>
-        </p:txBody>
-      </p:sp>
-      <p:sp>
-        <p:nvSpPr>
-          <p:cNvPr id="186" name="Google Shape;186;p19"/>
-          <p:cNvSpPr txBox="1"/>
-          <p:nvPr>
-            <p:ph idx="1" type="body"/>
-          </p:nvPr>
-        </p:nvSpPr>
-        <p:spPr>
-          <a:xfrm>
-            <a:off x="4051350" y="3573100"/>
-            <a:ext cx="1041300" cy="471900"/>
-          </a:xfrm>
-          <a:prstGeom prst="rect">
-            <a:avLst/>
-          </a:prstGeom>
-        </p:spPr>
-        <p:txBody>
-          <a:bodyPr anchorCtr="0" anchor="t" bIns="91425" lIns="91425" spcFirstLastPara="1" rIns="91425" wrap="square" tIns="91425">
-            <a:normAutofit/>
-          </a:bodyPr>
-          <a:lstStyle/>
-          <a:p>
-            <a:pPr indent="0" lvl="0" marL="0" rtl="0" algn="just">
-              <a:spcBef>
-                <a:spcPts val="0"/>
-              </a:spcBef>
-              <a:spcAft>
-                <a:spcPts val="1200"/>
-              </a:spcAft>
-              <a:buNone/>
-            </a:pPr>
-            <a:r>
-              <a:rPr lang="pt-BR"/>
-              <a:t>Maneira 2</a:t>
-            </a:r>
-            <a:endParaRPr/>
-          </a:p>
-        </p:txBody>
-      </p:sp>
-      <p:sp>
-        <p:nvSpPr>
-          <p:cNvPr id="187" name="Google Shape;187;p19"/>
-          <p:cNvSpPr txBox="1"/>
-          <p:nvPr>
-            <p:ph idx="1" type="body"/>
-          </p:nvPr>
-        </p:nvSpPr>
-        <p:spPr>
-          <a:xfrm>
-            <a:off x="3654000" y="2367375"/>
-            <a:ext cx="1836000" cy="471900"/>
-          </a:xfrm>
-          <a:prstGeom prst="rect">
-            <a:avLst/>
-          </a:prstGeom>
-        </p:spPr>
-        <p:txBody>
-          <a:bodyPr anchorCtr="0" anchor="t" bIns="91425" lIns="91425" spcFirstLastPara="1" rIns="91425" wrap="square" tIns="91425">
-            <a:normAutofit/>
-          </a:bodyPr>
-          <a:lstStyle/>
-          <a:p>
-            <a:pPr indent="0" lvl="0" marL="0" rtl="0" algn="just">
-              <a:spcBef>
-                <a:spcPts val="0"/>
-              </a:spcBef>
-              <a:spcAft>
-                <a:spcPts val="1200"/>
-              </a:spcAft>
-              <a:buNone/>
-            </a:pPr>
-            <a:r>
-              <a:rPr lang="pt-BR"/>
-              <a:t>Maneira Busca binária</a:t>
-            </a:r>
-            <a:endParaRPr/>
-          </a:p>
-        </p:txBody>
-      </p:sp>
-      <p:sp>
-        <p:nvSpPr>
-          <p:cNvPr id="188" name="Google Shape;188;p19"/>
-          <p:cNvSpPr txBox="1"/>
-          <p:nvPr>
-            <p:ph idx="1" type="body"/>
-          </p:nvPr>
-        </p:nvSpPr>
-        <p:spPr>
-          <a:xfrm>
-            <a:off x="6617575" y="2604025"/>
-            <a:ext cx="1410900" cy="931800"/>
-          </a:xfrm>
-          <a:prstGeom prst="rect">
-            <a:avLst/>
-          </a:prstGeom>
-        </p:spPr>
-        <p:txBody>
-          <a:bodyPr anchorCtr="0" anchor="t" bIns="91425" lIns="91425" spcFirstLastPara="1" rIns="91425" wrap="square" tIns="91425">
-            <a:normAutofit/>
-          </a:bodyPr>
-          <a:lstStyle/>
-          <a:p>
-            <a:pPr indent="0" lvl="0" marL="0" rtl="0" algn="ctr">
-              <a:spcBef>
-                <a:spcPts val="0"/>
-              </a:spcBef>
-              <a:spcAft>
-                <a:spcPts val="0"/>
-              </a:spcAft>
-              <a:buNone/>
-            </a:pPr>
-            <a:r>
-              <a:rPr lang="pt-BR"/>
-              <a:t>Complexidade:</a:t>
-            </a:r>
-            <a:endParaRPr/>
-          </a:p>
-          <a:p>
-            <a:pPr indent="0" lvl="0" marL="0" rtl="0" algn="ctr">
-              <a:spcBef>
-                <a:spcPts val="1200"/>
-              </a:spcBef>
-              <a:spcAft>
-                <a:spcPts val="1200"/>
-              </a:spcAft>
-              <a:buNone/>
-            </a:pPr>
-            <a:r>
-              <a:rPr lang="pt-BR"/>
-              <a:t>O(Nlog(N))</a:t>
-            </a:r>
-            <a:endParaRPr/>
-          </a:p>
-        </p:txBody>
-      </p:sp>
-      <p:sp>
-        <p:nvSpPr>
-          <p:cNvPr id="189" name="Google Shape;189;p19"/>
-          <p:cNvSpPr txBox="1"/>
-          <p:nvPr>
-            <p:ph idx="1" type="body"/>
-          </p:nvPr>
-        </p:nvSpPr>
-        <p:spPr>
-          <a:xfrm>
-            <a:off x="6613875" y="3859675"/>
-            <a:ext cx="1410900" cy="931800"/>
-          </a:xfrm>
-          <a:prstGeom prst="rect">
-            <a:avLst/>
-          </a:prstGeom>
-        </p:spPr>
-        <p:txBody>
-          <a:bodyPr anchorCtr="0" anchor="t" bIns="91425" lIns="91425" spcFirstLastPara="1" rIns="91425" wrap="square" tIns="91425">
-            <a:normAutofit/>
-          </a:bodyPr>
-          <a:lstStyle/>
-          <a:p>
-            <a:pPr indent="0" lvl="0" marL="0" rtl="0" algn="ctr">
-              <a:spcBef>
-                <a:spcPts val="0"/>
-              </a:spcBef>
-              <a:spcAft>
-                <a:spcPts val="0"/>
-              </a:spcAft>
-              <a:buNone/>
-            </a:pPr>
-            <a:r>
-              <a:rPr lang="pt-BR"/>
-              <a:t>Complexidade:</a:t>
-            </a:r>
-            <a:endParaRPr/>
-          </a:p>
-          <a:p>
-            <a:pPr indent="0" lvl="0" marL="0" rtl="0" algn="ctr">
-              <a:spcBef>
-                <a:spcPts val="1200"/>
-              </a:spcBef>
-              <a:spcAft>
-                <a:spcPts val="1200"/>
-              </a:spcAft>
-              <a:buNone/>
-            </a:pPr>
-            <a:r>
-              <a:rPr lang="pt-BR"/>
-              <a:t>O(N)</a:t>
-            </a:r>
-            <a:endParaRPr/>
-          </a:p>
-        </p:txBody>
-      </p:sp>
-      <p:sp>
-        <p:nvSpPr>
-          <p:cNvPr id="190" name="Google Shape;190;p19"/>
-          <p:cNvSpPr txBox="1"/>
-          <p:nvPr>
-            <p:ph idx="12" type="sldNum"/>
-          </p:nvPr>
-        </p:nvSpPr>
-        <p:spPr>
-          <a:xfrm>
-            <a:off x="8536302" y="4749851"/>
-            <a:ext cx="548700" cy="393600"/>
-          </a:xfrm>
-          <a:prstGeom prst="rect">
-            <a:avLst/>
-          </a:prstGeom>
-        </p:spPr>
-        <p:txBody>
-          <a:bodyPr anchorCtr="0" anchor="ctr" bIns="91425" lIns="91425" spcFirstLastPara="1" rIns="91425" wrap="square" tIns="91425">
-            <a:normAutofit/>
-          </a:bodyPr>
-          <a:lstStyle/>
-          <a:p>
-            <a:pPr indent="0" lvl="0" marL="0" rtl="0" algn="r">
-              <a:spcBef>
-                <a:spcPts val="0"/>
-              </a:spcBef>
-              <a:spcAft>
-                <a:spcPts val="0"/>
-              </a:spcAft>
-              <a:buNone/>
-            </a:pPr>
-            <a:fld id="{00000000-1234-1234-1234-123412341234}" type="slidenum">
-              <a:rPr lang="pt-BR"/>
-              <a:t>‹#›</a:t>
-            </a:fld>
-            <a:endParaRPr/>
-          </a:p>
-        </p:txBody>
-      </p:sp>
-      <p:sp>
-        <p:nvSpPr>
-          <p:cNvPr id="191" name="Google Shape;191;p19"/>
-          <p:cNvSpPr/>
-          <p:nvPr/>
-        </p:nvSpPr>
-        <p:spPr>
-          <a:xfrm>
-            <a:off x="5456675" y="3176025"/>
-            <a:ext cx="186300" cy="216300"/>
-          </a:xfrm>
-          <a:prstGeom prst="upArrow">
-            <a:avLst>
-              <a:gd fmla="val 50000" name="adj1"/>
-              <a:gd fmla="val 50000" name="adj2"/>
-            </a:avLst>
-          </a:prstGeom>
-          <a:solidFill>
-            <a:schemeClr val="lt2"/>
-          </a:solidFill>
-          <a:ln cap="flat" cmpd="sng" w="9525">
-            <a:solidFill>
-              <a:schemeClr val="dk2"/>
-            </a:solidFill>
-            <a:prstDash val="solid"/>
-            <a:round/>
-            <a:headEnd len="sm" w="sm" type="none"/>
-            <a:tailEnd len="sm" w="sm" type="none"/>
-          </a:ln>
-        </p:spPr>
-        <p:txBody>
-          <a:bodyPr anchorCtr="0" anchor="ctr" bIns="91425" lIns="91425" spcFirstLastPara="1" rIns="91425" wrap="square" tIns="91425">
-            <a:noAutofit/>
-          </a:bodyPr>
-          <a:lstStyle/>
-          <a:p>
-            <a:pPr indent="0" lvl="0" marL="0" rtl="0" algn="l">
-              <a:spcBef>
-                <a:spcPts val="0"/>
-              </a:spcBef>
-              <a:spcAft>
-                <a:spcPts val="0"/>
-              </a:spcAft>
-              <a:buNone/>
-            </a:pPr>
-            <a:r>
-              <a:t/>
-            </a:r>
-            <a:endParaRPr/>
-          </a:p>
-        </p:txBody>
-      </p:sp>
-    </p:spTree>
-  </p:cSld>
-  <p:clrMapOvr>
-    <a:masterClrMapping/>
-  </p:clrMapOvr>
-</p:sld>
-</file>
-
-<file path=ppt/slides/slide8.xml><?xml version="1.0" encoding="utf-8"?>
-<p:sld xmlns:a="http://schemas.openxmlformats.org/drawingml/2006/main" xmlns:r="http://schemas.openxmlformats.org/officeDocument/2006/relationships" xmlns:mc="http://schemas.openxmlformats.org/markup-compatibility/2006" xmlns:mv="urn:schemas-microsoft-com:mac:vml" xmlns:p="http://schemas.openxmlformats.org/presentationml/2006/main" xmlns:c="http://schemas.openxmlformats.org/drawingml/2006/chart" xmlns:dgm="http://schemas.openxmlformats.org/drawingml/2006/diagram" xmlns:o="urn:schemas-microsoft-com:office:office" xmlns:v="urn:schemas-microsoft-com:vml" xmlns:pvml="urn:schemas-microsoft-com:office:powerpoint" xmlns:com="http://schemas.openxmlformats.org/drawingml/2006/compatibility" xmlns:p14="http://schemas.microsoft.com/office/powerpoint/2010/main" xmlns:p15="http://schemas.microsoft.com/office/powerpoint/2012/main" xmlns:ahyp="http://schemas.microsoft.com/office/drawing/2018/hyperlinkcolor">
-  <p:cSld>
-    <p:spTree>
-      <p:nvGrpSpPr>
-        <p:cNvPr id="195" name="Shape 195"/>
-        <p:cNvGrpSpPr/>
-        <p:nvPr/>
-      </p:nvGrpSpPr>
-      <p:grpSpPr>
-        <a:xfrm>
-          <a:off x="0" y="0"/>
-          <a:ext cx="0" cy="0"/>
-          <a:chOff x="0" y="0"/>
-          <a:chExt cx="0" cy="0"/>
-        </a:xfrm>
-      </p:grpSpPr>
-      <p:sp>
-        <p:nvSpPr>
-          <p:cNvPr id="196" name="Google Shape;196;p20"/>
-          <p:cNvSpPr txBox="1"/>
-          <p:nvPr>
-            <p:ph type="title"/>
-          </p:nvPr>
-        </p:nvSpPr>
-        <p:spPr>
-          <a:xfrm>
-            <a:off x="33550" y="416700"/>
-            <a:ext cx="2257500" cy="1126500"/>
-          </a:xfrm>
-          <a:prstGeom prst="rect">
-            <a:avLst/>
-          </a:prstGeom>
-        </p:spPr>
-        <p:txBody>
-          <a:bodyPr anchorCtr="0" anchor="t" bIns="91425" lIns="91425" spcFirstLastPara="1" rIns="91425" wrap="square" tIns="91425">
-            <a:normAutofit/>
-          </a:bodyPr>
-          <a:lstStyle/>
-          <a:p>
-            <a:pPr indent="0" lvl="0" marL="0" rtl="0" algn="ctr">
-              <a:spcBef>
-                <a:spcPts val="0"/>
-              </a:spcBef>
-              <a:spcAft>
-                <a:spcPts val="0"/>
-              </a:spcAft>
-              <a:buNone/>
-            </a:pPr>
-            <a:r>
-              <a:rPr lang="pt-BR" sz="2100"/>
-              <a:t>Implementação em C++</a:t>
-            </a:r>
-            <a:endParaRPr sz="2100"/>
-          </a:p>
-        </p:txBody>
-      </p:sp>
-      <p:sp>
-        <p:nvSpPr>
-          <p:cNvPr id="197" name="Google Shape;197;p20"/>
-          <p:cNvSpPr txBox="1"/>
-          <p:nvPr>
-            <p:ph idx="1" type="body"/>
-          </p:nvPr>
-        </p:nvSpPr>
-        <p:spPr>
-          <a:xfrm>
-            <a:off x="33550" y="1437800"/>
-            <a:ext cx="2180400" cy="1819800"/>
-          </a:xfrm>
-          <a:prstGeom prst="rect">
-            <a:avLst/>
-          </a:prstGeom>
-        </p:spPr>
-        <p:txBody>
-          <a:bodyPr anchorCtr="0" anchor="t" bIns="91425" lIns="91425" spcFirstLastPara="1" rIns="91425" wrap="square" tIns="91425">
-            <a:normAutofit/>
-          </a:bodyPr>
-          <a:lstStyle/>
-          <a:p>
-            <a:pPr indent="0" lvl="0" marL="0" rtl="0" algn="just">
-              <a:spcBef>
-                <a:spcPts val="0"/>
-              </a:spcBef>
-              <a:spcAft>
-                <a:spcPts val="1200"/>
-              </a:spcAft>
-              <a:buNone/>
-            </a:pPr>
-            <a:r>
-              <a:rPr lang="pt-BR"/>
-              <a:t>Ao lado há uma das </a:t>
-            </a:r>
-            <a:r>
-              <a:rPr lang="pt-BR"/>
-              <a:t>possíveis implementações</a:t>
-            </a:r>
-            <a:r>
-              <a:rPr lang="pt-BR"/>
-              <a:t> do problema clássico de encontrar quantos pares de dois elementos diferentes que somados resultem em X.</a:t>
-            </a:r>
-            <a:endParaRPr/>
-          </a:p>
-        </p:txBody>
-      </p:sp>
-      <p:pic>
-        <p:nvPicPr>
-          <p:cNvPr id="198" name="Google Shape;198;p20"/>
-          <p:cNvPicPr preferRelativeResize="0"/>
-          <p:nvPr/>
-        </p:nvPicPr>
-        <p:blipFill>
-          <a:blip r:embed="rId3">
-            <a:alphaModFix/>
-          </a:blip>
-          <a:stretch>
-            <a:fillRect/>
-          </a:stretch>
-        </p:blipFill>
-        <p:spPr>
-          <a:xfrm>
-            <a:off x="2291046" y="462163"/>
-            <a:ext cx="6852950" cy="4681325"/>
-          </a:xfrm>
-          <a:prstGeom prst="rect">
-            <a:avLst/>
-          </a:prstGeom>
-          <a:noFill/>
-          <a:ln>
-            <a:noFill/>
-          </a:ln>
-        </p:spPr>
-      </p:pic>
-      <p:sp>
-        <p:nvSpPr>
-          <p:cNvPr id="199" name="Google Shape;199;p20"/>
-          <p:cNvSpPr/>
-          <p:nvPr/>
-        </p:nvSpPr>
-        <p:spPr>
-          <a:xfrm>
-            <a:off x="119275" y="3724675"/>
-            <a:ext cx="2064900" cy="1205100"/>
-          </a:xfrm>
-          <a:prstGeom prst="roundRect">
-            <a:avLst>
-              <a:gd fmla="val 16667" name="adj"/>
-            </a:avLst>
-          </a:prstGeom>
-          <a:solidFill>
-            <a:schemeClr val="lt2"/>
-          </a:solidFill>
-          <a:ln cap="flat" cmpd="sng" w="9525">
-            <a:solidFill>
-              <a:schemeClr val="dk2"/>
-            </a:solidFill>
-            <a:prstDash val="solid"/>
-            <a:round/>
-            <a:headEnd len="sm" w="sm" type="none"/>
-            <a:tailEnd len="sm" w="sm" type="none"/>
-          </a:ln>
-        </p:spPr>
-        <p:txBody>
-          <a:bodyPr anchorCtr="0" anchor="ctr" bIns="91425" lIns="91425" spcFirstLastPara="1" rIns="91425" wrap="square" tIns="91425">
-            <a:noAutofit/>
-          </a:bodyPr>
-          <a:lstStyle/>
-          <a:p>
-            <a:pPr indent="0" lvl="0" marL="0" rtl="0" algn="l">
-              <a:spcBef>
-                <a:spcPts val="0"/>
-              </a:spcBef>
-              <a:spcAft>
-                <a:spcPts val="0"/>
-              </a:spcAft>
-              <a:buNone/>
-            </a:pPr>
-            <a:r>
-              <a:t/>
-            </a:r>
-            <a:endParaRPr/>
-          </a:p>
-        </p:txBody>
-      </p:sp>
-      <p:sp>
-        <p:nvSpPr>
-          <p:cNvPr id="200" name="Google Shape;200;p20"/>
-          <p:cNvSpPr txBox="1"/>
-          <p:nvPr>
-            <p:ph idx="1" type="body"/>
-          </p:nvPr>
-        </p:nvSpPr>
-        <p:spPr>
-          <a:xfrm>
-            <a:off x="119275" y="3724675"/>
-            <a:ext cx="2064900" cy="1205100"/>
-          </a:xfrm>
-          <a:prstGeom prst="rect">
-            <a:avLst/>
-          </a:prstGeom>
-        </p:spPr>
-        <p:txBody>
-          <a:bodyPr anchorCtr="0" anchor="t" bIns="91425" lIns="91425" spcFirstLastPara="1" rIns="91425" wrap="square" tIns="91425">
-            <a:normAutofit lnSpcReduction="20000"/>
-          </a:bodyPr>
-          <a:lstStyle/>
-          <a:p>
-            <a:pPr indent="0" lvl="0" marL="0" rtl="0" algn="just">
-              <a:spcBef>
-                <a:spcPts val="0"/>
-              </a:spcBef>
-              <a:spcAft>
-                <a:spcPts val="1200"/>
-              </a:spcAft>
-              <a:buNone/>
-            </a:pPr>
-            <a:r>
-              <a:rPr lang="pt-BR"/>
-              <a:t>Resolva também o problema </a:t>
-            </a:r>
-            <a:r>
-              <a:rPr lang="pt-BR" u="sng">
-                <a:solidFill>
-                  <a:schemeClr val="hlink"/>
-                </a:solidFill>
-                <a:hlinkClick r:id="rId4"/>
-              </a:rPr>
-              <a:t>cities robbery</a:t>
-            </a:r>
-            <a:r>
-              <a:rPr lang="pt-BR"/>
-              <a:t>, que também pode ser resolvida usando a técnica dois ponteiros.</a:t>
-            </a:r>
-            <a:endParaRPr/>
-          </a:p>
-        </p:txBody>
-      </p:sp>
-      <p:sp>
-        <p:nvSpPr>
-          <p:cNvPr id="201" name="Google Shape;201;p20"/>
-          <p:cNvSpPr txBox="1"/>
-          <p:nvPr>
-            <p:ph idx="12" type="sldNum"/>
-          </p:nvPr>
-        </p:nvSpPr>
-        <p:spPr>
-          <a:xfrm>
-            <a:off x="8536302" y="4749851"/>
-            <a:ext cx="548700" cy="393600"/>
-          </a:xfrm>
-          <a:prstGeom prst="rect">
-            <a:avLst/>
-          </a:prstGeom>
-        </p:spPr>
-        <p:txBody>
-          <a:bodyPr anchorCtr="0" anchor="ctr" bIns="91425" lIns="91425" spcFirstLastPara="1" rIns="91425" wrap="square" tIns="91425">
-            <a:normAutofit/>
-          </a:bodyPr>
-          <a:lstStyle/>
-          <a:p>
-            <a:pPr indent="0" lvl="0" marL="0" rtl="0" algn="r">
-              <a:spcBef>
-                <a:spcPts val="0"/>
-              </a:spcBef>
-              <a:spcAft>
-                <a:spcPts val="0"/>
-              </a:spcAft>
-              <a:buNone/>
-            </a:pPr>
-            <a:fld id="{00000000-1234-1234-1234-123412341234}" type="slidenum">
-              <a:rPr lang="pt-BR"/>
-              <a:t>‹#›</a:t>
-            </a:fld>
-            <a:endParaRPr/>
-          </a:p>
-        </p:txBody>
-      </p:sp>
-    </p:spTree>
-  </p:cSld>
-  <p:clrMapOvr>
-    <a:masterClrMapping/>
-  </p:clrMapOvr>
-</p:sld>
-</file>
-
-<file path=ppt/slides/slide9.xml><?xml version="1.0" encoding="utf-8"?>
-<p:sld xmlns:a="http://schemas.openxmlformats.org/drawingml/2006/main" xmlns:r="http://schemas.openxmlformats.org/officeDocument/2006/relationships" xmlns:mc="http://schemas.openxmlformats.org/markup-compatibility/2006" xmlns:mv="urn:schemas-microsoft-com:mac:vml" xmlns:p="http://schemas.openxmlformats.org/presentationml/2006/main" xmlns:c="http://schemas.openxmlformats.org/drawingml/2006/chart" xmlns:dgm="http://schemas.openxmlformats.org/drawingml/2006/diagram" xmlns:o="urn:schemas-microsoft-com:office:office" xmlns:v="urn:schemas-microsoft-com:vml" xmlns:pvml="urn:schemas-microsoft-com:office:powerpoint" xmlns:com="http://schemas.openxmlformats.org/drawingml/2006/compatibility" xmlns:p14="http://schemas.microsoft.com/office/powerpoint/2010/main" xmlns:p15="http://schemas.microsoft.com/office/powerpoint/2012/main" xmlns:ahyp="http://schemas.microsoft.com/office/drawing/2018/hyperlinkcolor">
-  <p:cSld>
-    <p:spTree>
-      <p:nvGrpSpPr>
-        <p:cNvPr id="205" name="Shape 205"/>
-        <p:cNvGrpSpPr/>
-        <p:nvPr/>
-      </p:nvGrpSpPr>
-      <p:grpSpPr>
-        <a:xfrm>
-          <a:off x="0" y="0"/>
-          <a:ext cx="0" cy="0"/>
-          <a:chOff x="0" y="0"/>
-          <a:chExt cx="0" cy="0"/>
-        </a:xfrm>
-      </p:grpSpPr>
-      <p:sp>
-        <p:nvSpPr>
-          <p:cNvPr id="206" name="Google Shape;206;p21"/>
-          <p:cNvSpPr txBox="1"/>
-          <p:nvPr/>
-        </p:nvSpPr>
-        <p:spPr>
-          <a:xfrm>
-            <a:off x="699700" y="655225"/>
-            <a:ext cx="4242600" cy="535200"/>
-          </a:xfrm>
-          <a:prstGeom prst="rect">
-            <a:avLst/>
-          </a:prstGeom>
-          <a:noFill/>
-          <a:ln>
-            <a:noFill/>
-          </a:ln>
-        </p:spPr>
-        <p:txBody>
-          <a:bodyPr anchorCtr="0" anchor="t" bIns="91425" lIns="91425" spcFirstLastPara="1" rIns="91425" wrap="square" tIns="91425">
-            <a:normAutofit lnSpcReduction="20000"/>
-          </a:bodyPr>
-          <a:lstStyle/>
-          <a:p>
-            <a:pPr indent="0" lvl="0" marL="0" rtl="0" algn="l">
-              <a:spcBef>
-                <a:spcPts val="0"/>
-              </a:spcBef>
-              <a:spcAft>
-                <a:spcPts val="0"/>
-              </a:spcAft>
-              <a:buNone/>
-            </a:pPr>
-            <a:r>
-              <a:rPr b="1" lang="pt-BR" sz="2600">
-                <a:solidFill>
-                  <a:srgbClr val="1A1A1A"/>
-                </a:solidFill>
-                <a:latin typeface="Raleway"/>
-                <a:ea typeface="Raleway"/>
-                <a:cs typeface="Raleway"/>
-                <a:sym typeface="Raleway"/>
-              </a:rPr>
-              <a:t>Problema </a:t>
-            </a:r>
-            <a:r>
-              <a:rPr b="1" lang="pt-BR" sz="2600" u="sng">
-                <a:solidFill>
-                  <a:schemeClr val="hlink"/>
-                </a:solidFill>
-                <a:latin typeface="Raleway"/>
-                <a:ea typeface="Raleway"/>
-                <a:cs typeface="Raleway"/>
-                <a:sym typeface="Raleway"/>
-                <a:hlinkClick r:id="rId3"/>
-              </a:rPr>
-              <a:t>cities robbery</a:t>
-            </a:r>
-            <a:endParaRPr b="1" sz="2600">
-              <a:solidFill>
-                <a:srgbClr val="1A1A1A"/>
-              </a:solidFill>
-              <a:latin typeface="Raleway"/>
-              <a:ea typeface="Raleway"/>
-              <a:cs typeface="Raleway"/>
-              <a:sym typeface="Raleway"/>
-            </a:endParaRPr>
-          </a:p>
-        </p:txBody>
-      </p:sp>
-      <p:sp>
-        <p:nvSpPr>
-          <p:cNvPr id="207" name="Google Shape;207;p21"/>
-          <p:cNvSpPr txBox="1"/>
-          <p:nvPr>
-            <p:ph idx="1" type="body"/>
-          </p:nvPr>
-        </p:nvSpPr>
-        <p:spPr>
-          <a:xfrm>
-            <a:off x="699700" y="1549050"/>
-            <a:ext cx="8006400" cy="651000"/>
-          </a:xfrm>
-          <a:prstGeom prst="rect">
-            <a:avLst/>
-          </a:prstGeom>
-        </p:spPr>
-        <p:txBody>
-          <a:bodyPr anchorCtr="0" anchor="t" bIns="91425" lIns="91425" spcFirstLastPara="1" rIns="91425" wrap="square" tIns="91425">
-            <a:normAutofit/>
-          </a:bodyPr>
-          <a:lstStyle/>
-          <a:p>
-            <a:pPr indent="0" lvl="0" marL="457200" rtl="0" algn="just">
-              <a:spcBef>
-                <a:spcPts val="0"/>
-              </a:spcBef>
-              <a:spcAft>
-                <a:spcPts val="1200"/>
-              </a:spcAft>
-              <a:buNone/>
-            </a:pPr>
-            <a:r>
-              <a:rPr lang="pt-BR"/>
-              <a:t>Idealização de uma das </a:t>
-            </a:r>
-            <a:r>
-              <a:rPr lang="pt-BR"/>
-              <a:t>possíveis </a:t>
-            </a:r>
-            <a:r>
-              <a:rPr lang="pt-BR"/>
-              <a:t>soluções ao problema com complexidade analisada</a:t>
-            </a:r>
-            <a:endParaRPr/>
-          </a:p>
-        </p:txBody>
-      </p:sp>
-      <p:pic>
-        <p:nvPicPr>
-          <p:cNvPr id="208" name="Google Shape;208;p21"/>
-          <p:cNvPicPr preferRelativeResize="0"/>
-          <p:nvPr/>
-        </p:nvPicPr>
-        <p:blipFill>
-          <a:blip r:embed="rId4">
-            <a:alphaModFix/>
-          </a:blip>
-          <a:stretch>
-            <a:fillRect/>
-          </a:stretch>
-        </p:blipFill>
-        <p:spPr>
-          <a:xfrm>
-            <a:off x="0" y="2200022"/>
-            <a:ext cx="9144001" cy="2943477"/>
-          </a:xfrm>
-          <a:prstGeom prst="rect">
-            <a:avLst/>
-          </a:prstGeom>
-          <a:noFill/>
-          <a:ln>
-            <a:noFill/>
-          </a:ln>
-        </p:spPr>
-      </p:pic>
-      <p:sp>
-        <p:nvSpPr>
-          <p:cNvPr id="209" name="Google Shape;209;p21"/>
+          <p:cNvPr id="218" name="Google Shape;218;p21"/>
           <p:cNvSpPr txBox="1"/>
           <p:nvPr>
             <p:ph idx="12" type="sldNum"/>
